--- a/end-report/images/images.pptx
+++ b/end-report/images/images.pptx
@@ -8,7 +8,14 @@
     <p:sldId id="256" r:id="rId2"/>
     <p:sldId id="257" r:id="rId3"/>
     <p:sldId id="258" r:id="rId4"/>
-    <p:sldId id="259" r:id="rId5"/>
+    <p:sldId id="262" r:id="rId5"/>
+    <p:sldId id="263" r:id="rId6"/>
+    <p:sldId id="264" r:id="rId7"/>
+    <p:sldId id="265" r:id="rId8"/>
+    <p:sldId id="259" r:id="rId9"/>
+    <p:sldId id="261" r:id="rId10"/>
+    <p:sldId id="260" r:id="rId11"/>
+    <p:sldId id="266" r:id="rId12"/>
   </p:sldIdLst>
   <p:sldSz cx="9144000" cy="6858000" type="screen4x3"/>
   <p:notesSz cx="6858000" cy="9144000"/>
@@ -292,7 +299,7 @@
             <a:fld id="{6126EEE9-18AC-4E76-BBC8-ABE5252FD1BF}" type="datetimeFigureOut">
               <a:rPr lang="fr-FR" smtClean="0"/>
               <a:pPr/>
-              <a:t>28/11/2009</a:t>
+              <a:t>31/03/2011</a:t>
             </a:fld>
             <a:endParaRPr lang="fr-BE"/>
           </a:p>
@@ -459,7 +466,7 @@
             <a:fld id="{6126EEE9-18AC-4E76-BBC8-ABE5252FD1BF}" type="datetimeFigureOut">
               <a:rPr lang="fr-FR" smtClean="0"/>
               <a:pPr/>
-              <a:t>28/11/2009</a:t>
+              <a:t>31/03/2011</a:t>
             </a:fld>
             <a:endParaRPr lang="fr-BE"/>
           </a:p>
@@ -636,7 +643,7 @@
             <a:fld id="{6126EEE9-18AC-4E76-BBC8-ABE5252FD1BF}" type="datetimeFigureOut">
               <a:rPr lang="fr-FR" smtClean="0"/>
               <a:pPr/>
-              <a:t>28/11/2009</a:t>
+              <a:t>31/03/2011</a:t>
             </a:fld>
             <a:endParaRPr lang="fr-BE"/>
           </a:p>
@@ -803,7 +810,7 @@
             <a:fld id="{6126EEE9-18AC-4E76-BBC8-ABE5252FD1BF}" type="datetimeFigureOut">
               <a:rPr lang="fr-FR" smtClean="0"/>
               <a:pPr/>
-              <a:t>28/11/2009</a:t>
+              <a:t>31/03/2011</a:t>
             </a:fld>
             <a:endParaRPr lang="fr-BE"/>
           </a:p>
@@ -1046,7 +1053,7 @@
             <a:fld id="{6126EEE9-18AC-4E76-BBC8-ABE5252FD1BF}" type="datetimeFigureOut">
               <a:rPr lang="fr-FR" smtClean="0"/>
               <a:pPr/>
-              <a:t>28/11/2009</a:t>
+              <a:t>31/03/2011</a:t>
             </a:fld>
             <a:endParaRPr lang="fr-BE"/>
           </a:p>
@@ -1331,7 +1338,7 @@
             <a:fld id="{6126EEE9-18AC-4E76-BBC8-ABE5252FD1BF}" type="datetimeFigureOut">
               <a:rPr lang="fr-FR" smtClean="0"/>
               <a:pPr/>
-              <a:t>28/11/2009</a:t>
+              <a:t>31/03/2011</a:t>
             </a:fld>
             <a:endParaRPr lang="fr-BE"/>
           </a:p>
@@ -1750,7 +1757,7 @@
             <a:fld id="{6126EEE9-18AC-4E76-BBC8-ABE5252FD1BF}" type="datetimeFigureOut">
               <a:rPr lang="fr-FR" smtClean="0"/>
               <a:pPr/>
-              <a:t>28/11/2009</a:t>
+              <a:t>31/03/2011</a:t>
             </a:fld>
             <a:endParaRPr lang="fr-BE"/>
           </a:p>
@@ -1865,7 +1872,7 @@
             <a:fld id="{6126EEE9-18AC-4E76-BBC8-ABE5252FD1BF}" type="datetimeFigureOut">
               <a:rPr lang="fr-FR" smtClean="0"/>
               <a:pPr/>
-              <a:t>28/11/2009</a:t>
+              <a:t>31/03/2011</a:t>
             </a:fld>
             <a:endParaRPr lang="fr-BE"/>
           </a:p>
@@ -1957,7 +1964,7 @@
             <a:fld id="{6126EEE9-18AC-4E76-BBC8-ABE5252FD1BF}" type="datetimeFigureOut">
               <a:rPr lang="fr-FR" smtClean="0"/>
               <a:pPr/>
-              <a:t>28/11/2009</a:t>
+              <a:t>31/03/2011</a:t>
             </a:fld>
             <a:endParaRPr lang="fr-BE"/>
           </a:p>
@@ -2231,7 +2238,7 @@
             <a:fld id="{6126EEE9-18AC-4E76-BBC8-ABE5252FD1BF}" type="datetimeFigureOut">
               <a:rPr lang="fr-FR" smtClean="0"/>
               <a:pPr/>
-              <a:t>28/11/2009</a:t>
+              <a:t>31/03/2011</a:t>
             </a:fld>
             <a:endParaRPr lang="fr-BE"/>
           </a:p>
@@ -2481,7 +2488,7 @@
             <a:fld id="{6126EEE9-18AC-4E76-BBC8-ABE5252FD1BF}" type="datetimeFigureOut">
               <a:rPr lang="fr-FR" smtClean="0"/>
               <a:pPr/>
-              <a:t>28/11/2009</a:t>
+              <a:t>31/03/2011</a:t>
             </a:fld>
             <a:endParaRPr lang="fr-BE"/>
           </a:p>
@@ -2691,7 +2698,7 @@
             <a:fld id="{6126EEE9-18AC-4E76-BBC8-ABE5252FD1BF}" type="datetimeFigureOut">
               <a:rPr lang="fr-FR" smtClean="0"/>
               <a:pPr/>
-              <a:t>28/11/2009</a:t>
+              <a:t>31/03/2011</a:t>
             </a:fld>
             <a:endParaRPr lang="fr-BE"/>
           </a:p>
@@ -3691,6 +3698,1880 @@
 </p:sld>
 </file>
 
+<file path=ppt/slides/slide10.xml><?xml version="1.0" encoding="utf-8"?>
+<p:sld xmlns:a="http://schemas.openxmlformats.org/drawingml/2006/main" xmlns:r="http://schemas.openxmlformats.org/officeDocument/2006/relationships" xmlns:p="http://schemas.openxmlformats.org/presentationml/2006/main">
+  <p:cSld>
+    <p:spTree>
+      <p:nvGrpSpPr>
+        <p:cNvPr id="1" name=""/>
+        <p:cNvGrpSpPr/>
+        <p:nvPr/>
+      </p:nvGrpSpPr>
+      <p:grpSpPr>
+        <a:xfrm>
+          <a:off x="0" y="0"/>
+          <a:ext cx="0" cy="0"/>
+          <a:chOff x="0" y="0"/>
+          <a:chExt cx="0" cy="0"/>
+        </a:xfrm>
+      </p:grpSpPr>
+      <p:grpSp>
+        <p:nvGrpSpPr>
+          <p:cNvPr id="2" name="Groupe 32"/>
+          <p:cNvGrpSpPr/>
+          <p:nvPr/>
+        </p:nvGrpSpPr>
+        <p:grpSpPr>
+          <a:xfrm>
+            <a:off x="251520" y="188640"/>
+            <a:ext cx="5400599" cy="3672408"/>
+            <a:chOff x="971601" y="908720"/>
+            <a:chExt cx="5400599" cy="3672408"/>
+          </a:xfrm>
+        </p:grpSpPr>
+        <p:sp>
+          <p:nvSpPr>
+            <p:cNvPr id="9" name="Rectangle 8"/>
+            <p:cNvSpPr/>
+            <p:nvPr/>
+          </p:nvSpPr>
+          <p:spPr>
+            <a:xfrm>
+              <a:off x="1763688" y="1556792"/>
+              <a:ext cx="4353250" cy="2880320"/>
+            </a:xfrm>
+            <a:prstGeom prst="rect">
+              <a:avLst/>
+            </a:prstGeom>
+            <a:gradFill flip="none" rotWithShape="1">
+              <a:gsLst>
+                <a:gs pos="100000">
+                  <a:srgbClr val="00B050"/>
+                </a:gs>
+                <a:gs pos="0">
+                  <a:srgbClr val="FF0000"/>
+                </a:gs>
+              </a:gsLst>
+              <a:path path="circle">
+                <a:fillToRect l="100000" t="100000"/>
+              </a:path>
+              <a:tileRect r="-100000" b="-100000"/>
+            </a:gradFill>
+            <a:ln>
+              <a:noFill/>
+            </a:ln>
+          </p:spPr>
+          <p:style>
+            <a:lnRef idx="2">
+              <a:schemeClr val="accent1">
+                <a:shade val="50000"/>
+              </a:schemeClr>
+            </a:lnRef>
+            <a:fillRef idx="1">
+              <a:schemeClr val="accent1"/>
+            </a:fillRef>
+            <a:effectRef idx="0">
+              <a:schemeClr val="accent1"/>
+            </a:effectRef>
+            <a:fontRef idx="minor">
+              <a:schemeClr val="lt1"/>
+            </a:fontRef>
+          </p:style>
+          <p:txBody>
+            <a:bodyPr rtlCol="0" anchor="ctr"/>
+            <a:lstStyle/>
+            <a:p>
+              <a:pPr algn="ctr"/>
+              <a:endParaRPr lang="fr-BE"/>
+            </a:p>
+          </p:txBody>
+        </p:sp>
+        <p:cxnSp>
+          <p:nvCxnSpPr>
+            <p:cNvPr id="3" name="Connecteur droit avec flèche 2"/>
+            <p:cNvCxnSpPr/>
+            <p:nvPr/>
+          </p:nvCxnSpPr>
+          <p:spPr>
+            <a:xfrm>
+              <a:off x="1547664" y="1556792"/>
+              <a:ext cx="4824536" cy="1588"/>
+            </a:xfrm>
+            <a:prstGeom prst="straightConnector1">
+              <a:avLst/>
+            </a:prstGeom>
+            <a:ln>
+              <a:tailEnd type="arrow"/>
+            </a:ln>
+          </p:spPr>
+          <p:style>
+            <a:lnRef idx="3">
+              <a:schemeClr val="dk1"/>
+            </a:lnRef>
+            <a:fillRef idx="0">
+              <a:schemeClr val="dk1"/>
+            </a:fillRef>
+            <a:effectRef idx="2">
+              <a:schemeClr val="dk1"/>
+            </a:effectRef>
+            <a:fontRef idx="minor">
+              <a:schemeClr val="tx1"/>
+            </a:fontRef>
+          </p:style>
+        </p:cxnSp>
+        <p:cxnSp>
+          <p:nvCxnSpPr>
+            <p:cNvPr id="6" name="Connecteur droit avec flèche 5"/>
+            <p:cNvCxnSpPr/>
+            <p:nvPr/>
+          </p:nvCxnSpPr>
+          <p:spPr>
+            <a:xfrm rot="5400000">
+              <a:off x="147700" y="2956756"/>
+              <a:ext cx="3240360" cy="8384"/>
+            </a:xfrm>
+            <a:prstGeom prst="straightConnector1">
+              <a:avLst/>
+            </a:prstGeom>
+            <a:ln>
+              <a:tailEnd type="arrow"/>
+            </a:ln>
+          </p:spPr>
+          <p:style>
+            <a:lnRef idx="3">
+              <a:schemeClr val="dk1"/>
+            </a:lnRef>
+            <a:fillRef idx="0">
+              <a:schemeClr val="dk1"/>
+            </a:fillRef>
+            <a:effectRef idx="2">
+              <a:schemeClr val="dk1"/>
+            </a:effectRef>
+            <a:fontRef idx="minor">
+              <a:schemeClr val="tx1"/>
+            </a:fontRef>
+          </p:style>
+        </p:cxnSp>
+        <p:sp>
+          <p:nvSpPr>
+            <p:cNvPr id="10" name="ZoneTexte 9"/>
+            <p:cNvSpPr txBox="1"/>
+            <p:nvPr/>
+          </p:nvSpPr>
+          <p:spPr>
+            <a:xfrm>
+              <a:off x="2555776" y="908720"/>
+              <a:ext cx="3043764" cy="313350"/>
+            </a:xfrm>
+            <a:prstGeom prst="rect">
+              <a:avLst/>
+            </a:prstGeom>
+            <a:noFill/>
+          </p:spPr>
+          <p:txBody>
+            <a:bodyPr wrap="none" lIns="72000" tIns="0" rIns="72000" bIns="36000" rtlCol="0">
+              <a:spAutoFit/>
+            </a:bodyPr>
+            <a:lstStyle/>
+            <a:p>
+              <a:r>
+                <a:rPr lang="fr-BE" b="1" smtClean="0"/>
+                <a:t>sparsity of the training sample</a:t>
+              </a:r>
+              <a:endParaRPr lang="fr-BE" b="1"/>
+            </a:p>
+          </p:txBody>
+        </p:sp>
+        <p:sp>
+          <p:nvSpPr>
+            <p:cNvPr id="11" name="ZoneTexte 10"/>
+            <p:cNvSpPr txBox="1"/>
+            <p:nvPr/>
+          </p:nvSpPr>
+          <p:spPr>
+            <a:xfrm rot="16200000">
+              <a:off x="426371" y="2750094"/>
+              <a:ext cx="1440161" cy="349702"/>
+            </a:xfrm>
+            <a:prstGeom prst="rect">
+              <a:avLst/>
+            </a:prstGeom>
+            <a:noFill/>
+          </p:spPr>
+          <p:txBody>
+            <a:bodyPr wrap="square" lIns="72000" tIns="36000" rIns="72000" bIns="36000" rtlCol="0">
+              <a:spAutoFit/>
+            </a:bodyPr>
+            <a:lstStyle/>
+            <a:p>
+              <a:r>
+                <a:rPr lang="fr-BE" b="1" smtClean="0"/>
+                <a:t>alphabet  size</a:t>
+              </a:r>
+              <a:endParaRPr lang="fr-BE" b="1"/>
+            </a:p>
+          </p:txBody>
+        </p:sp>
+        <p:cxnSp>
+          <p:nvCxnSpPr>
+            <p:cNvPr id="12" name="Connecteur droit avec flèche 11"/>
+            <p:cNvCxnSpPr/>
+            <p:nvPr/>
+          </p:nvCxnSpPr>
+          <p:spPr>
+            <a:xfrm rot="5400000">
+              <a:off x="1336000" y="2969342"/>
+              <a:ext cx="3024000" cy="8384"/>
+            </a:xfrm>
+            <a:prstGeom prst="straightConnector1">
+              <a:avLst/>
+            </a:prstGeom>
+            <a:ln>
+              <a:tailEnd type="none"/>
+            </a:ln>
+          </p:spPr>
+          <p:style>
+            <a:lnRef idx="1">
+              <a:schemeClr val="dk1"/>
+            </a:lnRef>
+            <a:fillRef idx="0">
+              <a:schemeClr val="dk1"/>
+            </a:fillRef>
+            <a:effectRef idx="0">
+              <a:schemeClr val="dk1"/>
+            </a:effectRef>
+            <a:fontRef idx="minor">
+              <a:schemeClr val="tx1"/>
+            </a:fontRef>
+          </p:style>
+        </p:cxnSp>
+        <p:sp>
+          <p:nvSpPr>
+            <p:cNvPr id="13" name="ZoneTexte 12"/>
+            <p:cNvSpPr txBox="1"/>
+            <p:nvPr/>
+          </p:nvSpPr>
+          <p:spPr>
+            <a:xfrm>
+              <a:off x="2051720" y="1196752"/>
+              <a:ext cx="4075155" cy="369332"/>
+            </a:xfrm>
+            <a:prstGeom prst="rect">
+              <a:avLst/>
+            </a:prstGeom>
+            <a:noFill/>
+          </p:spPr>
+          <p:txBody>
+            <a:bodyPr wrap="none" rtlCol="0">
+              <a:spAutoFit/>
+            </a:bodyPr>
+            <a:lstStyle/>
+            <a:p>
+              <a:pPr>
+                <a:tabLst>
+                  <a:tab pos="1077913" algn="l"/>
+                  <a:tab pos="2154238" algn="l"/>
+                  <a:tab pos="3232150" algn="l"/>
+                </a:tabLst>
+              </a:pPr>
+              <a:r>
+                <a:rPr lang="fr-BE" smtClean="0"/>
+                <a:t>100%	50%	25%	12.5% </a:t>
+              </a:r>
+              <a:endParaRPr lang="fr-BE"/>
+            </a:p>
+          </p:txBody>
+        </p:sp>
+        <p:cxnSp>
+          <p:nvCxnSpPr>
+            <p:cNvPr id="16" name="Connecteur droit avec flèche 15"/>
+            <p:cNvCxnSpPr/>
+            <p:nvPr/>
+          </p:nvCxnSpPr>
+          <p:spPr>
+            <a:xfrm rot="5400000">
+              <a:off x="2443867" y="2969342"/>
+              <a:ext cx="3024000" cy="8384"/>
+            </a:xfrm>
+            <a:prstGeom prst="straightConnector1">
+              <a:avLst/>
+            </a:prstGeom>
+            <a:ln>
+              <a:tailEnd type="none"/>
+            </a:ln>
+          </p:spPr>
+          <p:style>
+            <a:lnRef idx="1">
+              <a:schemeClr val="dk1"/>
+            </a:lnRef>
+            <a:fillRef idx="0">
+              <a:schemeClr val="dk1"/>
+            </a:fillRef>
+            <a:effectRef idx="0">
+              <a:schemeClr val="dk1"/>
+            </a:effectRef>
+            <a:fontRef idx="minor">
+              <a:schemeClr val="tx1"/>
+            </a:fontRef>
+          </p:style>
+        </p:cxnSp>
+        <p:cxnSp>
+          <p:nvCxnSpPr>
+            <p:cNvPr id="17" name="Connecteur droit avec flèche 16"/>
+            <p:cNvCxnSpPr/>
+            <p:nvPr/>
+          </p:nvCxnSpPr>
+          <p:spPr>
+            <a:xfrm rot="5400000">
+              <a:off x="3568248" y="2969342"/>
+              <a:ext cx="3024000" cy="8384"/>
+            </a:xfrm>
+            <a:prstGeom prst="straightConnector1">
+              <a:avLst/>
+            </a:prstGeom>
+            <a:ln>
+              <a:tailEnd type="none"/>
+            </a:ln>
+          </p:spPr>
+          <p:style>
+            <a:lnRef idx="1">
+              <a:schemeClr val="dk1"/>
+            </a:lnRef>
+            <a:fillRef idx="0">
+              <a:schemeClr val="dk1"/>
+            </a:fillRef>
+            <a:effectRef idx="0">
+              <a:schemeClr val="dk1"/>
+            </a:effectRef>
+            <a:fontRef idx="minor">
+              <a:schemeClr val="tx1"/>
+            </a:fontRef>
+          </p:style>
+        </p:cxnSp>
+        <p:cxnSp>
+          <p:nvCxnSpPr>
+            <p:cNvPr id="21" name="Connecteur droit avec flèche 20"/>
+            <p:cNvCxnSpPr/>
+            <p:nvPr/>
+          </p:nvCxnSpPr>
+          <p:spPr>
+            <a:xfrm>
+              <a:off x="1691680" y="2131268"/>
+              <a:ext cx="4500000" cy="1588"/>
+            </a:xfrm>
+            <a:prstGeom prst="straightConnector1">
+              <a:avLst/>
+            </a:prstGeom>
+            <a:ln>
+              <a:tailEnd type="none"/>
+            </a:ln>
+          </p:spPr>
+          <p:style>
+            <a:lnRef idx="1">
+              <a:schemeClr val="dk1"/>
+            </a:lnRef>
+            <a:fillRef idx="0">
+              <a:schemeClr val="dk1"/>
+            </a:fillRef>
+            <a:effectRef idx="0">
+              <a:schemeClr val="dk1"/>
+            </a:effectRef>
+            <a:fontRef idx="minor">
+              <a:schemeClr val="tx1"/>
+            </a:fontRef>
+          </p:style>
+        </p:cxnSp>
+        <p:sp>
+          <p:nvSpPr>
+            <p:cNvPr id="25" name="ZoneTexte 24"/>
+            <p:cNvSpPr txBox="1"/>
+            <p:nvPr/>
+          </p:nvSpPr>
+          <p:spPr>
+            <a:xfrm>
+              <a:off x="1244134" y="1724055"/>
+              <a:ext cx="504056" cy="2585323"/>
+            </a:xfrm>
+            <a:prstGeom prst="rect">
+              <a:avLst/>
+            </a:prstGeom>
+            <a:noFill/>
+          </p:spPr>
+          <p:txBody>
+            <a:bodyPr wrap="square" rtlCol="0">
+              <a:spAutoFit/>
+            </a:bodyPr>
+            <a:lstStyle/>
+            <a:p>
+              <a:pPr algn="r">
+                <a:tabLst>
+                  <a:tab pos="1077913" algn="l"/>
+                  <a:tab pos="2154238" algn="l"/>
+                  <a:tab pos="3232150" algn="l"/>
+                </a:tabLst>
+              </a:pPr>
+              <a:r>
+                <a:rPr lang="fr-BE" smtClean="0"/>
+                <a:t>2</a:t>
+              </a:r>
+            </a:p>
+            <a:p>
+              <a:pPr algn="r">
+                <a:tabLst>
+                  <a:tab pos="1077913" algn="l"/>
+                  <a:tab pos="2154238" algn="l"/>
+                  <a:tab pos="3232150" algn="l"/>
+                </a:tabLst>
+              </a:pPr>
+              <a:endParaRPr lang="fr-BE" smtClean="0"/>
+            </a:p>
+            <a:p>
+              <a:pPr algn="r">
+                <a:tabLst>
+                  <a:tab pos="1077913" algn="l"/>
+                  <a:tab pos="2154238" algn="l"/>
+                  <a:tab pos="3232150" algn="l"/>
+                </a:tabLst>
+              </a:pPr>
+              <a:r>
+                <a:rPr lang="fr-BE" smtClean="0"/>
+                <a:t>5</a:t>
+              </a:r>
+            </a:p>
+            <a:p>
+              <a:pPr algn="r">
+                <a:tabLst>
+                  <a:tab pos="1077913" algn="l"/>
+                  <a:tab pos="2154238" algn="l"/>
+                  <a:tab pos="3232150" algn="l"/>
+                </a:tabLst>
+              </a:pPr>
+              <a:endParaRPr lang="fr-BE" smtClean="0"/>
+            </a:p>
+            <a:p>
+              <a:pPr algn="r">
+                <a:tabLst>
+                  <a:tab pos="1077913" algn="l"/>
+                  <a:tab pos="2154238" algn="l"/>
+                  <a:tab pos="3232150" algn="l"/>
+                </a:tabLst>
+              </a:pPr>
+              <a:r>
+                <a:rPr lang="fr-BE" smtClean="0"/>
+                <a:t>10</a:t>
+              </a:r>
+            </a:p>
+            <a:p>
+              <a:pPr algn="r">
+                <a:tabLst>
+                  <a:tab pos="1077913" algn="l"/>
+                  <a:tab pos="2154238" algn="l"/>
+                  <a:tab pos="3232150" algn="l"/>
+                </a:tabLst>
+              </a:pPr>
+              <a:endParaRPr lang="fr-BE" smtClean="0"/>
+            </a:p>
+            <a:p>
+              <a:pPr algn="r">
+                <a:tabLst>
+                  <a:tab pos="1077913" algn="l"/>
+                  <a:tab pos="2154238" algn="l"/>
+                  <a:tab pos="3232150" algn="l"/>
+                </a:tabLst>
+              </a:pPr>
+              <a:r>
+                <a:rPr lang="fr-BE" smtClean="0"/>
+                <a:t>20</a:t>
+              </a:r>
+            </a:p>
+            <a:p>
+              <a:pPr algn="r">
+                <a:tabLst>
+                  <a:tab pos="1077913" algn="l"/>
+                  <a:tab pos="2154238" algn="l"/>
+                  <a:tab pos="3232150" algn="l"/>
+                </a:tabLst>
+              </a:pPr>
+              <a:endParaRPr lang="fr-BE" smtClean="0"/>
+            </a:p>
+            <a:p>
+              <a:pPr algn="r">
+                <a:tabLst>
+                  <a:tab pos="1077913" algn="l"/>
+                  <a:tab pos="2154238" algn="l"/>
+                  <a:tab pos="3232150" algn="l"/>
+                </a:tabLst>
+              </a:pPr>
+              <a:r>
+                <a:rPr lang="fr-BE" smtClean="0"/>
+                <a:t>50</a:t>
+              </a:r>
+              <a:endParaRPr lang="fr-BE"/>
+            </a:p>
+          </p:txBody>
+        </p:sp>
+        <p:cxnSp>
+          <p:nvCxnSpPr>
+            <p:cNvPr id="26" name="Connecteur droit avec flèche 25"/>
+            <p:cNvCxnSpPr/>
+            <p:nvPr/>
+          </p:nvCxnSpPr>
+          <p:spPr>
+            <a:xfrm>
+              <a:off x="1691680" y="2707332"/>
+              <a:ext cx="4500000" cy="1588"/>
+            </a:xfrm>
+            <a:prstGeom prst="straightConnector1">
+              <a:avLst/>
+            </a:prstGeom>
+            <a:ln>
+              <a:tailEnd type="none"/>
+            </a:ln>
+          </p:spPr>
+          <p:style>
+            <a:lnRef idx="1">
+              <a:schemeClr val="dk1"/>
+            </a:lnRef>
+            <a:fillRef idx="0">
+              <a:schemeClr val="dk1"/>
+            </a:fillRef>
+            <a:effectRef idx="0">
+              <a:schemeClr val="dk1"/>
+            </a:effectRef>
+            <a:fontRef idx="minor">
+              <a:schemeClr val="tx1"/>
+            </a:fontRef>
+          </p:style>
+        </p:cxnSp>
+        <p:cxnSp>
+          <p:nvCxnSpPr>
+            <p:cNvPr id="27" name="Connecteur droit avec flèche 26"/>
+            <p:cNvCxnSpPr/>
+            <p:nvPr/>
+          </p:nvCxnSpPr>
+          <p:spPr>
+            <a:xfrm>
+              <a:off x="1691680" y="3283396"/>
+              <a:ext cx="4500000" cy="1588"/>
+            </a:xfrm>
+            <a:prstGeom prst="straightConnector1">
+              <a:avLst/>
+            </a:prstGeom>
+            <a:ln>
+              <a:tailEnd type="none"/>
+            </a:ln>
+          </p:spPr>
+          <p:style>
+            <a:lnRef idx="1">
+              <a:schemeClr val="dk1"/>
+            </a:lnRef>
+            <a:fillRef idx="0">
+              <a:schemeClr val="dk1"/>
+            </a:fillRef>
+            <a:effectRef idx="0">
+              <a:schemeClr val="dk1"/>
+            </a:effectRef>
+            <a:fontRef idx="minor">
+              <a:schemeClr val="tx1"/>
+            </a:fontRef>
+          </p:style>
+        </p:cxnSp>
+        <p:cxnSp>
+          <p:nvCxnSpPr>
+            <p:cNvPr id="28" name="Connecteur droit avec flèche 27"/>
+            <p:cNvCxnSpPr/>
+            <p:nvPr/>
+          </p:nvCxnSpPr>
+          <p:spPr>
+            <a:xfrm>
+              <a:off x="1691680" y="3859460"/>
+              <a:ext cx="4500000" cy="1588"/>
+            </a:xfrm>
+            <a:prstGeom prst="straightConnector1">
+              <a:avLst/>
+            </a:prstGeom>
+            <a:ln>
+              <a:tailEnd type="none"/>
+            </a:ln>
+          </p:spPr>
+          <p:style>
+            <a:lnRef idx="1">
+              <a:schemeClr val="dk1"/>
+            </a:lnRef>
+            <a:fillRef idx="0">
+              <a:schemeClr val="dk1"/>
+            </a:fillRef>
+            <a:effectRef idx="0">
+              <a:schemeClr val="dk1"/>
+            </a:effectRef>
+            <a:fontRef idx="minor">
+              <a:schemeClr val="tx1"/>
+            </a:fontRef>
+          </p:style>
+        </p:cxnSp>
+        <p:sp>
+          <p:nvSpPr>
+            <p:cNvPr id="31" name="ZoneTexte 30"/>
+            <p:cNvSpPr txBox="1"/>
+            <p:nvPr/>
+          </p:nvSpPr>
+          <p:spPr>
+            <a:xfrm>
+              <a:off x="1762628" y="1708691"/>
+              <a:ext cx="4392488" cy="2631490"/>
+            </a:xfrm>
+            <a:prstGeom prst="rect">
+              <a:avLst/>
+            </a:prstGeom>
+            <a:noFill/>
+          </p:spPr>
+          <p:txBody>
+            <a:bodyPr wrap="square" rtlCol="0">
+              <a:spAutoFit/>
+            </a:bodyPr>
+            <a:lstStyle/>
+            <a:p>
+              <a:pPr>
+                <a:lnSpc>
+                  <a:spcPts val="2230"/>
+                </a:lnSpc>
+                <a:tabLst>
+                  <a:tab pos="465138" algn="ctr"/>
+                  <a:tab pos="1549400" algn="ctr"/>
+                  <a:tab pos="2649538" algn="ctr"/>
+                  <a:tab pos="3719513" algn="ctr"/>
+                </a:tabLst>
+              </a:pPr>
+              <a:r>
+                <a:rPr lang="fr-BE" sz="2400" b="1" smtClean="0">
+                  <a:solidFill>
+                    <a:schemeClr val="bg1"/>
+                  </a:solidFill>
+                </a:rPr>
+                <a:t>	</a:t>
+              </a:r>
+              <a:r>
+                <a:rPr lang="fr-BE" sz="2000" b="1" smtClean="0">
+                  <a:solidFill>
+                    <a:schemeClr val="bg1"/>
+                  </a:solidFill>
+                </a:rPr>
+                <a:t> 0.989	0.95	0.67	0.66 </a:t>
+              </a:r>
+            </a:p>
+            <a:p>
+              <a:pPr>
+                <a:lnSpc>
+                  <a:spcPts val="2230"/>
+                </a:lnSpc>
+                <a:tabLst>
+                  <a:tab pos="465138" algn="ctr"/>
+                  <a:tab pos="1549400" algn="ctr"/>
+                  <a:tab pos="2649538" algn="ctr"/>
+                  <a:tab pos="3719513" algn="ctr"/>
+                </a:tabLst>
+              </a:pPr>
+              <a:endParaRPr lang="fr-BE" sz="2000" b="1" smtClean="0">
+                <a:solidFill>
+                  <a:schemeClr val="bg1"/>
+                </a:solidFill>
+              </a:endParaRPr>
+            </a:p>
+            <a:p>
+              <a:pPr>
+                <a:lnSpc>
+                  <a:spcPts val="2230"/>
+                </a:lnSpc>
+                <a:tabLst>
+                  <a:tab pos="465138" algn="ctr"/>
+                  <a:tab pos="1549400" algn="ctr"/>
+                  <a:tab pos="2649538" algn="ctr"/>
+                  <a:tab pos="3719513" algn="ctr"/>
+                </a:tabLst>
+              </a:pPr>
+              <a:r>
+                <a:rPr lang="fr-BE" sz="2000" b="1" smtClean="0">
+                  <a:solidFill>
+                    <a:schemeClr val="bg1"/>
+                  </a:solidFill>
+                </a:rPr>
+                <a:t>	0.96 	0.77	0.60	0.51</a:t>
+              </a:r>
+            </a:p>
+            <a:p>
+              <a:pPr>
+                <a:lnSpc>
+                  <a:spcPts val="2230"/>
+                </a:lnSpc>
+                <a:tabLst>
+                  <a:tab pos="465138" algn="ctr"/>
+                  <a:tab pos="1549400" algn="ctr"/>
+                  <a:tab pos="2649538" algn="ctr"/>
+                  <a:tab pos="3719513" algn="ctr"/>
+                </a:tabLst>
+              </a:pPr>
+              <a:endParaRPr lang="fr-BE" sz="2000" b="1" smtClean="0">
+                <a:solidFill>
+                  <a:schemeClr val="bg1"/>
+                </a:solidFill>
+              </a:endParaRPr>
+            </a:p>
+            <a:p>
+              <a:pPr>
+                <a:lnSpc>
+                  <a:spcPts val="2230"/>
+                </a:lnSpc>
+                <a:tabLst>
+                  <a:tab pos="465138" algn="ctr"/>
+                  <a:tab pos="1549400" algn="ctr"/>
+                  <a:tab pos="2649538" algn="ctr"/>
+                  <a:tab pos="3719513" algn="ctr"/>
+                </a:tabLst>
+              </a:pPr>
+              <a:r>
+                <a:rPr lang="fr-BE" sz="2000" b="1" smtClean="0">
+                  <a:solidFill>
+                    <a:schemeClr val="bg1"/>
+                  </a:solidFill>
+                </a:rPr>
+                <a:t>	0.93	0.64 	0.50	0.50</a:t>
+              </a:r>
+            </a:p>
+            <a:p>
+              <a:pPr>
+                <a:lnSpc>
+                  <a:spcPts val="2230"/>
+                </a:lnSpc>
+                <a:tabLst>
+                  <a:tab pos="465138" algn="ctr"/>
+                  <a:tab pos="1549400" algn="ctr"/>
+                  <a:tab pos="2649538" algn="ctr"/>
+                  <a:tab pos="3719513" algn="ctr"/>
+                </a:tabLst>
+              </a:pPr>
+              <a:endParaRPr lang="fr-BE" sz="2000" b="1" smtClean="0">
+                <a:solidFill>
+                  <a:schemeClr val="bg1"/>
+                </a:solidFill>
+              </a:endParaRPr>
+            </a:p>
+            <a:p>
+              <a:pPr>
+                <a:lnSpc>
+                  <a:spcPts val="2230"/>
+                </a:lnSpc>
+                <a:tabLst>
+                  <a:tab pos="465138" algn="ctr"/>
+                  <a:tab pos="1549400" algn="ctr"/>
+                  <a:tab pos="2649538" algn="ctr"/>
+                  <a:tab pos="3719513" algn="ctr"/>
+                </a:tabLst>
+              </a:pPr>
+              <a:r>
+                <a:rPr lang="fr-BE" sz="2000" b="1" smtClean="0">
+                  <a:solidFill>
+                    <a:schemeClr val="bg1"/>
+                  </a:solidFill>
+                </a:rPr>
+                <a:t>	0.90	0.63	0.54	0.50</a:t>
+              </a:r>
+            </a:p>
+            <a:p>
+              <a:pPr>
+                <a:lnSpc>
+                  <a:spcPts val="2230"/>
+                </a:lnSpc>
+                <a:tabLst>
+                  <a:tab pos="465138" algn="ctr"/>
+                  <a:tab pos="1549400" algn="ctr"/>
+                  <a:tab pos="2649538" algn="ctr"/>
+                  <a:tab pos="3719513" algn="ctr"/>
+                </a:tabLst>
+              </a:pPr>
+              <a:endParaRPr lang="fr-BE" sz="2000" b="1" smtClean="0">
+                <a:solidFill>
+                  <a:schemeClr val="bg1"/>
+                </a:solidFill>
+              </a:endParaRPr>
+            </a:p>
+            <a:p>
+              <a:pPr>
+                <a:lnSpc>
+                  <a:spcPts val="2230"/>
+                </a:lnSpc>
+                <a:tabLst>
+                  <a:tab pos="465138" algn="ctr"/>
+                  <a:tab pos="1549400" algn="ctr"/>
+                  <a:tab pos="2649538" algn="ctr"/>
+                  <a:tab pos="3719513" algn="ctr"/>
+                </a:tabLst>
+              </a:pPr>
+              <a:r>
+                <a:rPr lang="fr-BE" sz="2000" b="1" smtClean="0">
+                  <a:solidFill>
+                    <a:schemeClr val="bg1"/>
+                  </a:solidFill>
+                </a:rPr>
+                <a:t>	0.80	0.64	0.57	0.50</a:t>
+              </a:r>
+            </a:p>
+          </p:txBody>
+        </p:sp>
+      </p:grpSp>
+      <p:pic>
+        <p:nvPicPr>
+          <p:cNvPr id="1026" name="Picture 2" descr="D:\blambeau\Work\ucl\thesis\stamina\grid\baseline\redblue\redblue.gif"/>
+          <p:cNvPicPr>
+            <a:picLocks noChangeAspect="1" noChangeArrowheads="1"/>
+          </p:cNvPicPr>
+          <p:nvPr/>
+        </p:nvPicPr>
+        <p:blipFill>
+          <a:blip r:embed="rId2" cstate="print"/>
+          <a:srcRect/>
+          <a:stretch>
+            <a:fillRect/>
+          </a:stretch>
+        </p:blipFill>
+        <p:spPr bwMode="auto">
+          <a:xfrm>
+            <a:off x="5868144" y="404664"/>
+            <a:ext cx="4608512" cy="3456384"/>
+          </a:xfrm>
+          <a:prstGeom prst="rect">
+            <a:avLst/>
+          </a:prstGeom>
+          <a:noFill/>
+        </p:spPr>
+      </p:pic>
+    </p:spTree>
+  </p:cSld>
+  <p:clrMapOvr>
+    <a:masterClrMapping/>
+  </p:clrMapOvr>
+</p:sld>
+</file>
+
+<file path=ppt/slides/slide11.xml><?xml version="1.0" encoding="utf-8"?>
+<p:sld xmlns:a="http://schemas.openxmlformats.org/drawingml/2006/main" xmlns:r="http://schemas.openxmlformats.org/officeDocument/2006/relationships" xmlns:p="http://schemas.openxmlformats.org/presentationml/2006/main">
+  <p:cSld>
+    <p:spTree>
+      <p:nvGrpSpPr>
+        <p:cNvPr id="1" name=""/>
+        <p:cNvGrpSpPr/>
+        <p:nvPr/>
+      </p:nvGrpSpPr>
+      <p:grpSpPr>
+        <a:xfrm>
+          <a:off x="0" y="0"/>
+          <a:ext cx="0" cy="0"/>
+          <a:chOff x="0" y="0"/>
+          <a:chExt cx="0" cy="0"/>
+        </a:xfrm>
+      </p:grpSpPr>
+      <p:grpSp>
+        <p:nvGrpSpPr>
+          <p:cNvPr id="2" name="Groupe 32"/>
+          <p:cNvGrpSpPr/>
+          <p:nvPr/>
+        </p:nvGrpSpPr>
+        <p:grpSpPr>
+          <a:xfrm>
+            <a:off x="251520" y="188640"/>
+            <a:ext cx="5400599" cy="3672408"/>
+            <a:chOff x="971601" y="908720"/>
+            <a:chExt cx="5400599" cy="3672408"/>
+          </a:xfrm>
+        </p:grpSpPr>
+        <p:sp>
+          <p:nvSpPr>
+            <p:cNvPr id="9" name="Rectangle 8"/>
+            <p:cNvSpPr/>
+            <p:nvPr/>
+          </p:nvSpPr>
+          <p:spPr>
+            <a:xfrm>
+              <a:off x="1763688" y="1556792"/>
+              <a:ext cx="4353250" cy="2880320"/>
+            </a:xfrm>
+            <a:prstGeom prst="rect">
+              <a:avLst/>
+            </a:prstGeom>
+            <a:gradFill flip="none" rotWithShape="1">
+              <a:gsLst>
+                <a:gs pos="100000">
+                  <a:srgbClr val="00B050"/>
+                </a:gs>
+                <a:gs pos="0">
+                  <a:srgbClr val="FF0000"/>
+                </a:gs>
+              </a:gsLst>
+              <a:path path="circle">
+                <a:fillToRect l="100000" t="100000"/>
+              </a:path>
+              <a:tileRect r="-100000" b="-100000"/>
+            </a:gradFill>
+            <a:ln>
+              <a:noFill/>
+            </a:ln>
+          </p:spPr>
+          <p:style>
+            <a:lnRef idx="2">
+              <a:schemeClr val="accent1">
+                <a:shade val="50000"/>
+              </a:schemeClr>
+            </a:lnRef>
+            <a:fillRef idx="1">
+              <a:schemeClr val="accent1"/>
+            </a:fillRef>
+            <a:effectRef idx="0">
+              <a:schemeClr val="accent1"/>
+            </a:effectRef>
+            <a:fontRef idx="minor">
+              <a:schemeClr val="lt1"/>
+            </a:fontRef>
+          </p:style>
+          <p:txBody>
+            <a:bodyPr rtlCol="0" anchor="ctr"/>
+            <a:lstStyle/>
+            <a:p>
+              <a:pPr algn="ctr"/>
+              <a:endParaRPr lang="fr-BE"/>
+            </a:p>
+          </p:txBody>
+        </p:sp>
+        <p:cxnSp>
+          <p:nvCxnSpPr>
+            <p:cNvPr id="3" name="Connecteur droit avec flèche 2"/>
+            <p:cNvCxnSpPr/>
+            <p:nvPr/>
+          </p:nvCxnSpPr>
+          <p:spPr>
+            <a:xfrm>
+              <a:off x="1547664" y="1556792"/>
+              <a:ext cx="4824536" cy="1588"/>
+            </a:xfrm>
+            <a:prstGeom prst="straightConnector1">
+              <a:avLst/>
+            </a:prstGeom>
+            <a:ln>
+              <a:tailEnd type="arrow"/>
+            </a:ln>
+          </p:spPr>
+          <p:style>
+            <a:lnRef idx="3">
+              <a:schemeClr val="dk1"/>
+            </a:lnRef>
+            <a:fillRef idx="0">
+              <a:schemeClr val="dk1"/>
+            </a:fillRef>
+            <a:effectRef idx="2">
+              <a:schemeClr val="dk1"/>
+            </a:effectRef>
+            <a:fontRef idx="minor">
+              <a:schemeClr val="tx1"/>
+            </a:fontRef>
+          </p:style>
+        </p:cxnSp>
+        <p:cxnSp>
+          <p:nvCxnSpPr>
+            <p:cNvPr id="6" name="Connecteur droit avec flèche 5"/>
+            <p:cNvCxnSpPr/>
+            <p:nvPr/>
+          </p:nvCxnSpPr>
+          <p:spPr>
+            <a:xfrm rot="5400000">
+              <a:off x="147700" y="2956756"/>
+              <a:ext cx="3240360" cy="8384"/>
+            </a:xfrm>
+            <a:prstGeom prst="straightConnector1">
+              <a:avLst/>
+            </a:prstGeom>
+            <a:ln>
+              <a:tailEnd type="arrow"/>
+            </a:ln>
+          </p:spPr>
+          <p:style>
+            <a:lnRef idx="3">
+              <a:schemeClr val="dk1"/>
+            </a:lnRef>
+            <a:fillRef idx="0">
+              <a:schemeClr val="dk1"/>
+            </a:fillRef>
+            <a:effectRef idx="2">
+              <a:schemeClr val="dk1"/>
+            </a:effectRef>
+            <a:fontRef idx="minor">
+              <a:schemeClr val="tx1"/>
+            </a:fontRef>
+          </p:style>
+        </p:cxnSp>
+        <p:sp>
+          <p:nvSpPr>
+            <p:cNvPr id="10" name="ZoneTexte 9"/>
+            <p:cNvSpPr txBox="1"/>
+            <p:nvPr/>
+          </p:nvSpPr>
+          <p:spPr>
+            <a:xfrm>
+              <a:off x="2555776" y="908720"/>
+              <a:ext cx="3043764" cy="313350"/>
+            </a:xfrm>
+            <a:prstGeom prst="rect">
+              <a:avLst/>
+            </a:prstGeom>
+            <a:noFill/>
+          </p:spPr>
+          <p:txBody>
+            <a:bodyPr wrap="none" lIns="72000" tIns="0" rIns="72000" bIns="36000" rtlCol="0">
+              <a:spAutoFit/>
+            </a:bodyPr>
+            <a:lstStyle/>
+            <a:p>
+              <a:r>
+                <a:rPr lang="fr-BE" b="1" smtClean="0"/>
+                <a:t>sparsity of the training sample</a:t>
+              </a:r>
+              <a:endParaRPr lang="fr-BE" b="1"/>
+            </a:p>
+          </p:txBody>
+        </p:sp>
+        <p:sp>
+          <p:nvSpPr>
+            <p:cNvPr id="11" name="ZoneTexte 10"/>
+            <p:cNvSpPr txBox="1"/>
+            <p:nvPr/>
+          </p:nvSpPr>
+          <p:spPr>
+            <a:xfrm rot="16200000">
+              <a:off x="426371" y="2750094"/>
+              <a:ext cx="1440161" cy="349702"/>
+            </a:xfrm>
+            <a:prstGeom prst="rect">
+              <a:avLst/>
+            </a:prstGeom>
+            <a:noFill/>
+          </p:spPr>
+          <p:txBody>
+            <a:bodyPr wrap="square" lIns="72000" tIns="36000" rIns="72000" bIns="36000" rtlCol="0">
+              <a:spAutoFit/>
+            </a:bodyPr>
+            <a:lstStyle/>
+            <a:p>
+              <a:r>
+                <a:rPr lang="fr-BE" b="1" smtClean="0"/>
+                <a:t>alphabet  size</a:t>
+              </a:r>
+              <a:endParaRPr lang="fr-BE" b="1"/>
+            </a:p>
+          </p:txBody>
+        </p:sp>
+        <p:cxnSp>
+          <p:nvCxnSpPr>
+            <p:cNvPr id="12" name="Connecteur droit avec flèche 11"/>
+            <p:cNvCxnSpPr/>
+            <p:nvPr/>
+          </p:nvCxnSpPr>
+          <p:spPr>
+            <a:xfrm rot="5400000">
+              <a:off x="1336000" y="2969342"/>
+              <a:ext cx="3024000" cy="8384"/>
+            </a:xfrm>
+            <a:prstGeom prst="straightConnector1">
+              <a:avLst/>
+            </a:prstGeom>
+            <a:ln>
+              <a:tailEnd type="none"/>
+            </a:ln>
+          </p:spPr>
+          <p:style>
+            <a:lnRef idx="1">
+              <a:schemeClr val="dk1"/>
+            </a:lnRef>
+            <a:fillRef idx="0">
+              <a:schemeClr val="dk1"/>
+            </a:fillRef>
+            <a:effectRef idx="0">
+              <a:schemeClr val="dk1"/>
+            </a:effectRef>
+            <a:fontRef idx="minor">
+              <a:schemeClr val="tx1"/>
+            </a:fontRef>
+          </p:style>
+        </p:cxnSp>
+        <p:sp>
+          <p:nvSpPr>
+            <p:cNvPr id="13" name="ZoneTexte 12"/>
+            <p:cNvSpPr txBox="1"/>
+            <p:nvPr/>
+          </p:nvSpPr>
+          <p:spPr>
+            <a:xfrm>
+              <a:off x="2051720" y="1196752"/>
+              <a:ext cx="4075155" cy="369332"/>
+            </a:xfrm>
+            <a:prstGeom prst="rect">
+              <a:avLst/>
+            </a:prstGeom>
+            <a:noFill/>
+          </p:spPr>
+          <p:txBody>
+            <a:bodyPr wrap="none" rtlCol="0">
+              <a:spAutoFit/>
+            </a:bodyPr>
+            <a:lstStyle/>
+            <a:p>
+              <a:pPr>
+                <a:tabLst>
+                  <a:tab pos="1077913" algn="l"/>
+                  <a:tab pos="2154238" algn="l"/>
+                  <a:tab pos="3232150" algn="l"/>
+                </a:tabLst>
+              </a:pPr>
+              <a:r>
+                <a:rPr lang="fr-BE" smtClean="0"/>
+                <a:t>100%	50%	25%	12.5% </a:t>
+              </a:r>
+              <a:endParaRPr lang="fr-BE"/>
+            </a:p>
+          </p:txBody>
+        </p:sp>
+        <p:cxnSp>
+          <p:nvCxnSpPr>
+            <p:cNvPr id="16" name="Connecteur droit avec flèche 15"/>
+            <p:cNvCxnSpPr/>
+            <p:nvPr/>
+          </p:nvCxnSpPr>
+          <p:spPr>
+            <a:xfrm rot="5400000">
+              <a:off x="2443867" y="2969342"/>
+              <a:ext cx="3024000" cy="8384"/>
+            </a:xfrm>
+            <a:prstGeom prst="straightConnector1">
+              <a:avLst/>
+            </a:prstGeom>
+            <a:ln>
+              <a:tailEnd type="none"/>
+            </a:ln>
+          </p:spPr>
+          <p:style>
+            <a:lnRef idx="1">
+              <a:schemeClr val="dk1"/>
+            </a:lnRef>
+            <a:fillRef idx="0">
+              <a:schemeClr val="dk1"/>
+            </a:fillRef>
+            <a:effectRef idx="0">
+              <a:schemeClr val="dk1"/>
+            </a:effectRef>
+            <a:fontRef idx="minor">
+              <a:schemeClr val="tx1"/>
+            </a:fontRef>
+          </p:style>
+        </p:cxnSp>
+        <p:cxnSp>
+          <p:nvCxnSpPr>
+            <p:cNvPr id="17" name="Connecteur droit avec flèche 16"/>
+            <p:cNvCxnSpPr/>
+            <p:nvPr/>
+          </p:nvCxnSpPr>
+          <p:spPr>
+            <a:xfrm rot="5400000">
+              <a:off x="3568248" y="2969342"/>
+              <a:ext cx="3024000" cy="8384"/>
+            </a:xfrm>
+            <a:prstGeom prst="straightConnector1">
+              <a:avLst/>
+            </a:prstGeom>
+            <a:ln>
+              <a:tailEnd type="none"/>
+            </a:ln>
+          </p:spPr>
+          <p:style>
+            <a:lnRef idx="1">
+              <a:schemeClr val="dk1"/>
+            </a:lnRef>
+            <a:fillRef idx="0">
+              <a:schemeClr val="dk1"/>
+            </a:fillRef>
+            <a:effectRef idx="0">
+              <a:schemeClr val="dk1"/>
+            </a:effectRef>
+            <a:fontRef idx="minor">
+              <a:schemeClr val="tx1"/>
+            </a:fontRef>
+          </p:style>
+        </p:cxnSp>
+        <p:cxnSp>
+          <p:nvCxnSpPr>
+            <p:cNvPr id="21" name="Connecteur droit avec flèche 20"/>
+            <p:cNvCxnSpPr/>
+            <p:nvPr/>
+          </p:nvCxnSpPr>
+          <p:spPr>
+            <a:xfrm>
+              <a:off x="1691680" y="2131268"/>
+              <a:ext cx="4500000" cy="1588"/>
+            </a:xfrm>
+            <a:prstGeom prst="straightConnector1">
+              <a:avLst/>
+            </a:prstGeom>
+            <a:ln>
+              <a:tailEnd type="none"/>
+            </a:ln>
+          </p:spPr>
+          <p:style>
+            <a:lnRef idx="1">
+              <a:schemeClr val="dk1"/>
+            </a:lnRef>
+            <a:fillRef idx="0">
+              <a:schemeClr val="dk1"/>
+            </a:fillRef>
+            <a:effectRef idx="0">
+              <a:schemeClr val="dk1"/>
+            </a:effectRef>
+            <a:fontRef idx="minor">
+              <a:schemeClr val="tx1"/>
+            </a:fontRef>
+          </p:style>
+        </p:cxnSp>
+        <p:sp>
+          <p:nvSpPr>
+            <p:cNvPr id="25" name="ZoneTexte 24"/>
+            <p:cNvSpPr txBox="1"/>
+            <p:nvPr/>
+          </p:nvSpPr>
+          <p:spPr>
+            <a:xfrm>
+              <a:off x="1244134" y="1724055"/>
+              <a:ext cx="504056" cy="2585323"/>
+            </a:xfrm>
+            <a:prstGeom prst="rect">
+              <a:avLst/>
+            </a:prstGeom>
+            <a:noFill/>
+          </p:spPr>
+          <p:txBody>
+            <a:bodyPr wrap="square" rtlCol="0">
+              <a:spAutoFit/>
+            </a:bodyPr>
+            <a:lstStyle/>
+            <a:p>
+              <a:pPr algn="r">
+                <a:tabLst>
+                  <a:tab pos="1077913" algn="l"/>
+                  <a:tab pos="2154238" algn="l"/>
+                  <a:tab pos="3232150" algn="l"/>
+                </a:tabLst>
+              </a:pPr>
+              <a:r>
+                <a:rPr lang="fr-BE" smtClean="0"/>
+                <a:t>2</a:t>
+              </a:r>
+            </a:p>
+            <a:p>
+              <a:pPr algn="r">
+                <a:tabLst>
+                  <a:tab pos="1077913" algn="l"/>
+                  <a:tab pos="2154238" algn="l"/>
+                  <a:tab pos="3232150" algn="l"/>
+                </a:tabLst>
+              </a:pPr>
+              <a:endParaRPr lang="fr-BE" smtClean="0"/>
+            </a:p>
+            <a:p>
+              <a:pPr algn="r">
+                <a:tabLst>
+                  <a:tab pos="1077913" algn="l"/>
+                  <a:tab pos="2154238" algn="l"/>
+                  <a:tab pos="3232150" algn="l"/>
+                </a:tabLst>
+              </a:pPr>
+              <a:r>
+                <a:rPr lang="fr-BE" smtClean="0"/>
+                <a:t>5</a:t>
+              </a:r>
+            </a:p>
+            <a:p>
+              <a:pPr algn="r">
+                <a:tabLst>
+                  <a:tab pos="1077913" algn="l"/>
+                  <a:tab pos="2154238" algn="l"/>
+                  <a:tab pos="3232150" algn="l"/>
+                </a:tabLst>
+              </a:pPr>
+              <a:endParaRPr lang="fr-BE" smtClean="0"/>
+            </a:p>
+            <a:p>
+              <a:pPr algn="r">
+                <a:tabLst>
+                  <a:tab pos="1077913" algn="l"/>
+                  <a:tab pos="2154238" algn="l"/>
+                  <a:tab pos="3232150" algn="l"/>
+                </a:tabLst>
+              </a:pPr>
+              <a:r>
+                <a:rPr lang="fr-BE" smtClean="0"/>
+                <a:t>10</a:t>
+              </a:r>
+            </a:p>
+            <a:p>
+              <a:pPr algn="r">
+                <a:tabLst>
+                  <a:tab pos="1077913" algn="l"/>
+                  <a:tab pos="2154238" algn="l"/>
+                  <a:tab pos="3232150" algn="l"/>
+                </a:tabLst>
+              </a:pPr>
+              <a:endParaRPr lang="fr-BE" smtClean="0"/>
+            </a:p>
+            <a:p>
+              <a:pPr algn="r">
+                <a:tabLst>
+                  <a:tab pos="1077913" algn="l"/>
+                  <a:tab pos="2154238" algn="l"/>
+                  <a:tab pos="3232150" algn="l"/>
+                </a:tabLst>
+              </a:pPr>
+              <a:r>
+                <a:rPr lang="fr-BE" smtClean="0"/>
+                <a:t>20</a:t>
+              </a:r>
+            </a:p>
+            <a:p>
+              <a:pPr algn="r">
+                <a:tabLst>
+                  <a:tab pos="1077913" algn="l"/>
+                  <a:tab pos="2154238" algn="l"/>
+                  <a:tab pos="3232150" algn="l"/>
+                </a:tabLst>
+              </a:pPr>
+              <a:endParaRPr lang="fr-BE" smtClean="0"/>
+            </a:p>
+            <a:p>
+              <a:pPr algn="r">
+                <a:tabLst>
+                  <a:tab pos="1077913" algn="l"/>
+                  <a:tab pos="2154238" algn="l"/>
+                  <a:tab pos="3232150" algn="l"/>
+                </a:tabLst>
+              </a:pPr>
+              <a:r>
+                <a:rPr lang="fr-BE" smtClean="0"/>
+                <a:t>50</a:t>
+              </a:r>
+              <a:endParaRPr lang="fr-BE"/>
+            </a:p>
+          </p:txBody>
+        </p:sp>
+        <p:cxnSp>
+          <p:nvCxnSpPr>
+            <p:cNvPr id="26" name="Connecteur droit avec flèche 25"/>
+            <p:cNvCxnSpPr/>
+            <p:nvPr/>
+          </p:nvCxnSpPr>
+          <p:spPr>
+            <a:xfrm>
+              <a:off x="1691680" y="2707332"/>
+              <a:ext cx="4500000" cy="1588"/>
+            </a:xfrm>
+            <a:prstGeom prst="straightConnector1">
+              <a:avLst/>
+            </a:prstGeom>
+            <a:ln>
+              <a:tailEnd type="none"/>
+            </a:ln>
+          </p:spPr>
+          <p:style>
+            <a:lnRef idx="1">
+              <a:schemeClr val="dk1"/>
+            </a:lnRef>
+            <a:fillRef idx="0">
+              <a:schemeClr val="dk1"/>
+            </a:fillRef>
+            <a:effectRef idx="0">
+              <a:schemeClr val="dk1"/>
+            </a:effectRef>
+            <a:fontRef idx="minor">
+              <a:schemeClr val="tx1"/>
+            </a:fontRef>
+          </p:style>
+        </p:cxnSp>
+        <p:cxnSp>
+          <p:nvCxnSpPr>
+            <p:cNvPr id="27" name="Connecteur droit avec flèche 26"/>
+            <p:cNvCxnSpPr/>
+            <p:nvPr/>
+          </p:nvCxnSpPr>
+          <p:spPr>
+            <a:xfrm>
+              <a:off x="1691680" y="3283396"/>
+              <a:ext cx="4500000" cy="1588"/>
+            </a:xfrm>
+            <a:prstGeom prst="straightConnector1">
+              <a:avLst/>
+            </a:prstGeom>
+            <a:ln>
+              <a:tailEnd type="none"/>
+            </a:ln>
+          </p:spPr>
+          <p:style>
+            <a:lnRef idx="1">
+              <a:schemeClr val="dk1"/>
+            </a:lnRef>
+            <a:fillRef idx="0">
+              <a:schemeClr val="dk1"/>
+            </a:fillRef>
+            <a:effectRef idx="0">
+              <a:schemeClr val="dk1"/>
+            </a:effectRef>
+            <a:fontRef idx="minor">
+              <a:schemeClr val="tx1"/>
+            </a:fontRef>
+          </p:style>
+        </p:cxnSp>
+        <p:cxnSp>
+          <p:nvCxnSpPr>
+            <p:cNvPr id="28" name="Connecteur droit avec flèche 27"/>
+            <p:cNvCxnSpPr/>
+            <p:nvPr/>
+          </p:nvCxnSpPr>
+          <p:spPr>
+            <a:xfrm>
+              <a:off x="1691680" y="3859460"/>
+              <a:ext cx="4500000" cy="1588"/>
+            </a:xfrm>
+            <a:prstGeom prst="straightConnector1">
+              <a:avLst/>
+            </a:prstGeom>
+            <a:ln>
+              <a:tailEnd type="none"/>
+            </a:ln>
+          </p:spPr>
+          <p:style>
+            <a:lnRef idx="1">
+              <a:schemeClr val="dk1"/>
+            </a:lnRef>
+            <a:fillRef idx="0">
+              <a:schemeClr val="dk1"/>
+            </a:fillRef>
+            <a:effectRef idx="0">
+              <a:schemeClr val="dk1"/>
+            </a:effectRef>
+            <a:fontRef idx="minor">
+              <a:schemeClr val="tx1"/>
+            </a:fontRef>
+          </p:style>
+        </p:cxnSp>
+        <p:sp>
+          <p:nvSpPr>
+            <p:cNvPr id="31" name="ZoneTexte 30"/>
+            <p:cNvSpPr txBox="1"/>
+            <p:nvPr/>
+          </p:nvSpPr>
+          <p:spPr>
+            <a:xfrm>
+              <a:off x="1762628" y="1708691"/>
+              <a:ext cx="4392488" cy="2631490"/>
+            </a:xfrm>
+            <a:prstGeom prst="rect">
+              <a:avLst/>
+            </a:prstGeom>
+            <a:noFill/>
+          </p:spPr>
+          <p:txBody>
+            <a:bodyPr wrap="square" rtlCol="0">
+              <a:spAutoFit/>
+            </a:bodyPr>
+            <a:lstStyle/>
+            <a:p>
+              <a:pPr>
+                <a:lnSpc>
+                  <a:spcPts val="2230"/>
+                </a:lnSpc>
+                <a:tabLst>
+                  <a:tab pos="465138" algn="ctr"/>
+                  <a:tab pos="1549400" algn="ctr"/>
+                  <a:tab pos="2649538" algn="ctr"/>
+                  <a:tab pos="3719513" algn="ctr"/>
+                </a:tabLst>
+              </a:pPr>
+              <a:r>
+                <a:rPr lang="fr-BE" sz="2400" b="1" smtClean="0">
+                  <a:solidFill>
+                    <a:schemeClr val="bg1"/>
+                  </a:solidFill>
+                </a:rPr>
+                <a:t>	</a:t>
+              </a:r>
+              <a:r>
+                <a:rPr lang="fr-BE" sz="2000" b="1" smtClean="0">
+                  <a:solidFill>
+                    <a:schemeClr val="bg1"/>
+                  </a:solidFill>
+                </a:rPr>
+                <a:t> </a:t>
+              </a:r>
+              <a:r>
+                <a:rPr lang="fr-BE" sz="2000" b="1" smtClean="0">
+                  <a:solidFill>
+                    <a:schemeClr val="bg1"/>
+                  </a:solidFill>
+                </a:rPr>
+                <a:t>0.99</a:t>
+              </a:r>
+              <a:r>
+                <a:rPr lang="fr-BE" sz="2000" b="1" smtClean="0">
+                  <a:solidFill>
+                    <a:schemeClr val="bg1"/>
+                  </a:solidFill>
+                </a:rPr>
+                <a:t>	</a:t>
+              </a:r>
+              <a:r>
+                <a:rPr lang="fr-BE" sz="2000" b="1" smtClean="0">
+                  <a:solidFill>
+                    <a:schemeClr val="bg1"/>
+                  </a:solidFill>
+                </a:rPr>
+                <a:t>0.98</a:t>
+              </a:r>
+              <a:r>
+                <a:rPr lang="fr-BE" sz="2000" b="1" smtClean="0">
+                  <a:solidFill>
+                    <a:schemeClr val="bg1"/>
+                  </a:solidFill>
+                </a:rPr>
+                <a:t>	</a:t>
+              </a:r>
+              <a:r>
+                <a:rPr lang="fr-BE" sz="2000" b="1" smtClean="0">
+                  <a:solidFill>
+                    <a:schemeClr val="bg1"/>
+                  </a:solidFill>
+                </a:rPr>
+                <a:t>0.78</a:t>
+              </a:r>
+              <a:r>
+                <a:rPr lang="fr-BE" sz="2000" b="1" smtClean="0">
+                  <a:solidFill>
+                    <a:schemeClr val="bg1"/>
+                  </a:solidFill>
+                </a:rPr>
+                <a:t>	0.66 </a:t>
+              </a:r>
+            </a:p>
+            <a:p>
+              <a:pPr>
+                <a:lnSpc>
+                  <a:spcPts val="2230"/>
+                </a:lnSpc>
+                <a:tabLst>
+                  <a:tab pos="465138" algn="ctr"/>
+                  <a:tab pos="1549400" algn="ctr"/>
+                  <a:tab pos="2649538" algn="ctr"/>
+                  <a:tab pos="3719513" algn="ctr"/>
+                </a:tabLst>
+              </a:pPr>
+              <a:endParaRPr lang="fr-BE" sz="2000" b="1" smtClean="0">
+                <a:solidFill>
+                  <a:schemeClr val="bg1"/>
+                </a:solidFill>
+              </a:endParaRPr>
+            </a:p>
+            <a:p>
+              <a:pPr>
+                <a:lnSpc>
+                  <a:spcPts val="2230"/>
+                </a:lnSpc>
+                <a:tabLst>
+                  <a:tab pos="465138" algn="ctr"/>
+                  <a:tab pos="1549400" algn="ctr"/>
+                  <a:tab pos="2649538" algn="ctr"/>
+                  <a:tab pos="3719513" algn="ctr"/>
+                </a:tabLst>
+              </a:pPr>
+              <a:r>
+                <a:rPr lang="fr-BE" sz="2000" b="1" smtClean="0">
+                  <a:solidFill>
+                    <a:schemeClr val="bg1"/>
+                  </a:solidFill>
+                </a:rPr>
+                <a:t>	</a:t>
+              </a:r>
+              <a:r>
+                <a:rPr lang="fr-BE" sz="2000" b="1" smtClean="0">
+                  <a:solidFill>
+                    <a:schemeClr val="bg1"/>
+                  </a:solidFill>
+                </a:rPr>
+                <a:t>0.99 </a:t>
+              </a:r>
+              <a:r>
+                <a:rPr lang="fr-BE" sz="2000" b="1" smtClean="0">
+                  <a:solidFill>
+                    <a:schemeClr val="bg1"/>
+                  </a:solidFill>
+                </a:rPr>
+                <a:t>	</a:t>
+              </a:r>
+              <a:r>
+                <a:rPr lang="fr-BE" sz="2000" b="1" smtClean="0">
+                  <a:solidFill>
+                    <a:schemeClr val="bg1"/>
+                  </a:solidFill>
+                </a:rPr>
+                <a:t>0.96</a:t>
+              </a:r>
+              <a:r>
+                <a:rPr lang="fr-BE" sz="2000" b="1" smtClean="0">
+                  <a:solidFill>
+                    <a:schemeClr val="bg1"/>
+                  </a:solidFill>
+                </a:rPr>
+                <a:t>		</a:t>
+              </a:r>
+            </a:p>
+            <a:p>
+              <a:pPr>
+                <a:lnSpc>
+                  <a:spcPts val="2230"/>
+                </a:lnSpc>
+                <a:tabLst>
+                  <a:tab pos="465138" algn="ctr"/>
+                  <a:tab pos="1549400" algn="ctr"/>
+                  <a:tab pos="2649538" algn="ctr"/>
+                  <a:tab pos="3719513" algn="ctr"/>
+                </a:tabLst>
+              </a:pPr>
+              <a:endParaRPr lang="fr-BE" sz="2000" b="1" smtClean="0">
+                <a:solidFill>
+                  <a:schemeClr val="bg1"/>
+                </a:solidFill>
+              </a:endParaRPr>
+            </a:p>
+            <a:p>
+              <a:pPr>
+                <a:lnSpc>
+                  <a:spcPts val="2230"/>
+                </a:lnSpc>
+                <a:tabLst>
+                  <a:tab pos="465138" algn="ctr"/>
+                  <a:tab pos="1549400" algn="ctr"/>
+                  <a:tab pos="2649538" algn="ctr"/>
+                  <a:tab pos="3719513" algn="ctr"/>
+                </a:tabLst>
+              </a:pPr>
+              <a:r>
+                <a:rPr lang="fr-BE" sz="2000" b="1" smtClean="0">
+                  <a:solidFill>
+                    <a:schemeClr val="bg1"/>
+                  </a:solidFill>
+                </a:rPr>
+                <a:t>	</a:t>
+              </a:r>
+              <a:r>
+                <a:rPr lang="fr-BE" sz="2000" b="1" smtClean="0">
+                  <a:solidFill>
+                    <a:schemeClr val="bg1"/>
+                  </a:solidFill>
+                </a:rPr>
+                <a:t>0.99</a:t>
+              </a:r>
+              <a:r>
+                <a:rPr lang="fr-BE" sz="2000" b="1" smtClean="0">
+                  <a:solidFill>
+                    <a:schemeClr val="bg1"/>
+                  </a:solidFill>
+                </a:rPr>
+                <a:t>	</a:t>
+              </a:r>
+              <a:r>
+                <a:rPr lang="fr-BE" sz="2000" b="1" smtClean="0">
+                  <a:solidFill>
+                    <a:schemeClr val="bg1"/>
+                  </a:solidFill>
+                </a:rPr>
+                <a:t>0.97 </a:t>
+              </a:r>
+              <a:r>
+                <a:rPr lang="fr-BE" sz="2000" b="1" smtClean="0">
+                  <a:solidFill>
+                    <a:schemeClr val="bg1"/>
+                  </a:solidFill>
+                </a:rPr>
+                <a:t>		</a:t>
+              </a:r>
+            </a:p>
+            <a:p>
+              <a:pPr>
+                <a:lnSpc>
+                  <a:spcPts val="2230"/>
+                </a:lnSpc>
+                <a:tabLst>
+                  <a:tab pos="465138" algn="ctr"/>
+                  <a:tab pos="1549400" algn="ctr"/>
+                  <a:tab pos="2649538" algn="ctr"/>
+                  <a:tab pos="3719513" algn="ctr"/>
+                </a:tabLst>
+              </a:pPr>
+              <a:endParaRPr lang="fr-BE" sz="2000" b="1" smtClean="0">
+                <a:solidFill>
+                  <a:schemeClr val="bg1"/>
+                </a:solidFill>
+              </a:endParaRPr>
+            </a:p>
+            <a:p>
+              <a:pPr>
+                <a:lnSpc>
+                  <a:spcPts val="2230"/>
+                </a:lnSpc>
+                <a:tabLst>
+                  <a:tab pos="465138" algn="ctr"/>
+                  <a:tab pos="1549400" algn="ctr"/>
+                  <a:tab pos="2649538" algn="ctr"/>
+                  <a:tab pos="3719513" algn="ctr"/>
+                </a:tabLst>
+              </a:pPr>
+              <a:r>
+                <a:rPr lang="fr-BE" sz="2000" b="1" smtClean="0">
+                  <a:solidFill>
+                    <a:schemeClr val="bg1"/>
+                  </a:solidFill>
+                </a:rPr>
+                <a:t>	</a:t>
+              </a:r>
+              <a:r>
+                <a:rPr lang="fr-BE" sz="2000" b="1" smtClean="0">
+                  <a:solidFill>
+                    <a:schemeClr val="bg1"/>
+                  </a:solidFill>
+                </a:rPr>
+                <a:t>0.99</a:t>
+              </a:r>
+              <a:r>
+                <a:rPr lang="fr-BE" sz="2000" b="1" smtClean="0">
+                  <a:solidFill>
+                    <a:schemeClr val="bg1"/>
+                  </a:solidFill>
+                </a:rPr>
+                <a:t>	</a:t>
+              </a:r>
+              <a:r>
+                <a:rPr lang="fr-BE" sz="2000" b="1" smtClean="0">
+                  <a:solidFill>
+                    <a:schemeClr val="bg1"/>
+                  </a:solidFill>
+                </a:rPr>
+                <a:t>0.98</a:t>
+              </a:r>
+              <a:r>
+                <a:rPr lang="fr-BE" sz="2000" b="1" smtClean="0">
+                  <a:solidFill>
+                    <a:schemeClr val="bg1"/>
+                  </a:solidFill>
+                </a:rPr>
+                <a:t>		</a:t>
+              </a:r>
+            </a:p>
+            <a:p>
+              <a:pPr>
+                <a:lnSpc>
+                  <a:spcPts val="2230"/>
+                </a:lnSpc>
+                <a:tabLst>
+                  <a:tab pos="465138" algn="ctr"/>
+                  <a:tab pos="1549400" algn="ctr"/>
+                  <a:tab pos="2649538" algn="ctr"/>
+                  <a:tab pos="3719513" algn="ctr"/>
+                </a:tabLst>
+              </a:pPr>
+              <a:endParaRPr lang="fr-BE" sz="2000" b="1" smtClean="0">
+                <a:solidFill>
+                  <a:schemeClr val="bg1"/>
+                </a:solidFill>
+              </a:endParaRPr>
+            </a:p>
+            <a:p>
+              <a:pPr>
+                <a:lnSpc>
+                  <a:spcPts val="2230"/>
+                </a:lnSpc>
+                <a:tabLst>
+                  <a:tab pos="465138" algn="ctr"/>
+                  <a:tab pos="1549400" algn="ctr"/>
+                  <a:tab pos="2649538" algn="ctr"/>
+                  <a:tab pos="3719513" algn="ctr"/>
+                </a:tabLst>
+              </a:pPr>
+              <a:r>
+                <a:rPr lang="fr-BE" sz="2000" b="1" smtClean="0">
+                  <a:solidFill>
+                    <a:schemeClr val="bg1"/>
+                  </a:solidFill>
+                </a:rPr>
+                <a:t>	</a:t>
+              </a:r>
+              <a:r>
+                <a:rPr lang="fr-BE" sz="2000" b="1" smtClean="0">
+                  <a:solidFill>
+                    <a:schemeClr val="bg1"/>
+                  </a:solidFill>
+                </a:rPr>
+                <a:t>0.99</a:t>
+              </a:r>
+              <a:r>
+                <a:rPr lang="fr-BE" sz="2000" b="1" smtClean="0">
+                  <a:solidFill>
+                    <a:schemeClr val="bg1"/>
+                  </a:solidFill>
+                </a:rPr>
+                <a:t>	</a:t>
+              </a:r>
+              <a:r>
+                <a:rPr lang="fr-BE" sz="2000" b="1" smtClean="0">
+                  <a:solidFill>
+                    <a:schemeClr val="bg1"/>
+                  </a:solidFill>
+                </a:rPr>
+                <a:t>0.99</a:t>
+              </a:r>
+              <a:r>
+                <a:rPr lang="fr-BE" sz="2000" b="1" smtClean="0">
+                  <a:solidFill>
+                    <a:schemeClr val="bg1"/>
+                  </a:solidFill>
+                </a:rPr>
+                <a:t>	</a:t>
+              </a:r>
+              <a:r>
+                <a:rPr lang="fr-BE" sz="2000" b="1" smtClean="0">
+                  <a:solidFill>
+                    <a:schemeClr val="bg1"/>
+                  </a:solidFill>
+                </a:rPr>
+                <a:t>0.96</a:t>
+              </a:r>
+              <a:r>
+                <a:rPr lang="fr-BE" sz="2000" b="1" smtClean="0">
+                  <a:solidFill>
+                    <a:schemeClr val="bg1"/>
+                  </a:solidFill>
+                </a:rPr>
+                <a:t>	</a:t>
+              </a:r>
+            </a:p>
+          </p:txBody>
+        </p:sp>
+      </p:grpSp>
+    </p:spTree>
+  </p:cSld>
+  <p:clrMapOvr>
+    <a:masterClrMapping/>
+  </p:clrMapOvr>
+</p:sld>
+</file>
+
 <file path=ppt/slides/slide2.xml><?xml version="1.0" encoding="utf-8"?>
 <p:sld xmlns:a="http://schemas.openxmlformats.org/drawingml/2006/main" xmlns:r="http://schemas.openxmlformats.org/officeDocument/2006/relationships" xmlns:p="http://schemas.openxmlformats.org/presentationml/2006/main">
   <p:cSld>
@@ -5874,6 +7755,7216 @@
           <a:chExt cx="0" cy="0"/>
         </a:xfrm>
       </p:grpSpPr>
+      <p:cxnSp>
+        <p:nvCxnSpPr>
+          <p:cNvPr id="105" name="Connecteur droit 104"/>
+          <p:cNvCxnSpPr/>
+          <p:nvPr/>
+        </p:nvCxnSpPr>
+        <p:spPr>
+          <a:xfrm rot="5400000">
+            <a:off x="8028384" y="1916832"/>
+            <a:ext cx="0" cy="0"/>
+          </a:xfrm>
+          <a:prstGeom prst="line">
+            <a:avLst/>
+          </a:prstGeom>
+        </p:spPr>
+        <p:style>
+          <a:lnRef idx="1">
+            <a:schemeClr val="accent1"/>
+          </a:lnRef>
+          <a:fillRef idx="0">
+            <a:schemeClr val="accent1"/>
+          </a:fillRef>
+          <a:effectRef idx="0">
+            <a:schemeClr val="accent1"/>
+          </a:effectRef>
+          <a:fontRef idx="minor">
+            <a:schemeClr val="tx1"/>
+          </a:fontRef>
+        </p:style>
+      </p:cxnSp>
+      <p:grpSp>
+        <p:nvGrpSpPr>
+          <p:cNvPr id="106" name="Groupe 105"/>
+          <p:cNvGrpSpPr/>
+          <p:nvPr/>
+        </p:nvGrpSpPr>
+        <p:grpSpPr>
+          <a:xfrm>
+            <a:off x="4644008" y="836712"/>
+            <a:ext cx="3384376" cy="927720"/>
+            <a:chOff x="4644008" y="836712"/>
+            <a:chExt cx="3384376" cy="927720"/>
+          </a:xfrm>
+        </p:grpSpPr>
+        <p:sp>
+          <p:nvSpPr>
+            <p:cNvPr id="77" name="Rectangle 76"/>
+            <p:cNvSpPr/>
+            <p:nvPr/>
+          </p:nvSpPr>
+          <p:spPr>
+            <a:xfrm>
+              <a:off x="4644008" y="836712"/>
+              <a:ext cx="3384376" cy="927720"/>
+            </a:xfrm>
+            <a:prstGeom prst="rect">
+              <a:avLst/>
+            </a:prstGeom>
+          </p:spPr>
+          <p:style>
+            <a:lnRef idx="2">
+              <a:schemeClr val="dk1"/>
+            </a:lnRef>
+            <a:fillRef idx="1">
+              <a:schemeClr val="lt1"/>
+            </a:fillRef>
+            <a:effectRef idx="0">
+              <a:schemeClr val="dk1"/>
+            </a:effectRef>
+            <a:fontRef idx="minor">
+              <a:schemeClr val="dk1"/>
+            </a:fontRef>
+          </p:style>
+          <p:txBody>
+            <a:bodyPr rtlCol="0" anchor="ctr"/>
+            <a:lstStyle/>
+            <a:p>
+              <a:pPr algn="ctr"/>
+              <a:endParaRPr lang="fr-BE"/>
+            </a:p>
+          </p:txBody>
+        </p:sp>
+        <p:sp>
+          <p:nvSpPr>
+            <p:cNvPr id="24" name="Ellipse 23"/>
+            <p:cNvSpPr/>
+            <p:nvPr/>
+          </p:nvSpPr>
+          <p:spPr>
+            <a:xfrm>
+              <a:off x="4788024" y="1340768"/>
+              <a:ext cx="288032" cy="288032"/>
+            </a:xfrm>
+            <a:prstGeom prst="ellipse">
+              <a:avLst/>
+            </a:prstGeom>
+          </p:spPr>
+          <p:style>
+            <a:lnRef idx="2">
+              <a:schemeClr val="dk1"/>
+            </a:lnRef>
+            <a:fillRef idx="1">
+              <a:schemeClr val="lt1"/>
+            </a:fillRef>
+            <a:effectRef idx="0">
+              <a:schemeClr val="dk1"/>
+            </a:effectRef>
+            <a:fontRef idx="minor">
+              <a:schemeClr val="dk1"/>
+            </a:fontRef>
+          </p:style>
+          <p:txBody>
+            <a:bodyPr rtlCol="0" anchor="ctr"/>
+            <a:lstStyle/>
+            <a:p>
+              <a:pPr algn="ctr"/>
+              <a:endParaRPr lang="fr-BE"/>
+            </a:p>
+          </p:txBody>
+        </p:sp>
+        <p:sp>
+          <p:nvSpPr>
+            <p:cNvPr id="28" name="Ellipse 27"/>
+            <p:cNvSpPr/>
+            <p:nvPr/>
+          </p:nvSpPr>
+          <p:spPr>
+            <a:xfrm>
+              <a:off x="5700125" y="1340768"/>
+              <a:ext cx="288032" cy="288032"/>
+            </a:xfrm>
+            <a:prstGeom prst="ellipse">
+              <a:avLst/>
+            </a:prstGeom>
+          </p:spPr>
+          <p:style>
+            <a:lnRef idx="2">
+              <a:schemeClr val="dk1"/>
+            </a:lnRef>
+            <a:fillRef idx="1">
+              <a:schemeClr val="lt1"/>
+            </a:fillRef>
+            <a:effectRef idx="0">
+              <a:schemeClr val="dk1"/>
+            </a:effectRef>
+            <a:fontRef idx="minor">
+              <a:schemeClr val="dk1"/>
+            </a:fontRef>
+          </p:style>
+          <p:txBody>
+            <a:bodyPr rtlCol="0" anchor="ctr"/>
+            <a:lstStyle/>
+            <a:p>
+              <a:pPr algn="ctr"/>
+              <a:endParaRPr lang="fr-BE"/>
+            </a:p>
+          </p:txBody>
+        </p:sp>
+        <p:sp>
+          <p:nvSpPr>
+            <p:cNvPr id="29" name="Ellipse 28"/>
+            <p:cNvSpPr/>
+            <p:nvPr/>
+          </p:nvSpPr>
+          <p:spPr>
+            <a:xfrm>
+              <a:off x="6612226" y="1340768"/>
+              <a:ext cx="288032" cy="288032"/>
+            </a:xfrm>
+            <a:prstGeom prst="ellipse">
+              <a:avLst/>
+            </a:prstGeom>
+          </p:spPr>
+          <p:style>
+            <a:lnRef idx="2">
+              <a:schemeClr val="dk1"/>
+            </a:lnRef>
+            <a:fillRef idx="1">
+              <a:schemeClr val="lt1"/>
+            </a:fillRef>
+            <a:effectRef idx="0">
+              <a:schemeClr val="dk1"/>
+            </a:effectRef>
+            <a:fontRef idx="minor">
+              <a:schemeClr val="dk1"/>
+            </a:fontRef>
+          </p:style>
+          <p:txBody>
+            <a:bodyPr rtlCol="0" anchor="ctr"/>
+            <a:lstStyle/>
+            <a:p>
+              <a:pPr algn="ctr"/>
+              <a:endParaRPr lang="fr-BE"/>
+            </a:p>
+          </p:txBody>
+        </p:sp>
+        <p:sp>
+          <p:nvSpPr>
+            <p:cNvPr id="31" name="Ellipse 30"/>
+            <p:cNvSpPr/>
+            <p:nvPr/>
+          </p:nvSpPr>
+          <p:spPr>
+            <a:xfrm>
+              <a:off x="7524328" y="1340768"/>
+              <a:ext cx="288032" cy="288032"/>
+            </a:xfrm>
+            <a:prstGeom prst="ellipse">
+              <a:avLst/>
+            </a:prstGeom>
+          </p:spPr>
+          <p:style>
+            <a:lnRef idx="2">
+              <a:schemeClr val="dk1"/>
+            </a:lnRef>
+            <a:fillRef idx="1">
+              <a:schemeClr val="lt1"/>
+            </a:fillRef>
+            <a:effectRef idx="0">
+              <a:schemeClr val="dk1"/>
+            </a:effectRef>
+            <a:fontRef idx="minor">
+              <a:schemeClr val="dk1"/>
+            </a:fontRef>
+          </p:style>
+          <p:txBody>
+            <a:bodyPr rtlCol="0" anchor="ctr"/>
+            <a:lstStyle/>
+            <a:p>
+              <a:pPr algn="ctr"/>
+              <a:endParaRPr lang="fr-BE"/>
+            </a:p>
+          </p:txBody>
+        </p:sp>
+        <p:cxnSp>
+          <p:nvCxnSpPr>
+            <p:cNvPr id="35" name="Connecteur droit avec flèche 34"/>
+            <p:cNvCxnSpPr>
+              <a:stCxn id="24" idx="7"/>
+              <a:endCxn id="28" idx="1"/>
+            </p:cNvCxnSpPr>
+            <p:nvPr/>
+          </p:nvCxnSpPr>
+          <p:spPr>
+            <a:xfrm rot="5400000" flipH="1" flipV="1">
+              <a:off x="5388090" y="1028734"/>
+              <a:ext cx="1588" cy="708431"/>
+            </a:xfrm>
+            <a:prstGeom prst="curvedConnector3">
+              <a:avLst>
+                <a:gd name="adj1" fmla="val 5455228"/>
+              </a:avLst>
+            </a:prstGeom>
+            <a:ln>
+              <a:solidFill>
+                <a:schemeClr val="tx1"/>
+              </a:solidFill>
+              <a:tailEnd type="triangle" w="med" len="lg"/>
+            </a:ln>
+          </p:spPr>
+          <p:style>
+            <a:lnRef idx="1">
+              <a:schemeClr val="accent1"/>
+            </a:lnRef>
+            <a:fillRef idx="0">
+              <a:schemeClr val="accent1"/>
+            </a:fillRef>
+            <a:effectRef idx="0">
+              <a:schemeClr val="accent1"/>
+            </a:effectRef>
+            <a:fontRef idx="minor">
+              <a:schemeClr val="tx1"/>
+            </a:fontRef>
+          </p:style>
+        </p:cxnSp>
+        <p:sp>
+          <p:nvSpPr>
+            <p:cNvPr id="44" name="ZoneTexte 43"/>
+            <p:cNvSpPr txBox="1"/>
+            <p:nvPr/>
+          </p:nvSpPr>
+          <p:spPr>
+            <a:xfrm>
+              <a:off x="4716016" y="980728"/>
+              <a:ext cx="1446550" cy="307777"/>
+            </a:xfrm>
+            <a:prstGeom prst="rect">
+              <a:avLst/>
+            </a:prstGeom>
+            <a:noFill/>
+          </p:spPr>
+          <p:txBody>
+            <a:bodyPr wrap="none" rtlCol="0">
+              <a:spAutoFit/>
+            </a:bodyPr>
+            <a:lstStyle/>
+            <a:p>
+              <a:r>
+                <a:rPr lang="fr-BE" sz="1400" b="1" smtClean="0"/>
+                <a:t>AlarmPressed</a:t>
+              </a:r>
+              <a:r>
+                <a:rPr lang="fr-BE" sz="1400" b="1" baseline="-25000" smtClean="0"/>
+                <a:t>start</a:t>
+              </a:r>
+              <a:endParaRPr lang="fr-BE" sz="1400" b="1" baseline="-25000"/>
+            </a:p>
+          </p:txBody>
+        </p:sp>
+        <p:sp>
+          <p:nvSpPr>
+            <p:cNvPr id="45" name="ZoneTexte 44"/>
+            <p:cNvSpPr txBox="1"/>
+            <p:nvPr/>
+          </p:nvSpPr>
+          <p:spPr>
+            <a:xfrm>
+              <a:off x="6588224" y="980728"/>
+              <a:ext cx="1404167" cy="307777"/>
+            </a:xfrm>
+            <a:prstGeom prst="rect">
+              <a:avLst/>
+            </a:prstGeom>
+            <a:noFill/>
+          </p:spPr>
+          <p:txBody>
+            <a:bodyPr wrap="none" rtlCol="0">
+              <a:spAutoFit/>
+            </a:bodyPr>
+            <a:lstStyle/>
+            <a:p>
+              <a:r>
+                <a:rPr lang="fr-BE" sz="1400" b="1" smtClean="0"/>
+                <a:t>AlarmPressed</a:t>
+              </a:r>
+              <a:r>
+                <a:rPr lang="fr-BE" sz="1400" b="1" baseline="-25000" smtClean="0"/>
+                <a:t>end</a:t>
+              </a:r>
+              <a:endParaRPr lang="fr-BE" sz="1400" b="1" baseline="-25000"/>
+            </a:p>
+          </p:txBody>
+        </p:sp>
+        <p:cxnSp>
+          <p:nvCxnSpPr>
+            <p:cNvPr id="46" name="Connecteur droit avec flèche 34"/>
+            <p:cNvCxnSpPr>
+              <a:stCxn id="29" idx="7"/>
+              <a:endCxn id="31" idx="1"/>
+            </p:cNvCxnSpPr>
+            <p:nvPr/>
+          </p:nvCxnSpPr>
+          <p:spPr>
+            <a:xfrm rot="5400000" flipH="1" flipV="1">
+              <a:off x="7212293" y="1028733"/>
+              <a:ext cx="1588" cy="708432"/>
+            </a:xfrm>
+            <a:prstGeom prst="curvedConnector3">
+              <a:avLst>
+                <a:gd name="adj1" fmla="val 6255103"/>
+              </a:avLst>
+            </a:prstGeom>
+            <a:ln>
+              <a:solidFill>
+                <a:schemeClr val="tx1"/>
+              </a:solidFill>
+              <a:tailEnd type="triangle" w="med" len="lg"/>
+            </a:ln>
+          </p:spPr>
+          <p:style>
+            <a:lnRef idx="1">
+              <a:schemeClr val="accent1"/>
+            </a:lnRef>
+            <a:fillRef idx="0">
+              <a:schemeClr val="accent1"/>
+            </a:fillRef>
+            <a:effectRef idx="0">
+              <a:schemeClr val="accent1"/>
+            </a:effectRef>
+            <a:fontRef idx="minor">
+              <a:schemeClr val="tx1"/>
+            </a:fontRef>
+          </p:style>
+        </p:cxnSp>
+        <p:cxnSp>
+          <p:nvCxnSpPr>
+            <p:cNvPr id="52" name="Connecteur droit avec flèche 34"/>
+            <p:cNvCxnSpPr>
+              <a:stCxn id="28" idx="7"/>
+              <a:endCxn id="29" idx="1"/>
+            </p:cNvCxnSpPr>
+            <p:nvPr/>
+          </p:nvCxnSpPr>
+          <p:spPr>
+            <a:xfrm rot="5400000" flipH="1" flipV="1">
+              <a:off x="6300191" y="1028734"/>
+              <a:ext cx="1588" cy="708431"/>
+            </a:xfrm>
+            <a:prstGeom prst="curvedConnector3">
+              <a:avLst>
+                <a:gd name="adj1" fmla="val 6654851"/>
+              </a:avLst>
+            </a:prstGeom>
+            <a:ln>
+              <a:solidFill>
+                <a:schemeClr val="tx1"/>
+              </a:solidFill>
+              <a:tailEnd type="triangle" w="med" len="lg"/>
+            </a:ln>
+          </p:spPr>
+          <p:style>
+            <a:lnRef idx="1">
+              <a:schemeClr val="accent1"/>
+            </a:lnRef>
+            <a:fillRef idx="0">
+              <a:schemeClr val="accent1"/>
+            </a:fillRef>
+            <a:effectRef idx="0">
+              <a:schemeClr val="accent1"/>
+            </a:effectRef>
+            <a:fontRef idx="minor">
+              <a:schemeClr val="tx1"/>
+            </a:fontRef>
+          </p:style>
+        </p:cxnSp>
+        <p:sp>
+          <p:nvSpPr>
+            <p:cNvPr id="56" name="ZoneTexte 55"/>
+            <p:cNvSpPr txBox="1"/>
+            <p:nvPr/>
+          </p:nvSpPr>
+          <p:spPr>
+            <a:xfrm>
+              <a:off x="6156176" y="1052736"/>
+              <a:ext cx="300082" cy="276999"/>
+            </a:xfrm>
+            <a:prstGeom prst="rect">
+              <a:avLst/>
+            </a:prstGeom>
+            <a:noFill/>
+          </p:spPr>
+          <p:txBody>
+            <a:bodyPr wrap="none" rtlCol="0">
+              <a:spAutoFit/>
+            </a:bodyPr>
+            <a:lstStyle/>
+            <a:p>
+              <a:r>
+                <a:rPr lang="fr-BE" sz="1200" smtClean="0"/>
+                <a:t>...</a:t>
+              </a:r>
+              <a:endParaRPr lang="fr-BE" sz="1200" baseline="-25000"/>
+            </a:p>
+          </p:txBody>
+        </p:sp>
+      </p:grpSp>
+      <p:grpSp>
+        <p:nvGrpSpPr>
+          <p:cNvPr id="115" name="Groupe 114"/>
+          <p:cNvGrpSpPr/>
+          <p:nvPr/>
+        </p:nvGrpSpPr>
+        <p:grpSpPr>
+          <a:xfrm>
+            <a:off x="611560" y="836712"/>
+            <a:ext cx="3672408" cy="3024336"/>
+            <a:chOff x="611560" y="836712"/>
+            <a:chExt cx="3672408" cy="3024336"/>
+          </a:xfrm>
+        </p:grpSpPr>
+        <p:sp>
+          <p:nvSpPr>
+            <p:cNvPr id="33" name="Rectangle 32"/>
+            <p:cNvSpPr/>
+            <p:nvPr/>
+          </p:nvSpPr>
+          <p:spPr>
+            <a:xfrm>
+              <a:off x="611560" y="836712"/>
+              <a:ext cx="3672408" cy="3024336"/>
+            </a:xfrm>
+            <a:prstGeom prst="rect">
+              <a:avLst/>
+            </a:prstGeom>
+          </p:spPr>
+          <p:style>
+            <a:lnRef idx="2">
+              <a:schemeClr val="dk1"/>
+            </a:lnRef>
+            <a:fillRef idx="1">
+              <a:schemeClr val="lt1"/>
+            </a:fillRef>
+            <a:effectRef idx="0">
+              <a:schemeClr val="dk1"/>
+            </a:effectRef>
+            <a:fontRef idx="minor">
+              <a:schemeClr val="dk1"/>
+            </a:fontRef>
+          </p:style>
+          <p:txBody>
+            <a:bodyPr rtlCol="0" anchor="ctr"/>
+            <a:lstStyle/>
+            <a:p>
+              <a:pPr algn="ctr"/>
+              <a:endParaRPr lang="fr-BE"/>
+            </a:p>
+          </p:txBody>
+        </p:sp>
+        <p:sp>
+          <p:nvSpPr>
+            <p:cNvPr id="4" name="Rectangle 3"/>
+            <p:cNvSpPr/>
+            <p:nvPr/>
+          </p:nvSpPr>
+          <p:spPr>
+            <a:xfrm>
+              <a:off x="1714480" y="1318758"/>
+              <a:ext cx="1301382" cy="454058"/>
+            </a:xfrm>
+            <a:prstGeom prst="rect">
+              <a:avLst/>
+            </a:prstGeom>
+          </p:spPr>
+          <p:style>
+            <a:lnRef idx="2">
+              <a:schemeClr val="dk1"/>
+            </a:lnRef>
+            <a:fillRef idx="1">
+              <a:schemeClr val="lt1"/>
+            </a:fillRef>
+            <a:effectRef idx="0">
+              <a:schemeClr val="dk1"/>
+            </a:effectRef>
+            <a:fontRef idx="minor">
+              <a:schemeClr val="dk1"/>
+            </a:fontRef>
+          </p:style>
+          <p:txBody>
+            <a:bodyPr rtlCol="0" anchor="ctr"/>
+            <a:lstStyle/>
+            <a:p>
+              <a:pPr algn="ctr"/>
+              <a:r>
+                <a:rPr lang="fr-BE" sz="1400" smtClean="0"/>
+                <a:t>AlarmPressed</a:t>
+              </a:r>
+              <a:endParaRPr lang="fr-BE" sz="1400"/>
+            </a:p>
+          </p:txBody>
+        </p:sp>
+        <p:sp>
+          <p:nvSpPr>
+            <p:cNvPr id="5" name="Ellipse 4"/>
+            <p:cNvSpPr/>
+            <p:nvPr/>
+          </p:nvSpPr>
+          <p:spPr>
+            <a:xfrm>
+              <a:off x="2311171" y="944168"/>
+              <a:ext cx="108000" cy="108000"/>
+            </a:xfrm>
+            <a:prstGeom prst="ellipse">
+              <a:avLst/>
+            </a:prstGeom>
+          </p:spPr>
+          <p:style>
+            <a:lnRef idx="2">
+              <a:schemeClr val="dk1">
+                <a:shade val="50000"/>
+              </a:schemeClr>
+            </a:lnRef>
+            <a:fillRef idx="1">
+              <a:schemeClr val="dk1"/>
+            </a:fillRef>
+            <a:effectRef idx="0">
+              <a:schemeClr val="dk1"/>
+            </a:effectRef>
+            <a:fontRef idx="minor">
+              <a:schemeClr val="lt1"/>
+            </a:fontRef>
+          </p:style>
+          <p:txBody>
+            <a:bodyPr rtlCol="0" anchor="ctr"/>
+            <a:lstStyle/>
+            <a:p>
+              <a:pPr algn="ctr"/>
+              <a:endParaRPr lang="fr-BE"/>
+            </a:p>
+          </p:txBody>
+        </p:sp>
+        <p:cxnSp>
+          <p:nvCxnSpPr>
+            <p:cNvPr id="7" name="Connecteur droit avec flèche 34"/>
+            <p:cNvCxnSpPr>
+              <a:stCxn id="5" idx="4"/>
+              <a:endCxn id="4" idx="0"/>
+            </p:cNvCxnSpPr>
+            <p:nvPr/>
+          </p:nvCxnSpPr>
+          <p:spPr>
+            <a:xfrm rot="5400000">
+              <a:off x="2231876" y="1185463"/>
+              <a:ext cx="266590" cy="1588"/>
+            </a:xfrm>
+            <a:prstGeom prst="bentConnector3">
+              <a:avLst>
+                <a:gd name="adj1" fmla="val 50000"/>
+              </a:avLst>
+            </a:prstGeom>
+            <a:ln>
+              <a:tailEnd type="arrow"/>
+            </a:ln>
+          </p:spPr>
+          <p:style>
+            <a:lnRef idx="2">
+              <a:schemeClr val="dk1"/>
+            </a:lnRef>
+            <a:fillRef idx="0">
+              <a:schemeClr val="dk1"/>
+            </a:fillRef>
+            <a:effectRef idx="1">
+              <a:schemeClr val="dk1"/>
+            </a:effectRef>
+            <a:fontRef idx="minor">
+              <a:schemeClr val="tx1"/>
+            </a:fontRef>
+          </p:style>
+        </p:cxnSp>
+        <p:grpSp>
+          <p:nvGrpSpPr>
+            <p:cNvPr id="3" name="Groupe 7"/>
+            <p:cNvGrpSpPr/>
+            <p:nvPr/>
+          </p:nvGrpSpPr>
+          <p:grpSpPr>
+            <a:xfrm>
+              <a:off x="3249554" y="3501032"/>
+              <a:ext cx="216000" cy="216000"/>
+              <a:chOff x="3090618" y="4896548"/>
+              <a:chExt cx="216000" cy="216000"/>
+            </a:xfrm>
+          </p:grpSpPr>
+          <p:sp>
+            <p:nvSpPr>
+              <p:cNvPr id="9" name="Ellipse 8"/>
+              <p:cNvSpPr/>
+              <p:nvPr/>
+            </p:nvSpPr>
+            <p:spPr>
+              <a:xfrm>
+                <a:off x="3090618" y="4896548"/>
+                <a:ext cx="216000" cy="216000"/>
+              </a:xfrm>
+              <a:prstGeom prst="ellipse">
+                <a:avLst/>
+              </a:prstGeom>
+            </p:spPr>
+            <p:style>
+              <a:lnRef idx="2">
+                <a:schemeClr val="dk1"/>
+              </a:lnRef>
+              <a:fillRef idx="1">
+                <a:schemeClr val="lt1"/>
+              </a:fillRef>
+              <a:effectRef idx="0">
+                <a:schemeClr val="dk1"/>
+              </a:effectRef>
+              <a:fontRef idx="minor">
+                <a:schemeClr val="dk1"/>
+              </a:fontRef>
+            </p:style>
+            <p:txBody>
+              <a:bodyPr rtlCol="0" anchor="ctr"/>
+              <a:lstStyle/>
+              <a:p>
+                <a:pPr algn="ctr"/>
+                <a:endParaRPr lang="fr-BE"/>
+              </a:p>
+            </p:txBody>
+          </p:sp>
+          <p:sp>
+            <p:nvSpPr>
+              <p:cNvPr id="10" name="Ellipse 9"/>
+              <p:cNvSpPr/>
+              <p:nvPr/>
+            </p:nvSpPr>
+            <p:spPr>
+              <a:xfrm>
+                <a:off x="3144618" y="4950548"/>
+                <a:ext cx="108000" cy="108000"/>
+              </a:xfrm>
+              <a:prstGeom prst="ellipse">
+                <a:avLst/>
+              </a:prstGeom>
+            </p:spPr>
+            <p:style>
+              <a:lnRef idx="2">
+                <a:schemeClr val="dk1">
+                  <a:shade val="50000"/>
+                </a:schemeClr>
+              </a:lnRef>
+              <a:fillRef idx="1">
+                <a:schemeClr val="dk1"/>
+              </a:fillRef>
+              <a:effectRef idx="0">
+                <a:schemeClr val="dk1"/>
+              </a:effectRef>
+              <a:fontRef idx="minor">
+                <a:schemeClr val="lt1"/>
+              </a:fontRef>
+            </p:style>
+            <p:txBody>
+              <a:bodyPr rtlCol="0" anchor="ctr"/>
+              <a:lstStyle/>
+              <a:p>
+                <a:pPr algn="ctr"/>
+                <a:endParaRPr lang="fr-BE"/>
+              </a:p>
+            </p:txBody>
+          </p:sp>
+        </p:grpSp>
+        <p:sp>
+          <p:nvSpPr>
+            <p:cNvPr id="11" name="Losange 10"/>
+            <p:cNvSpPr/>
+            <p:nvPr/>
+          </p:nvSpPr>
+          <p:spPr>
+            <a:xfrm>
+              <a:off x="2079419" y="1980862"/>
+              <a:ext cx="571504" cy="500066"/>
+            </a:xfrm>
+            <a:prstGeom prst="diamond">
+              <a:avLst/>
+            </a:prstGeom>
+          </p:spPr>
+          <p:style>
+            <a:lnRef idx="2">
+              <a:schemeClr val="dk1"/>
+            </a:lnRef>
+            <a:fillRef idx="1">
+              <a:schemeClr val="lt1"/>
+            </a:fillRef>
+            <a:effectRef idx="0">
+              <a:schemeClr val="dk1"/>
+            </a:effectRef>
+            <a:fontRef idx="minor">
+              <a:schemeClr val="dk1"/>
+            </a:fontRef>
+          </p:style>
+          <p:txBody>
+            <a:bodyPr wrap="none" rtlCol="0" anchor="ctr"/>
+            <a:lstStyle/>
+            <a:p>
+              <a:pPr algn="ctr"/>
+              <a:endParaRPr lang="fr-BE"/>
+            </a:p>
+          </p:txBody>
+        </p:sp>
+        <p:cxnSp>
+          <p:nvCxnSpPr>
+            <p:cNvPr id="12" name="Connecteur droit avec flèche 34"/>
+            <p:cNvCxnSpPr>
+              <a:stCxn id="4" idx="2"/>
+              <a:endCxn id="11" idx="0"/>
+            </p:cNvCxnSpPr>
+            <p:nvPr/>
+          </p:nvCxnSpPr>
+          <p:spPr>
+            <a:xfrm rot="5400000">
+              <a:off x="2261148" y="1876839"/>
+              <a:ext cx="208046" cy="1588"/>
+            </a:xfrm>
+            <a:prstGeom prst="bentConnector3">
+              <a:avLst>
+                <a:gd name="adj1" fmla="val 50000"/>
+              </a:avLst>
+            </a:prstGeom>
+            <a:ln>
+              <a:tailEnd type="arrow"/>
+            </a:ln>
+          </p:spPr>
+          <p:style>
+            <a:lnRef idx="2">
+              <a:schemeClr val="dk1"/>
+            </a:lnRef>
+            <a:fillRef idx="0">
+              <a:schemeClr val="dk1"/>
+            </a:fillRef>
+            <a:effectRef idx="1">
+              <a:schemeClr val="dk1"/>
+            </a:effectRef>
+            <a:fontRef idx="minor">
+              <a:schemeClr val="tx1"/>
+            </a:fontRef>
+          </p:style>
+        </p:cxnSp>
+        <p:sp>
+          <p:nvSpPr>
+            <p:cNvPr id="13" name="Rectangle 12"/>
+            <p:cNvSpPr/>
+            <p:nvPr/>
+          </p:nvSpPr>
+          <p:spPr>
+            <a:xfrm>
+              <a:off x="714348" y="2884126"/>
+              <a:ext cx="1301382" cy="454058"/>
+            </a:xfrm>
+            <a:prstGeom prst="rect">
+              <a:avLst/>
+            </a:prstGeom>
+          </p:spPr>
+          <p:style>
+            <a:lnRef idx="2">
+              <a:schemeClr val="dk1"/>
+            </a:lnRef>
+            <a:fillRef idx="1">
+              <a:schemeClr val="lt1"/>
+            </a:fillRef>
+            <a:effectRef idx="0">
+              <a:schemeClr val="dk1"/>
+            </a:effectRef>
+            <a:fontRef idx="minor">
+              <a:schemeClr val="dk1"/>
+            </a:fontRef>
+          </p:style>
+          <p:txBody>
+            <a:bodyPr rtlCol="0" anchor="ctr"/>
+            <a:lstStyle/>
+            <a:p>
+              <a:pPr algn="ctr"/>
+              <a:r>
+                <a:rPr lang="fr-BE" sz="1400" smtClean="0"/>
+                <a:t>StopTrain</a:t>
+              </a:r>
+              <a:br>
+                <a:rPr lang="fr-BE" sz="1400" smtClean="0"/>
+              </a:br>
+              <a:r>
+                <a:rPr lang="fr-BE" sz="1400" smtClean="0"/>
+                <a:t>InEmergency</a:t>
+              </a:r>
+              <a:endParaRPr lang="fr-BE" sz="1400"/>
+            </a:p>
+          </p:txBody>
+        </p:sp>
+        <p:cxnSp>
+          <p:nvCxnSpPr>
+            <p:cNvPr id="14" name="Connecteur droit avec flèche 34"/>
+            <p:cNvCxnSpPr>
+              <a:stCxn id="11" idx="1"/>
+              <a:endCxn id="13" idx="0"/>
+            </p:cNvCxnSpPr>
+            <p:nvPr/>
+          </p:nvCxnSpPr>
+          <p:spPr>
+            <a:xfrm rot="10800000" flipV="1">
+              <a:off x="1365039" y="2230894"/>
+              <a:ext cx="714380" cy="653231"/>
+            </a:xfrm>
+            <a:prstGeom prst="bentConnector2">
+              <a:avLst/>
+            </a:prstGeom>
+            <a:ln>
+              <a:tailEnd type="arrow"/>
+            </a:ln>
+          </p:spPr>
+          <p:style>
+            <a:lnRef idx="2">
+              <a:schemeClr val="dk1"/>
+            </a:lnRef>
+            <a:fillRef idx="0">
+              <a:schemeClr val="dk1"/>
+            </a:fillRef>
+            <a:effectRef idx="1">
+              <a:schemeClr val="dk1"/>
+            </a:effectRef>
+            <a:fontRef idx="minor">
+              <a:schemeClr val="tx1"/>
+            </a:fontRef>
+          </p:style>
+        </p:cxnSp>
+        <p:sp>
+          <p:nvSpPr>
+            <p:cNvPr id="18" name="Rectangle 17"/>
+            <p:cNvSpPr/>
+            <p:nvPr/>
+          </p:nvSpPr>
+          <p:spPr>
+            <a:xfrm>
+              <a:off x="2706863" y="2884126"/>
+              <a:ext cx="1301382" cy="454058"/>
+            </a:xfrm>
+            <a:prstGeom prst="rect">
+              <a:avLst/>
+            </a:prstGeom>
+          </p:spPr>
+          <p:style>
+            <a:lnRef idx="2">
+              <a:schemeClr val="dk1"/>
+            </a:lnRef>
+            <a:fillRef idx="1">
+              <a:schemeClr val="lt1"/>
+            </a:fillRef>
+            <a:effectRef idx="0">
+              <a:schemeClr val="dk1"/>
+            </a:effectRef>
+            <a:fontRef idx="minor">
+              <a:schemeClr val="dk1"/>
+            </a:fontRef>
+          </p:style>
+          <p:txBody>
+            <a:bodyPr rtlCol="0" anchor="ctr"/>
+            <a:lstStyle/>
+            <a:p>
+              <a:pPr algn="ctr"/>
+              <a:r>
+                <a:rPr lang="fr-BE" sz="1400" smtClean="0"/>
+                <a:t>OpenDoors</a:t>
+              </a:r>
+              <a:endParaRPr lang="fr-BE" sz="1400"/>
+            </a:p>
+          </p:txBody>
+        </p:sp>
+        <p:cxnSp>
+          <p:nvCxnSpPr>
+            <p:cNvPr id="19" name="Connecteur droit avec flèche 34"/>
+            <p:cNvCxnSpPr>
+              <a:stCxn id="11" idx="3"/>
+              <a:endCxn id="18" idx="0"/>
+            </p:cNvCxnSpPr>
+            <p:nvPr/>
+          </p:nvCxnSpPr>
+          <p:spPr>
+            <a:xfrm>
+              <a:off x="2650923" y="2230895"/>
+              <a:ext cx="706631" cy="653231"/>
+            </a:xfrm>
+            <a:prstGeom prst="bentConnector2">
+              <a:avLst/>
+            </a:prstGeom>
+            <a:ln>
+              <a:tailEnd type="arrow"/>
+            </a:ln>
+          </p:spPr>
+          <p:style>
+            <a:lnRef idx="2">
+              <a:schemeClr val="dk1"/>
+            </a:lnRef>
+            <a:fillRef idx="0">
+              <a:schemeClr val="dk1"/>
+            </a:fillRef>
+            <a:effectRef idx="1">
+              <a:schemeClr val="dk1"/>
+            </a:effectRef>
+            <a:fontRef idx="minor">
+              <a:schemeClr val="tx1"/>
+            </a:fontRef>
+          </p:style>
+        </p:cxnSp>
+        <p:cxnSp>
+          <p:nvCxnSpPr>
+            <p:cNvPr id="22" name="Connecteur droit avec flèche 34"/>
+            <p:cNvCxnSpPr>
+              <a:stCxn id="13" idx="3"/>
+              <a:endCxn id="18" idx="1"/>
+            </p:cNvCxnSpPr>
+            <p:nvPr/>
+          </p:nvCxnSpPr>
+          <p:spPr>
+            <a:xfrm>
+              <a:off x="2015730" y="3111155"/>
+              <a:ext cx="691133" cy="1588"/>
+            </a:xfrm>
+            <a:prstGeom prst="bentConnector3">
+              <a:avLst>
+                <a:gd name="adj1" fmla="val 50000"/>
+              </a:avLst>
+            </a:prstGeom>
+            <a:ln>
+              <a:tailEnd type="arrow"/>
+            </a:ln>
+          </p:spPr>
+          <p:style>
+            <a:lnRef idx="2">
+              <a:schemeClr val="dk1"/>
+            </a:lnRef>
+            <a:fillRef idx="0">
+              <a:schemeClr val="dk1"/>
+            </a:fillRef>
+            <a:effectRef idx="1">
+              <a:schemeClr val="dk1"/>
+            </a:effectRef>
+            <a:fontRef idx="minor">
+              <a:schemeClr val="tx1"/>
+            </a:fontRef>
+          </p:style>
+        </p:cxnSp>
+        <p:sp>
+          <p:nvSpPr>
+            <p:cNvPr id="25" name="ZoneTexte 24"/>
+            <p:cNvSpPr txBox="1"/>
+            <p:nvPr/>
+          </p:nvSpPr>
+          <p:spPr>
+            <a:xfrm>
+              <a:off x="3241948" y="2388059"/>
+              <a:ext cx="216406" cy="246221"/>
+            </a:xfrm>
+            <a:prstGeom prst="rect">
+              <a:avLst/>
+            </a:prstGeom>
+            <a:solidFill>
+              <a:schemeClr val="bg1"/>
+            </a:solidFill>
+          </p:spPr>
+          <p:txBody>
+            <a:bodyPr wrap="none" lIns="0" tIns="0" rIns="0" bIns="0" rtlCol="0">
+              <a:spAutoFit/>
+            </a:bodyPr>
+            <a:lstStyle/>
+            <a:p>
+              <a:r>
+                <a:rPr lang="fr-BE" sz="1600" i="1" smtClean="0"/>
+                <a:t>no</a:t>
+              </a:r>
+              <a:endParaRPr lang="fr-BE" sz="1600" i="1"/>
+            </a:p>
+          </p:txBody>
+        </p:sp>
+        <p:sp>
+          <p:nvSpPr>
+            <p:cNvPr id="26" name="ZoneTexte 25"/>
+            <p:cNvSpPr txBox="1"/>
+            <p:nvPr/>
+          </p:nvSpPr>
+          <p:spPr>
+            <a:xfrm>
+              <a:off x="2024162" y="2109009"/>
+              <a:ext cx="709233" cy="246221"/>
+            </a:xfrm>
+            <a:prstGeom prst="rect">
+              <a:avLst/>
+            </a:prstGeom>
+            <a:solidFill>
+              <a:schemeClr val="bg1"/>
+            </a:solidFill>
+          </p:spPr>
+          <p:txBody>
+            <a:bodyPr wrap="none" lIns="0" tIns="0" rIns="0" bIns="0" rtlCol="0">
+              <a:spAutoFit/>
+            </a:bodyPr>
+            <a:lstStyle/>
+            <a:p>
+              <a:r>
+                <a:rPr lang="fr-BE" sz="1600" smtClean="0"/>
+                <a:t>moving?</a:t>
+              </a:r>
+              <a:endParaRPr lang="fr-BE" sz="1600"/>
+            </a:p>
+          </p:txBody>
+        </p:sp>
+        <p:cxnSp>
+          <p:nvCxnSpPr>
+            <p:cNvPr id="30" name="Connecteur droit avec flèche 34"/>
+            <p:cNvCxnSpPr>
+              <a:stCxn id="18" idx="2"/>
+              <a:endCxn id="9" idx="0"/>
+            </p:cNvCxnSpPr>
+            <p:nvPr/>
+          </p:nvCxnSpPr>
+          <p:spPr>
+            <a:xfrm rot="5400000">
+              <a:off x="3276130" y="3419608"/>
+              <a:ext cx="162848" cy="1588"/>
+            </a:xfrm>
+            <a:prstGeom prst="bentConnector3">
+              <a:avLst>
+                <a:gd name="adj1" fmla="val 50000"/>
+              </a:avLst>
+            </a:prstGeom>
+            <a:ln>
+              <a:tailEnd type="arrow"/>
+            </a:ln>
+          </p:spPr>
+          <p:style>
+            <a:lnRef idx="2">
+              <a:schemeClr val="dk1"/>
+            </a:lnRef>
+            <a:fillRef idx="0">
+              <a:schemeClr val="dk1"/>
+            </a:fillRef>
+            <a:effectRef idx="1">
+              <a:schemeClr val="dk1"/>
+            </a:effectRef>
+            <a:fontRef idx="minor">
+              <a:schemeClr val="tx1"/>
+            </a:fontRef>
+          </p:style>
+        </p:cxnSp>
+        <p:sp>
+          <p:nvSpPr>
+            <p:cNvPr id="114" name="ZoneTexte 113"/>
+            <p:cNvSpPr txBox="1"/>
+            <p:nvPr/>
+          </p:nvSpPr>
+          <p:spPr>
+            <a:xfrm>
+              <a:off x="1233910" y="2388059"/>
+              <a:ext cx="269304" cy="246221"/>
+            </a:xfrm>
+            <a:prstGeom prst="rect">
+              <a:avLst/>
+            </a:prstGeom>
+            <a:solidFill>
+              <a:schemeClr val="bg1"/>
+            </a:solidFill>
+          </p:spPr>
+          <p:txBody>
+            <a:bodyPr wrap="none" lIns="0" tIns="0" rIns="0" bIns="0" rtlCol="0">
+              <a:spAutoFit/>
+            </a:bodyPr>
+            <a:lstStyle/>
+            <a:p>
+              <a:r>
+                <a:rPr lang="fr-BE" sz="1600" i="1" smtClean="0"/>
+                <a:t>yes</a:t>
+              </a:r>
+              <a:endParaRPr lang="fr-BE" sz="1600" i="1"/>
+            </a:p>
+          </p:txBody>
+        </p:sp>
+      </p:grpSp>
+      <p:sp>
+        <p:nvSpPr>
+          <p:cNvPr id="81" name="Forme libre 80"/>
+          <p:cNvSpPr/>
+          <p:nvPr/>
+        </p:nvSpPr>
+        <p:spPr>
+          <a:xfrm>
+            <a:off x="2843808" y="611439"/>
+            <a:ext cx="2016224" cy="765333"/>
+          </a:xfrm>
+          <a:custGeom>
+            <a:avLst/>
+            <a:gdLst>
+              <a:gd name="connsiteX0" fmla="*/ 0 w 2292350"/>
+              <a:gd name="connsiteY0" fmla="*/ 463550 h 463550"/>
+              <a:gd name="connsiteX1" fmla="*/ 495300 w 2292350"/>
+              <a:gd name="connsiteY1" fmla="*/ 76200 h 463550"/>
+              <a:gd name="connsiteX2" fmla="*/ 1543050 w 2292350"/>
+              <a:gd name="connsiteY2" fmla="*/ 6350 h 463550"/>
+              <a:gd name="connsiteX3" fmla="*/ 2159000 w 2292350"/>
+              <a:gd name="connsiteY3" fmla="*/ 57150 h 463550"/>
+              <a:gd name="connsiteX4" fmla="*/ 2159000 w 2292350"/>
+              <a:gd name="connsiteY4" fmla="*/ 57150 h 463550"/>
+              <a:gd name="connsiteX5" fmla="*/ 2292350 w 2292350"/>
+              <a:gd name="connsiteY5" fmla="*/ 63500 h 463550"/>
+              <a:gd name="connsiteX0" fmla="*/ 0 w 2292350"/>
+              <a:gd name="connsiteY0" fmla="*/ 466498 h 466498"/>
+              <a:gd name="connsiteX1" fmla="*/ 583013 w 2292350"/>
+              <a:gd name="connsiteY1" fmla="*/ 115884 h 466498"/>
+              <a:gd name="connsiteX2" fmla="*/ 1543050 w 2292350"/>
+              <a:gd name="connsiteY2" fmla="*/ 9298 h 466498"/>
+              <a:gd name="connsiteX3" fmla="*/ 2159000 w 2292350"/>
+              <a:gd name="connsiteY3" fmla="*/ 60098 h 466498"/>
+              <a:gd name="connsiteX4" fmla="*/ 2159000 w 2292350"/>
+              <a:gd name="connsiteY4" fmla="*/ 60098 h 466498"/>
+              <a:gd name="connsiteX5" fmla="*/ 2292350 w 2292350"/>
+              <a:gd name="connsiteY5" fmla="*/ 66448 h 466498"/>
+              <a:gd name="connsiteX0" fmla="*/ 0 w 2292350"/>
+              <a:gd name="connsiteY0" fmla="*/ 710654 h 710654"/>
+              <a:gd name="connsiteX1" fmla="*/ 583013 w 2292350"/>
+              <a:gd name="connsiteY1" fmla="*/ 360040 h 710654"/>
+              <a:gd name="connsiteX2" fmla="*/ 1543050 w 2292350"/>
+              <a:gd name="connsiteY2" fmla="*/ 253454 h 710654"/>
+              <a:gd name="connsiteX3" fmla="*/ 2159000 w 2292350"/>
+              <a:gd name="connsiteY3" fmla="*/ 304254 h 710654"/>
+              <a:gd name="connsiteX4" fmla="*/ 1803968 w 2292350"/>
+              <a:gd name="connsiteY4" fmla="*/ 0 h 710654"/>
+              <a:gd name="connsiteX5" fmla="*/ 2292350 w 2292350"/>
+              <a:gd name="connsiteY5" fmla="*/ 310604 h 710654"/>
+              <a:gd name="connsiteX0" fmla="*/ 0 w 2292350"/>
+              <a:gd name="connsiteY0" fmla="*/ 720179 h 720179"/>
+              <a:gd name="connsiteX1" fmla="*/ 583013 w 2292350"/>
+              <a:gd name="connsiteY1" fmla="*/ 369565 h 720179"/>
+              <a:gd name="connsiteX2" fmla="*/ 1543050 w 2292350"/>
+              <a:gd name="connsiteY2" fmla="*/ 262979 h 720179"/>
+              <a:gd name="connsiteX3" fmla="*/ 1803968 w 2292350"/>
+              <a:gd name="connsiteY3" fmla="*/ 9525 h 720179"/>
+              <a:gd name="connsiteX4" fmla="*/ 2292350 w 2292350"/>
+              <a:gd name="connsiteY4" fmla="*/ 320129 h 720179"/>
+              <a:gd name="connsiteX0" fmla="*/ 0 w 2292350"/>
+              <a:gd name="connsiteY0" fmla="*/ 465439 h 465439"/>
+              <a:gd name="connsiteX1" fmla="*/ 583013 w 2292350"/>
+              <a:gd name="connsiteY1" fmla="*/ 114825 h 465439"/>
+              <a:gd name="connsiteX2" fmla="*/ 1543050 w 2292350"/>
+              <a:gd name="connsiteY2" fmla="*/ 8239 h 465439"/>
+              <a:gd name="connsiteX3" fmla="*/ 2292350 w 2292350"/>
+              <a:gd name="connsiteY3" fmla="*/ 65389 h 465439"/>
+              <a:gd name="connsiteX0" fmla="*/ 0 w 2360512"/>
+              <a:gd name="connsiteY0" fmla="*/ 360040 h 360040"/>
+              <a:gd name="connsiteX1" fmla="*/ 651175 w 2360512"/>
+              <a:gd name="connsiteY1" fmla="*/ 114825 h 360040"/>
+              <a:gd name="connsiteX2" fmla="*/ 1611212 w 2360512"/>
+              <a:gd name="connsiteY2" fmla="*/ 8239 h 360040"/>
+              <a:gd name="connsiteX3" fmla="*/ 2360512 w 2360512"/>
+              <a:gd name="connsiteY3" fmla="*/ 65389 h 360040"/>
+              <a:gd name="connsiteX0" fmla="*/ 0 w 2360512"/>
+              <a:gd name="connsiteY0" fmla="*/ 400910 h 459543"/>
+              <a:gd name="connsiteX1" fmla="*/ 1139558 w 2360512"/>
+              <a:gd name="connsiteY1" fmla="*/ 400910 h 459543"/>
+              <a:gd name="connsiteX2" fmla="*/ 1611212 w 2360512"/>
+              <a:gd name="connsiteY2" fmla="*/ 49109 h 459543"/>
+              <a:gd name="connsiteX3" fmla="*/ 2360512 w 2360512"/>
+              <a:gd name="connsiteY3" fmla="*/ 106259 h 459543"/>
+              <a:gd name="connsiteX0" fmla="*/ 0 w 3011688"/>
+              <a:gd name="connsiteY0" fmla="*/ 351801 h 410434"/>
+              <a:gd name="connsiteX1" fmla="*/ 1139558 w 3011688"/>
+              <a:gd name="connsiteY1" fmla="*/ 351801 h 410434"/>
+              <a:gd name="connsiteX2" fmla="*/ 1611212 w 3011688"/>
+              <a:gd name="connsiteY2" fmla="*/ 0 h 410434"/>
+              <a:gd name="connsiteX3" fmla="*/ 3011688 w 3011688"/>
+              <a:gd name="connsiteY3" fmla="*/ 351801 h 410434"/>
+              <a:gd name="connsiteX0" fmla="*/ 0 w 3011688"/>
+              <a:gd name="connsiteY0" fmla="*/ 155575 h 179578"/>
+              <a:gd name="connsiteX1" fmla="*/ 1139558 w 3011688"/>
+              <a:gd name="connsiteY1" fmla="*/ 155575 h 179578"/>
+              <a:gd name="connsiteX2" fmla="*/ 2116321 w 3011688"/>
+              <a:gd name="connsiteY2" fmla="*/ 11558 h 179578"/>
+              <a:gd name="connsiteX3" fmla="*/ 3011688 w 3011688"/>
+              <a:gd name="connsiteY3" fmla="*/ 155575 h 179578"/>
+              <a:gd name="connsiteX0" fmla="*/ 0 w 3337276"/>
+              <a:gd name="connsiteY0" fmla="*/ 156018 h 228025"/>
+              <a:gd name="connsiteX1" fmla="*/ 1139558 w 3337276"/>
+              <a:gd name="connsiteY1" fmla="*/ 156018 h 228025"/>
+              <a:gd name="connsiteX2" fmla="*/ 2116321 w 3337276"/>
+              <a:gd name="connsiteY2" fmla="*/ 12001 h 228025"/>
+              <a:gd name="connsiteX3" fmla="*/ 3337276 w 3337276"/>
+              <a:gd name="connsiteY3" fmla="*/ 228025 h 228025"/>
+              <a:gd name="connsiteX0" fmla="*/ 0 w 3337276"/>
+              <a:gd name="connsiteY0" fmla="*/ 155575 h 383600"/>
+              <a:gd name="connsiteX1" fmla="*/ 1139558 w 3337276"/>
+              <a:gd name="connsiteY1" fmla="*/ 155575 h 383600"/>
+              <a:gd name="connsiteX2" fmla="*/ 1383749 w 3337276"/>
+              <a:gd name="connsiteY2" fmla="*/ 371599 h 383600"/>
+              <a:gd name="connsiteX3" fmla="*/ 3337276 w 3337276"/>
+              <a:gd name="connsiteY3" fmla="*/ 227582 h 383600"/>
+              <a:gd name="connsiteX0" fmla="*/ 0 w 3337276"/>
+              <a:gd name="connsiteY0" fmla="*/ 155575 h 383600"/>
+              <a:gd name="connsiteX1" fmla="*/ 1383749 w 3337276"/>
+              <a:gd name="connsiteY1" fmla="*/ 155574 h 383600"/>
+              <a:gd name="connsiteX2" fmla="*/ 1383749 w 3337276"/>
+              <a:gd name="connsiteY2" fmla="*/ 371599 h 383600"/>
+              <a:gd name="connsiteX3" fmla="*/ 3337276 w 3337276"/>
+              <a:gd name="connsiteY3" fmla="*/ 227582 h 383600"/>
+              <a:gd name="connsiteX0" fmla="*/ 0 w 2686100"/>
+              <a:gd name="connsiteY0" fmla="*/ 155575 h 803646"/>
+              <a:gd name="connsiteX1" fmla="*/ 1383749 w 2686100"/>
+              <a:gd name="connsiteY1" fmla="*/ 155574 h 803646"/>
+              <a:gd name="connsiteX2" fmla="*/ 1383749 w 2686100"/>
+              <a:gd name="connsiteY2" fmla="*/ 371599 h 803646"/>
+              <a:gd name="connsiteX3" fmla="*/ 2686100 w 2686100"/>
+              <a:gd name="connsiteY3" fmla="*/ 803646 h 803646"/>
+              <a:gd name="connsiteX0" fmla="*/ 0 w 2686100"/>
+              <a:gd name="connsiteY0" fmla="*/ 36005 h 684076"/>
+              <a:gd name="connsiteX1" fmla="*/ 1383749 w 2686100"/>
+              <a:gd name="connsiteY1" fmla="*/ 36004 h 684076"/>
+              <a:gd name="connsiteX2" fmla="*/ 1383749 w 2686100"/>
+              <a:gd name="connsiteY2" fmla="*/ 252029 h 684076"/>
+              <a:gd name="connsiteX3" fmla="*/ 2686100 w 2686100"/>
+              <a:gd name="connsiteY3" fmla="*/ 684076 h 684076"/>
+              <a:gd name="connsiteX0" fmla="*/ 0 w 2279115"/>
+              <a:gd name="connsiteY0" fmla="*/ 479959 h 773992"/>
+              <a:gd name="connsiteX1" fmla="*/ 1383749 w 2279115"/>
+              <a:gd name="connsiteY1" fmla="*/ 479958 h 773992"/>
+              <a:gd name="connsiteX2" fmla="*/ 1383749 w 2279115"/>
+              <a:gd name="connsiteY2" fmla="*/ 695983 h 773992"/>
+              <a:gd name="connsiteX3" fmla="*/ 2279115 w 2279115"/>
+              <a:gd name="connsiteY3" fmla="*/ 11906 h 773992"/>
+              <a:gd name="connsiteX0" fmla="*/ 0 w 2279115"/>
+              <a:gd name="connsiteY0" fmla="*/ 468053 h 546061"/>
+              <a:gd name="connsiteX1" fmla="*/ 1383749 w 2279115"/>
+              <a:gd name="connsiteY1" fmla="*/ 468052 h 546061"/>
+              <a:gd name="connsiteX2" fmla="*/ 2279115 w 2279115"/>
+              <a:gd name="connsiteY2" fmla="*/ 0 h 546061"/>
+              <a:gd name="connsiteX0" fmla="*/ 0 w 2279115"/>
+              <a:gd name="connsiteY0" fmla="*/ 474053 h 474053"/>
+              <a:gd name="connsiteX1" fmla="*/ 1058161 w 2279115"/>
+              <a:gd name="connsiteY1" fmla="*/ 78009 h 474053"/>
+              <a:gd name="connsiteX2" fmla="*/ 2279115 w 2279115"/>
+              <a:gd name="connsiteY2" fmla="*/ 6000 h 474053"/>
+              <a:gd name="connsiteX0" fmla="*/ 0 w 2279115"/>
+              <a:gd name="connsiteY0" fmla="*/ 474053 h 474053"/>
+              <a:gd name="connsiteX1" fmla="*/ 1058161 w 2279115"/>
+              <a:gd name="connsiteY1" fmla="*/ 78009 h 474053"/>
+              <a:gd name="connsiteX2" fmla="*/ 2279115 w 2279115"/>
+              <a:gd name="connsiteY2" fmla="*/ 6000 h 474053"/>
+              <a:gd name="connsiteX0" fmla="*/ 0 w 2279115"/>
+              <a:gd name="connsiteY0" fmla="*/ 913120 h 913120"/>
+              <a:gd name="connsiteX1" fmla="*/ 1058161 w 2279115"/>
+              <a:gd name="connsiteY1" fmla="*/ 517076 h 913120"/>
+              <a:gd name="connsiteX2" fmla="*/ 2279115 w 2279115"/>
+              <a:gd name="connsiteY2" fmla="*/ 445067 h 913120"/>
+              <a:gd name="connsiteX0" fmla="*/ 0 w 2279115"/>
+              <a:gd name="connsiteY0" fmla="*/ 837342 h 837342"/>
+              <a:gd name="connsiteX1" fmla="*/ 1058161 w 2279115"/>
+              <a:gd name="connsiteY1" fmla="*/ 441298 h 837342"/>
+              <a:gd name="connsiteX2" fmla="*/ 2279115 w 2279115"/>
+              <a:gd name="connsiteY2" fmla="*/ 369289 h 837342"/>
+              <a:gd name="connsiteX0" fmla="*/ 0 w 2279115"/>
+              <a:gd name="connsiteY0" fmla="*/ 765333 h 765333"/>
+              <a:gd name="connsiteX1" fmla="*/ 1058161 w 2279115"/>
+              <a:gd name="connsiteY1" fmla="*/ 369289 h 765333"/>
+              <a:gd name="connsiteX2" fmla="*/ 2279115 w 2279115"/>
+              <a:gd name="connsiteY2" fmla="*/ 369289 h 765333"/>
+            </a:gdLst>
+            <a:ahLst/>
+            <a:cxnLst>
+              <a:cxn ang="0">
+                <a:pos x="connsiteX0" y="connsiteY0"/>
+              </a:cxn>
+              <a:cxn ang="0">
+                <a:pos x="connsiteX1" y="connsiteY1"/>
+              </a:cxn>
+              <a:cxn ang="0">
+                <a:pos x="connsiteX2" y="connsiteY2"/>
+              </a:cxn>
+            </a:cxnLst>
+            <a:rect l="l" t="t" r="r" b="b"/>
+            <a:pathLst>
+              <a:path w="2279115" h="765333">
+                <a:moveTo>
+                  <a:pt x="0" y="765333"/>
+                </a:moveTo>
+                <a:cubicBezTo>
+                  <a:pt x="343682" y="421366"/>
+                  <a:pt x="678309" y="435296"/>
+                  <a:pt x="1058161" y="369289"/>
+                </a:cubicBezTo>
+                <a:cubicBezTo>
+                  <a:pt x="1438014" y="303282"/>
+                  <a:pt x="1680857" y="0"/>
+                  <a:pt x="2279115" y="369289"/>
+                </a:cubicBezTo>
+              </a:path>
+            </a:pathLst>
+          </a:custGeom>
+          <a:ln w="47625">
+            <a:tailEnd type="triangle" w="med" len="med"/>
+          </a:ln>
+        </p:spPr>
+        <p:style>
+          <a:lnRef idx="1">
+            <a:schemeClr val="accent1"/>
+          </a:lnRef>
+          <a:fillRef idx="0">
+            <a:schemeClr val="accent1"/>
+          </a:fillRef>
+          <a:effectRef idx="0">
+            <a:schemeClr val="accent1"/>
+          </a:effectRef>
+          <a:fontRef idx="minor">
+            <a:schemeClr val="tx1"/>
+          </a:fontRef>
+        </p:style>
+        <p:txBody>
+          <a:bodyPr rtlCol="0" anchor="ctr"/>
+          <a:lstStyle/>
+          <a:p>
+            <a:pPr algn="ctr"/>
+            <a:endParaRPr lang="fr-BE"/>
+          </a:p>
+        </p:txBody>
+      </p:sp>
+    </p:spTree>
+  </p:cSld>
+  <p:clrMapOvr>
+    <a:masterClrMapping/>
+  </p:clrMapOvr>
+</p:sld>
+</file>
+
+<file path=ppt/slides/slide5.xml><?xml version="1.0" encoding="utf-8"?>
+<p:sld xmlns:a="http://schemas.openxmlformats.org/drawingml/2006/main" xmlns:r="http://schemas.openxmlformats.org/officeDocument/2006/relationships" xmlns:p="http://schemas.openxmlformats.org/presentationml/2006/main">
+  <p:cSld>
+    <p:spTree>
+      <p:nvGrpSpPr>
+        <p:cNvPr id="1" name=""/>
+        <p:cNvGrpSpPr/>
+        <p:nvPr/>
+      </p:nvGrpSpPr>
+      <p:grpSpPr>
+        <a:xfrm>
+          <a:off x="0" y="0"/>
+          <a:ext cx="0" cy="0"/>
+          <a:chOff x="0" y="0"/>
+          <a:chExt cx="0" cy="0"/>
+        </a:xfrm>
+      </p:grpSpPr>
+      <p:grpSp>
+        <p:nvGrpSpPr>
+          <p:cNvPr id="6" name="Groupe 106"/>
+          <p:cNvGrpSpPr/>
+          <p:nvPr/>
+        </p:nvGrpSpPr>
+        <p:grpSpPr>
+          <a:xfrm>
+            <a:off x="5292080" y="2276872"/>
+            <a:ext cx="2007840" cy="1656184"/>
+            <a:chOff x="5292080" y="2204864"/>
+            <a:chExt cx="2007840" cy="1656184"/>
+          </a:xfrm>
+        </p:grpSpPr>
+        <p:sp>
+          <p:nvSpPr>
+            <p:cNvPr id="98" name="Rectangle 97"/>
+            <p:cNvSpPr/>
+            <p:nvPr/>
+          </p:nvSpPr>
+          <p:spPr>
+            <a:xfrm>
+              <a:off x="5292080" y="2204864"/>
+              <a:ext cx="2007840" cy="1656184"/>
+            </a:xfrm>
+            <a:prstGeom prst="rect">
+              <a:avLst/>
+            </a:prstGeom>
+          </p:spPr>
+          <p:style>
+            <a:lnRef idx="2">
+              <a:schemeClr val="dk1"/>
+            </a:lnRef>
+            <a:fillRef idx="1">
+              <a:schemeClr val="lt1"/>
+            </a:fillRef>
+            <a:effectRef idx="0">
+              <a:schemeClr val="dk1"/>
+            </a:effectRef>
+            <a:fontRef idx="minor">
+              <a:schemeClr val="dk1"/>
+            </a:fontRef>
+          </p:style>
+          <p:txBody>
+            <a:bodyPr rtlCol="0" anchor="ctr"/>
+            <a:lstStyle/>
+            <a:p>
+              <a:pPr algn="ctr"/>
+              <a:endParaRPr lang="fr-BE"/>
+            </a:p>
+          </p:txBody>
+        </p:sp>
+        <p:sp>
+          <p:nvSpPr>
+            <p:cNvPr id="83" name="Ellipse 82"/>
+            <p:cNvSpPr/>
+            <p:nvPr/>
+          </p:nvSpPr>
+          <p:spPr>
+            <a:xfrm>
+              <a:off x="5724128" y="2852936"/>
+              <a:ext cx="288032" cy="288032"/>
+            </a:xfrm>
+            <a:prstGeom prst="ellipse">
+              <a:avLst/>
+            </a:prstGeom>
+          </p:spPr>
+          <p:style>
+            <a:lnRef idx="2">
+              <a:schemeClr val="dk1"/>
+            </a:lnRef>
+            <a:fillRef idx="1">
+              <a:schemeClr val="lt1"/>
+            </a:fillRef>
+            <a:effectRef idx="0">
+              <a:schemeClr val="dk1"/>
+            </a:effectRef>
+            <a:fontRef idx="minor">
+              <a:schemeClr val="dk1"/>
+            </a:fontRef>
+          </p:style>
+          <p:txBody>
+            <a:bodyPr rtlCol="0" anchor="ctr"/>
+            <a:lstStyle/>
+            <a:p>
+              <a:pPr algn="ctr"/>
+              <a:endParaRPr lang="fr-BE"/>
+            </a:p>
+          </p:txBody>
+        </p:sp>
+        <p:sp>
+          <p:nvSpPr>
+            <p:cNvPr id="84" name="Ellipse 83"/>
+            <p:cNvSpPr/>
+            <p:nvPr/>
+          </p:nvSpPr>
+          <p:spPr>
+            <a:xfrm>
+              <a:off x="6588224" y="2348880"/>
+              <a:ext cx="288032" cy="288032"/>
+            </a:xfrm>
+            <a:prstGeom prst="ellipse">
+              <a:avLst/>
+            </a:prstGeom>
+          </p:spPr>
+          <p:style>
+            <a:lnRef idx="2">
+              <a:schemeClr val="dk1"/>
+            </a:lnRef>
+            <a:fillRef idx="1">
+              <a:schemeClr val="lt1"/>
+            </a:fillRef>
+            <a:effectRef idx="0">
+              <a:schemeClr val="dk1"/>
+            </a:effectRef>
+            <a:fontRef idx="minor">
+              <a:schemeClr val="dk1"/>
+            </a:fontRef>
+          </p:style>
+          <p:txBody>
+            <a:bodyPr rtlCol="0" anchor="ctr"/>
+            <a:lstStyle/>
+            <a:p>
+              <a:pPr algn="ctr"/>
+              <a:endParaRPr lang="fr-BE"/>
+            </a:p>
+          </p:txBody>
+        </p:sp>
+        <p:cxnSp>
+          <p:nvCxnSpPr>
+            <p:cNvPr id="85" name="Connecteur droit avec flèche 34"/>
+            <p:cNvCxnSpPr>
+              <a:stCxn id="83" idx="0"/>
+              <a:endCxn id="84" idx="2"/>
+            </p:cNvCxnSpPr>
+            <p:nvPr/>
+          </p:nvCxnSpPr>
+          <p:spPr>
+            <a:xfrm rot="5400000" flipH="1" flipV="1">
+              <a:off x="6048164" y="2312876"/>
+              <a:ext cx="360040" cy="720080"/>
+            </a:xfrm>
+            <a:prstGeom prst="curvedConnector2">
+              <a:avLst/>
+            </a:prstGeom>
+            <a:ln>
+              <a:solidFill>
+                <a:schemeClr val="tx1"/>
+              </a:solidFill>
+              <a:tailEnd type="triangle" w="med" len="lg"/>
+            </a:ln>
+          </p:spPr>
+          <p:style>
+            <a:lnRef idx="1">
+              <a:schemeClr val="accent1"/>
+            </a:lnRef>
+            <a:fillRef idx="0">
+              <a:schemeClr val="accent1"/>
+            </a:fillRef>
+            <a:effectRef idx="0">
+              <a:schemeClr val="accent1"/>
+            </a:effectRef>
+            <a:fontRef idx="minor">
+              <a:schemeClr val="tx1"/>
+            </a:fontRef>
+          </p:style>
+        </p:cxnSp>
+        <p:sp>
+          <p:nvSpPr>
+            <p:cNvPr id="86" name="ZoneTexte 85"/>
+            <p:cNvSpPr txBox="1"/>
+            <p:nvPr/>
+          </p:nvSpPr>
+          <p:spPr>
+            <a:xfrm>
+              <a:off x="5652120" y="2564904"/>
+              <a:ext cx="667940" cy="215444"/>
+            </a:xfrm>
+            <a:prstGeom prst="rect">
+              <a:avLst/>
+            </a:prstGeom>
+            <a:solidFill>
+              <a:schemeClr val="bg1"/>
+            </a:solidFill>
+          </p:spPr>
+          <p:txBody>
+            <a:bodyPr wrap="none" lIns="0" tIns="0" rIns="0" bIns="0" rtlCol="0">
+              <a:spAutoFit/>
+            </a:bodyPr>
+            <a:lstStyle/>
+            <a:p>
+              <a:r>
+                <a:rPr lang="fr-BE" sz="1400" b="1" smtClean="0"/>
+                <a:t>[moving]</a:t>
+              </a:r>
+              <a:endParaRPr lang="fr-BE" sz="1400" b="1" baseline="-25000"/>
+            </a:p>
+          </p:txBody>
+        </p:sp>
+        <p:sp>
+          <p:nvSpPr>
+            <p:cNvPr id="91" name="Ellipse 90"/>
+            <p:cNvSpPr/>
+            <p:nvPr/>
+          </p:nvSpPr>
+          <p:spPr>
+            <a:xfrm>
+              <a:off x="6588224" y="3429000"/>
+              <a:ext cx="288032" cy="288032"/>
+            </a:xfrm>
+            <a:prstGeom prst="ellipse">
+              <a:avLst/>
+            </a:prstGeom>
+          </p:spPr>
+          <p:style>
+            <a:lnRef idx="2">
+              <a:schemeClr val="dk1"/>
+            </a:lnRef>
+            <a:fillRef idx="1">
+              <a:schemeClr val="lt1"/>
+            </a:fillRef>
+            <a:effectRef idx="0">
+              <a:schemeClr val="dk1"/>
+            </a:effectRef>
+            <a:fontRef idx="minor">
+              <a:schemeClr val="dk1"/>
+            </a:fontRef>
+          </p:style>
+          <p:txBody>
+            <a:bodyPr rtlCol="0" anchor="ctr"/>
+            <a:lstStyle/>
+            <a:p>
+              <a:pPr algn="ctr"/>
+              <a:endParaRPr lang="fr-BE"/>
+            </a:p>
+          </p:txBody>
+        </p:sp>
+        <p:cxnSp>
+          <p:nvCxnSpPr>
+            <p:cNvPr id="92" name="Connecteur droit avec flèche 34"/>
+            <p:cNvCxnSpPr>
+              <a:stCxn id="83" idx="4"/>
+              <a:endCxn id="91" idx="2"/>
+            </p:cNvCxnSpPr>
+            <p:nvPr/>
+          </p:nvCxnSpPr>
+          <p:spPr>
+            <a:xfrm rot="16200000" flipH="1">
+              <a:off x="6012160" y="2996952"/>
+              <a:ext cx="432048" cy="720080"/>
+            </a:xfrm>
+            <a:prstGeom prst="curvedConnector2">
+              <a:avLst/>
+            </a:prstGeom>
+            <a:ln>
+              <a:solidFill>
+                <a:schemeClr val="tx1"/>
+              </a:solidFill>
+              <a:tailEnd type="triangle" w="med" len="lg"/>
+            </a:ln>
+          </p:spPr>
+          <p:style>
+            <a:lnRef idx="1">
+              <a:schemeClr val="accent1"/>
+            </a:lnRef>
+            <a:fillRef idx="0">
+              <a:schemeClr val="accent1"/>
+            </a:fillRef>
+            <a:effectRef idx="0">
+              <a:schemeClr val="accent1"/>
+            </a:effectRef>
+            <a:fontRef idx="minor">
+              <a:schemeClr val="tx1"/>
+            </a:fontRef>
+          </p:style>
+        </p:cxnSp>
+        <p:sp>
+          <p:nvSpPr>
+            <p:cNvPr id="97" name="ZoneTexte 96"/>
+            <p:cNvSpPr txBox="1"/>
+            <p:nvPr/>
+          </p:nvSpPr>
+          <p:spPr>
+            <a:xfrm>
+              <a:off x="5574609" y="3212976"/>
+              <a:ext cx="836255" cy="215444"/>
+            </a:xfrm>
+            <a:prstGeom prst="rect">
+              <a:avLst/>
+            </a:prstGeom>
+            <a:solidFill>
+              <a:schemeClr val="bg1"/>
+            </a:solidFill>
+          </p:spPr>
+          <p:txBody>
+            <a:bodyPr wrap="none" lIns="0" tIns="0" rIns="0" bIns="0" rtlCol="0">
+              <a:spAutoFit/>
+            </a:bodyPr>
+            <a:lstStyle/>
+            <a:p>
+              <a:r>
+                <a:rPr lang="fr-BE" sz="1400" b="1" smtClean="0"/>
+                <a:t>[</a:t>
+              </a:r>
+              <a:r>
+                <a:rPr lang="fr-BE" sz="1400" b="1" smtClean="0">
+                  <a:sym typeface="Symbol"/>
+                </a:rPr>
+                <a:t> </a:t>
+              </a:r>
+              <a:r>
+                <a:rPr lang="fr-BE" sz="1400" b="1" smtClean="0"/>
+                <a:t>moving]</a:t>
+              </a:r>
+              <a:endParaRPr lang="fr-BE" sz="1400" b="1" baseline="-25000"/>
+            </a:p>
+          </p:txBody>
+        </p:sp>
+      </p:grpSp>
+      <p:cxnSp>
+        <p:nvCxnSpPr>
+          <p:cNvPr id="105" name="Connecteur droit 104"/>
+          <p:cNvCxnSpPr/>
+          <p:nvPr/>
+        </p:nvCxnSpPr>
+        <p:spPr>
+          <a:xfrm rot="5400000">
+            <a:off x="8028384" y="1916832"/>
+            <a:ext cx="0" cy="0"/>
+          </a:xfrm>
+          <a:prstGeom prst="line">
+            <a:avLst/>
+          </a:prstGeom>
+        </p:spPr>
+        <p:style>
+          <a:lnRef idx="1">
+            <a:schemeClr val="accent1"/>
+          </a:lnRef>
+          <a:fillRef idx="0">
+            <a:schemeClr val="accent1"/>
+          </a:fillRef>
+          <a:effectRef idx="0">
+            <a:schemeClr val="accent1"/>
+          </a:effectRef>
+          <a:fontRef idx="minor">
+            <a:schemeClr val="tx1"/>
+          </a:fontRef>
+        </p:style>
+      </p:cxnSp>
+      <p:grpSp>
+        <p:nvGrpSpPr>
+          <p:cNvPr id="47" name="Groupe 46"/>
+          <p:cNvGrpSpPr/>
+          <p:nvPr/>
+        </p:nvGrpSpPr>
+        <p:grpSpPr>
+          <a:xfrm>
+            <a:off x="611560" y="836712"/>
+            <a:ext cx="3672408" cy="3024336"/>
+            <a:chOff x="611560" y="836712"/>
+            <a:chExt cx="3672408" cy="3024336"/>
+          </a:xfrm>
+        </p:grpSpPr>
+        <p:sp>
+          <p:nvSpPr>
+            <p:cNvPr id="48" name="Rectangle 47"/>
+            <p:cNvSpPr/>
+            <p:nvPr/>
+          </p:nvSpPr>
+          <p:spPr>
+            <a:xfrm>
+              <a:off x="611560" y="836712"/>
+              <a:ext cx="3672408" cy="3024336"/>
+            </a:xfrm>
+            <a:prstGeom prst="rect">
+              <a:avLst/>
+            </a:prstGeom>
+          </p:spPr>
+          <p:style>
+            <a:lnRef idx="2">
+              <a:schemeClr val="dk1"/>
+            </a:lnRef>
+            <a:fillRef idx="1">
+              <a:schemeClr val="lt1"/>
+            </a:fillRef>
+            <a:effectRef idx="0">
+              <a:schemeClr val="dk1"/>
+            </a:effectRef>
+            <a:fontRef idx="minor">
+              <a:schemeClr val="dk1"/>
+            </a:fontRef>
+          </p:style>
+          <p:txBody>
+            <a:bodyPr rtlCol="0" anchor="ctr"/>
+            <a:lstStyle/>
+            <a:p>
+              <a:pPr algn="ctr"/>
+              <a:endParaRPr lang="fr-BE"/>
+            </a:p>
+          </p:txBody>
+        </p:sp>
+        <p:sp>
+          <p:nvSpPr>
+            <p:cNvPr id="49" name="Rectangle 48"/>
+            <p:cNvSpPr/>
+            <p:nvPr/>
+          </p:nvSpPr>
+          <p:spPr>
+            <a:xfrm>
+              <a:off x="1714480" y="1318758"/>
+              <a:ext cx="1301382" cy="454058"/>
+            </a:xfrm>
+            <a:prstGeom prst="rect">
+              <a:avLst/>
+            </a:prstGeom>
+          </p:spPr>
+          <p:style>
+            <a:lnRef idx="2">
+              <a:schemeClr val="dk1"/>
+            </a:lnRef>
+            <a:fillRef idx="1">
+              <a:schemeClr val="lt1"/>
+            </a:fillRef>
+            <a:effectRef idx="0">
+              <a:schemeClr val="dk1"/>
+            </a:effectRef>
+            <a:fontRef idx="minor">
+              <a:schemeClr val="dk1"/>
+            </a:fontRef>
+          </p:style>
+          <p:txBody>
+            <a:bodyPr rtlCol="0" anchor="ctr"/>
+            <a:lstStyle/>
+            <a:p>
+              <a:pPr algn="ctr"/>
+              <a:r>
+                <a:rPr lang="fr-BE" sz="1400" smtClean="0"/>
+                <a:t>AlarmPressed</a:t>
+              </a:r>
+              <a:endParaRPr lang="fr-BE" sz="1400"/>
+            </a:p>
+          </p:txBody>
+        </p:sp>
+        <p:sp>
+          <p:nvSpPr>
+            <p:cNvPr id="50" name="Ellipse 49"/>
+            <p:cNvSpPr/>
+            <p:nvPr/>
+          </p:nvSpPr>
+          <p:spPr>
+            <a:xfrm>
+              <a:off x="2311171" y="944168"/>
+              <a:ext cx="108000" cy="108000"/>
+            </a:xfrm>
+            <a:prstGeom prst="ellipse">
+              <a:avLst/>
+            </a:prstGeom>
+          </p:spPr>
+          <p:style>
+            <a:lnRef idx="2">
+              <a:schemeClr val="dk1">
+                <a:shade val="50000"/>
+              </a:schemeClr>
+            </a:lnRef>
+            <a:fillRef idx="1">
+              <a:schemeClr val="dk1"/>
+            </a:fillRef>
+            <a:effectRef idx="0">
+              <a:schemeClr val="dk1"/>
+            </a:effectRef>
+            <a:fontRef idx="minor">
+              <a:schemeClr val="lt1"/>
+            </a:fontRef>
+          </p:style>
+          <p:txBody>
+            <a:bodyPr rtlCol="0" anchor="ctr"/>
+            <a:lstStyle/>
+            <a:p>
+              <a:pPr algn="ctr"/>
+              <a:endParaRPr lang="fr-BE"/>
+            </a:p>
+          </p:txBody>
+        </p:sp>
+        <p:cxnSp>
+          <p:nvCxnSpPr>
+            <p:cNvPr id="51" name="Connecteur droit avec flèche 34"/>
+            <p:cNvCxnSpPr>
+              <a:stCxn id="50" idx="4"/>
+              <a:endCxn id="49" idx="0"/>
+            </p:cNvCxnSpPr>
+            <p:nvPr/>
+          </p:nvCxnSpPr>
+          <p:spPr>
+            <a:xfrm rot="5400000">
+              <a:off x="2231876" y="1185463"/>
+              <a:ext cx="266590" cy="1588"/>
+            </a:xfrm>
+            <a:prstGeom prst="bentConnector3">
+              <a:avLst>
+                <a:gd name="adj1" fmla="val 50000"/>
+              </a:avLst>
+            </a:prstGeom>
+            <a:ln>
+              <a:tailEnd type="arrow"/>
+            </a:ln>
+          </p:spPr>
+          <p:style>
+            <a:lnRef idx="2">
+              <a:schemeClr val="dk1"/>
+            </a:lnRef>
+            <a:fillRef idx="0">
+              <a:schemeClr val="dk1"/>
+            </a:fillRef>
+            <a:effectRef idx="1">
+              <a:schemeClr val="dk1"/>
+            </a:effectRef>
+            <a:fontRef idx="minor">
+              <a:schemeClr val="tx1"/>
+            </a:fontRef>
+          </p:style>
+        </p:cxnSp>
+        <p:grpSp>
+          <p:nvGrpSpPr>
+            <p:cNvPr id="53" name="Groupe 52"/>
+            <p:cNvGrpSpPr/>
+            <p:nvPr/>
+          </p:nvGrpSpPr>
+          <p:grpSpPr>
+            <a:xfrm>
+              <a:off x="3249554" y="3501032"/>
+              <a:ext cx="216000" cy="216000"/>
+              <a:chOff x="3090618" y="4896548"/>
+              <a:chExt cx="216000" cy="216000"/>
+            </a:xfrm>
+          </p:grpSpPr>
+          <p:sp>
+            <p:nvSpPr>
+              <p:cNvPr id="66" name="Ellipse 65"/>
+              <p:cNvSpPr/>
+              <p:nvPr/>
+            </p:nvSpPr>
+            <p:spPr>
+              <a:xfrm>
+                <a:off x="3090618" y="4896548"/>
+                <a:ext cx="216000" cy="216000"/>
+              </a:xfrm>
+              <a:prstGeom prst="ellipse">
+                <a:avLst/>
+              </a:prstGeom>
+            </p:spPr>
+            <p:style>
+              <a:lnRef idx="2">
+                <a:schemeClr val="dk1"/>
+              </a:lnRef>
+              <a:fillRef idx="1">
+                <a:schemeClr val="lt1"/>
+              </a:fillRef>
+              <a:effectRef idx="0">
+                <a:schemeClr val="dk1"/>
+              </a:effectRef>
+              <a:fontRef idx="minor">
+                <a:schemeClr val="dk1"/>
+              </a:fontRef>
+            </p:style>
+            <p:txBody>
+              <a:bodyPr rtlCol="0" anchor="ctr"/>
+              <a:lstStyle/>
+              <a:p>
+                <a:pPr algn="ctr"/>
+                <a:endParaRPr lang="fr-BE"/>
+              </a:p>
+            </p:txBody>
+          </p:sp>
+          <p:sp>
+            <p:nvSpPr>
+              <p:cNvPr id="67" name="Ellipse 66"/>
+              <p:cNvSpPr/>
+              <p:nvPr/>
+            </p:nvSpPr>
+            <p:spPr>
+              <a:xfrm>
+                <a:off x="3144618" y="4950548"/>
+                <a:ext cx="108000" cy="108000"/>
+              </a:xfrm>
+              <a:prstGeom prst="ellipse">
+                <a:avLst/>
+              </a:prstGeom>
+            </p:spPr>
+            <p:style>
+              <a:lnRef idx="2">
+                <a:schemeClr val="dk1">
+                  <a:shade val="50000"/>
+                </a:schemeClr>
+              </a:lnRef>
+              <a:fillRef idx="1">
+                <a:schemeClr val="dk1"/>
+              </a:fillRef>
+              <a:effectRef idx="0">
+                <a:schemeClr val="dk1"/>
+              </a:effectRef>
+              <a:fontRef idx="minor">
+                <a:schemeClr val="lt1"/>
+              </a:fontRef>
+            </p:style>
+            <p:txBody>
+              <a:bodyPr rtlCol="0" anchor="ctr"/>
+              <a:lstStyle/>
+              <a:p>
+                <a:pPr algn="ctr"/>
+                <a:endParaRPr lang="fr-BE"/>
+              </a:p>
+            </p:txBody>
+          </p:sp>
+        </p:grpSp>
+        <p:sp>
+          <p:nvSpPr>
+            <p:cNvPr id="54" name="Losange 53"/>
+            <p:cNvSpPr/>
+            <p:nvPr/>
+          </p:nvSpPr>
+          <p:spPr>
+            <a:xfrm>
+              <a:off x="2079419" y="1980862"/>
+              <a:ext cx="571504" cy="500066"/>
+            </a:xfrm>
+            <a:prstGeom prst="diamond">
+              <a:avLst/>
+            </a:prstGeom>
+          </p:spPr>
+          <p:style>
+            <a:lnRef idx="2">
+              <a:schemeClr val="dk1"/>
+            </a:lnRef>
+            <a:fillRef idx="1">
+              <a:schemeClr val="lt1"/>
+            </a:fillRef>
+            <a:effectRef idx="0">
+              <a:schemeClr val="dk1"/>
+            </a:effectRef>
+            <a:fontRef idx="minor">
+              <a:schemeClr val="dk1"/>
+            </a:fontRef>
+          </p:style>
+          <p:txBody>
+            <a:bodyPr wrap="none" rtlCol="0" anchor="ctr"/>
+            <a:lstStyle/>
+            <a:p>
+              <a:pPr algn="ctr"/>
+              <a:endParaRPr lang="fr-BE"/>
+            </a:p>
+          </p:txBody>
+        </p:sp>
+        <p:cxnSp>
+          <p:nvCxnSpPr>
+            <p:cNvPr id="55" name="Connecteur droit avec flèche 34"/>
+            <p:cNvCxnSpPr>
+              <a:stCxn id="49" idx="2"/>
+              <a:endCxn id="54" idx="0"/>
+            </p:cNvCxnSpPr>
+            <p:nvPr/>
+          </p:nvCxnSpPr>
+          <p:spPr>
+            <a:xfrm rot="5400000">
+              <a:off x="2261148" y="1876839"/>
+              <a:ext cx="208046" cy="1588"/>
+            </a:xfrm>
+            <a:prstGeom prst="bentConnector3">
+              <a:avLst>
+                <a:gd name="adj1" fmla="val 50000"/>
+              </a:avLst>
+            </a:prstGeom>
+            <a:ln>
+              <a:tailEnd type="arrow"/>
+            </a:ln>
+          </p:spPr>
+          <p:style>
+            <a:lnRef idx="2">
+              <a:schemeClr val="dk1"/>
+            </a:lnRef>
+            <a:fillRef idx="0">
+              <a:schemeClr val="dk1"/>
+            </a:fillRef>
+            <a:effectRef idx="1">
+              <a:schemeClr val="dk1"/>
+            </a:effectRef>
+            <a:fontRef idx="minor">
+              <a:schemeClr val="tx1"/>
+            </a:fontRef>
+          </p:style>
+        </p:cxnSp>
+        <p:sp>
+          <p:nvSpPr>
+            <p:cNvPr id="57" name="Rectangle 56"/>
+            <p:cNvSpPr/>
+            <p:nvPr/>
+          </p:nvSpPr>
+          <p:spPr>
+            <a:xfrm>
+              <a:off x="714348" y="2884126"/>
+              <a:ext cx="1301382" cy="454058"/>
+            </a:xfrm>
+            <a:prstGeom prst="rect">
+              <a:avLst/>
+            </a:prstGeom>
+          </p:spPr>
+          <p:style>
+            <a:lnRef idx="2">
+              <a:schemeClr val="dk1"/>
+            </a:lnRef>
+            <a:fillRef idx="1">
+              <a:schemeClr val="lt1"/>
+            </a:fillRef>
+            <a:effectRef idx="0">
+              <a:schemeClr val="dk1"/>
+            </a:effectRef>
+            <a:fontRef idx="minor">
+              <a:schemeClr val="dk1"/>
+            </a:fontRef>
+          </p:style>
+          <p:txBody>
+            <a:bodyPr rtlCol="0" anchor="ctr"/>
+            <a:lstStyle/>
+            <a:p>
+              <a:pPr algn="ctr"/>
+              <a:r>
+                <a:rPr lang="fr-BE" sz="1400" smtClean="0"/>
+                <a:t>StopTrain</a:t>
+              </a:r>
+              <a:br>
+                <a:rPr lang="fr-BE" sz="1400" smtClean="0"/>
+              </a:br>
+              <a:r>
+                <a:rPr lang="fr-BE" sz="1400" smtClean="0"/>
+                <a:t>InEmergency</a:t>
+              </a:r>
+              <a:endParaRPr lang="fr-BE" sz="1400"/>
+            </a:p>
+          </p:txBody>
+        </p:sp>
+        <p:cxnSp>
+          <p:nvCxnSpPr>
+            <p:cNvPr id="58" name="Connecteur droit avec flèche 34"/>
+            <p:cNvCxnSpPr>
+              <a:stCxn id="54" idx="1"/>
+              <a:endCxn id="57" idx="0"/>
+            </p:cNvCxnSpPr>
+            <p:nvPr/>
+          </p:nvCxnSpPr>
+          <p:spPr>
+            <a:xfrm rot="10800000" flipV="1">
+              <a:off x="1365039" y="2230894"/>
+              <a:ext cx="714380" cy="653231"/>
+            </a:xfrm>
+            <a:prstGeom prst="bentConnector2">
+              <a:avLst/>
+            </a:prstGeom>
+            <a:ln>
+              <a:tailEnd type="arrow"/>
+            </a:ln>
+          </p:spPr>
+          <p:style>
+            <a:lnRef idx="2">
+              <a:schemeClr val="dk1"/>
+            </a:lnRef>
+            <a:fillRef idx="0">
+              <a:schemeClr val="dk1"/>
+            </a:fillRef>
+            <a:effectRef idx="1">
+              <a:schemeClr val="dk1"/>
+            </a:effectRef>
+            <a:fontRef idx="minor">
+              <a:schemeClr val="tx1"/>
+            </a:fontRef>
+          </p:style>
+        </p:cxnSp>
+        <p:sp>
+          <p:nvSpPr>
+            <p:cNvPr id="59" name="Rectangle 58"/>
+            <p:cNvSpPr/>
+            <p:nvPr/>
+          </p:nvSpPr>
+          <p:spPr>
+            <a:xfrm>
+              <a:off x="2706863" y="2884126"/>
+              <a:ext cx="1301382" cy="454058"/>
+            </a:xfrm>
+            <a:prstGeom prst="rect">
+              <a:avLst/>
+            </a:prstGeom>
+          </p:spPr>
+          <p:style>
+            <a:lnRef idx="2">
+              <a:schemeClr val="dk1"/>
+            </a:lnRef>
+            <a:fillRef idx="1">
+              <a:schemeClr val="lt1"/>
+            </a:fillRef>
+            <a:effectRef idx="0">
+              <a:schemeClr val="dk1"/>
+            </a:effectRef>
+            <a:fontRef idx="minor">
+              <a:schemeClr val="dk1"/>
+            </a:fontRef>
+          </p:style>
+          <p:txBody>
+            <a:bodyPr rtlCol="0" anchor="ctr"/>
+            <a:lstStyle/>
+            <a:p>
+              <a:pPr algn="ctr"/>
+              <a:r>
+                <a:rPr lang="fr-BE" sz="1400" smtClean="0"/>
+                <a:t>OpenDoors</a:t>
+              </a:r>
+              <a:endParaRPr lang="fr-BE" sz="1400"/>
+            </a:p>
+          </p:txBody>
+        </p:sp>
+        <p:cxnSp>
+          <p:nvCxnSpPr>
+            <p:cNvPr id="60" name="Connecteur droit avec flèche 34"/>
+            <p:cNvCxnSpPr>
+              <a:stCxn id="54" idx="3"/>
+              <a:endCxn id="59" idx="0"/>
+            </p:cNvCxnSpPr>
+            <p:nvPr/>
+          </p:nvCxnSpPr>
+          <p:spPr>
+            <a:xfrm>
+              <a:off x="2650923" y="2230895"/>
+              <a:ext cx="706631" cy="653231"/>
+            </a:xfrm>
+            <a:prstGeom prst="bentConnector2">
+              <a:avLst/>
+            </a:prstGeom>
+            <a:ln>
+              <a:tailEnd type="arrow"/>
+            </a:ln>
+          </p:spPr>
+          <p:style>
+            <a:lnRef idx="2">
+              <a:schemeClr val="dk1"/>
+            </a:lnRef>
+            <a:fillRef idx="0">
+              <a:schemeClr val="dk1"/>
+            </a:fillRef>
+            <a:effectRef idx="1">
+              <a:schemeClr val="dk1"/>
+            </a:effectRef>
+            <a:fontRef idx="minor">
+              <a:schemeClr val="tx1"/>
+            </a:fontRef>
+          </p:style>
+        </p:cxnSp>
+        <p:cxnSp>
+          <p:nvCxnSpPr>
+            <p:cNvPr id="61" name="Connecteur droit avec flèche 34"/>
+            <p:cNvCxnSpPr>
+              <a:stCxn id="57" idx="3"/>
+              <a:endCxn id="59" idx="1"/>
+            </p:cNvCxnSpPr>
+            <p:nvPr/>
+          </p:nvCxnSpPr>
+          <p:spPr>
+            <a:xfrm>
+              <a:off x="2015730" y="3111155"/>
+              <a:ext cx="691133" cy="1588"/>
+            </a:xfrm>
+            <a:prstGeom prst="bentConnector3">
+              <a:avLst>
+                <a:gd name="adj1" fmla="val 50000"/>
+              </a:avLst>
+            </a:prstGeom>
+            <a:ln>
+              <a:tailEnd type="arrow"/>
+            </a:ln>
+          </p:spPr>
+          <p:style>
+            <a:lnRef idx="2">
+              <a:schemeClr val="dk1"/>
+            </a:lnRef>
+            <a:fillRef idx="0">
+              <a:schemeClr val="dk1"/>
+            </a:fillRef>
+            <a:effectRef idx="1">
+              <a:schemeClr val="dk1"/>
+            </a:effectRef>
+            <a:fontRef idx="minor">
+              <a:schemeClr val="tx1"/>
+            </a:fontRef>
+          </p:style>
+        </p:cxnSp>
+        <p:sp>
+          <p:nvSpPr>
+            <p:cNvPr id="62" name="ZoneTexte 61"/>
+            <p:cNvSpPr txBox="1"/>
+            <p:nvPr/>
+          </p:nvSpPr>
+          <p:spPr>
+            <a:xfrm>
+              <a:off x="3241948" y="2388059"/>
+              <a:ext cx="216406" cy="246221"/>
+            </a:xfrm>
+            <a:prstGeom prst="rect">
+              <a:avLst/>
+            </a:prstGeom>
+            <a:solidFill>
+              <a:schemeClr val="bg1"/>
+            </a:solidFill>
+          </p:spPr>
+          <p:txBody>
+            <a:bodyPr wrap="none" lIns="0" tIns="0" rIns="0" bIns="0" rtlCol="0">
+              <a:spAutoFit/>
+            </a:bodyPr>
+            <a:lstStyle/>
+            <a:p>
+              <a:r>
+                <a:rPr lang="fr-BE" sz="1600" i="1" smtClean="0"/>
+                <a:t>no</a:t>
+              </a:r>
+              <a:endParaRPr lang="fr-BE" sz="1600" i="1"/>
+            </a:p>
+          </p:txBody>
+        </p:sp>
+        <p:sp>
+          <p:nvSpPr>
+            <p:cNvPr id="63" name="ZoneTexte 62"/>
+            <p:cNvSpPr txBox="1"/>
+            <p:nvPr/>
+          </p:nvSpPr>
+          <p:spPr>
+            <a:xfrm>
+              <a:off x="2024162" y="2109009"/>
+              <a:ext cx="709233" cy="246221"/>
+            </a:xfrm>
+            <a:prstGeom prst="rect">
+              <a:avLst/>
+            </a:prstGeom>
+            <a:solidFill>
+              <a:schemeClr val="bg1"/>
+            </a:solidFill>
+          </p:spPr>
+          <p:txBody>
+            <a:bodyPr wrap="none" lIns="0" tIns="0" rIns="0" bIns="0" rtlCol="0">
+              <a:spAutoFit/>
+            </a:bodyPr>
+            <a:lstStyle/>
+            <a:p>
+              <a:r>
+                <a:rPr lang="fr-BE" sz="1600" smtClean="0"/>
+                <a:t>moving?</a:t>
+              </a:r>
+              <a:endParaRPr lang="fr-BE" sz="1600"/>
+            </a:p>
+          </p:txBody>
+        </p:sp>
+        <p:cxnSp>
+          <p:nvCxnSpPr>
+            <p:cNvPr id="64" name="Connecteur droit avec flèche 34"/>
+            <p:cNvCxnSpPr>
+              <a:stCxn id="59" idx="2"/>
+              <a:endCxn id="66" idx="0"/>
+            </p:cNvCxnSpPr>
+            <p:nvPr/>
+          </p:nvCxnSpPr>
+          <p:spPr>
+            <a:xfrm rot="5400000">
+              <a:off x="3276130" y="3419608"/>
+              <a:ext cx="162848" cy="1588"/>
+            </a:xfrm>
+            <a:prstGeom prst="bentConnector3">
+              <a:avLst>
+                <a:gd name="adj1" fmla="val 50000"/>
+              </a:avLst>
+            </a:prstGeom>
+            <a:ln>
+              <a:tailEnd type="arrow"/>
+            </a:ln>
+          </p:spPr>
+          <p:style>
+            <a:lnRef idx="2">
+              <a:schemeClr val="dk1"/>
+            </a:lnRef>
+            <a:fillRef idx="0">
+              <a:schemeClr val="dk1"/>
+            </a:fillRef>
+            <a:effectRef idx="1">
+              <a:schemeClr val="dk1"/>
+            </a:effectRef>
+            <a:fontRef idx="minor">
+              <a:schemeClr val="tx1"/>
+            </a:fontRef>
+          </p:style>
+        </p:cxnSp>
+        <p:sp>
+          <p:nvSpPr>
+            <p:cNvPr id="65" name="ZoneTexte 64"/>
+            <p:cNvSpPr txBox="1"/>
+            <p:nvPr/>
+          </p:nvSpPr>
+          <p:spPr>
+            <a:xfrm>
+              <a:off x="1233910" y="2388059"/>
+              <a:ext cx="269304" cy="246221"/>
+            </a:xfrm>
+            <a:prstGeom prst="rect">
+              <a:avLst/>
+            </a:prstGeom>
+            <a:solidFill>
+              <a:schemeClr val="bg1"/>
+            </a:solidFill>
+          </p:spPr>
+          <p:txBody>
+            <a:bodyPr wrap="none" lIns="0" tIns="0" rIns="0" bIns="0" rtlCol="0">
+              <a:spAutoFit/>
+            </a:bodyPr>
+            <a:lstStyle/>
+            <a:p>
+              <a:r>
+                <a:rPr lang="fr-BE" sz="1600" i="1" smtClean="0"/>
+                <a:t>yes</a:t>
+              </a:r>
+              <a:endParaRPr lang="fr-BE" sz="1600" i="1"/>
+            </a:p>
+          </p:txBody>
+        </p:sp>
+      </p:grpSp>
+      <p:sp>
+        <p:nvSpPr>
+          <p:cNvPr id="81" name="Forme libre 80"/>
+          <p:cNvSpPr/>
+          <p:nvPr/>
+        </p:nvSpPr>
+        <p:spPr>
+          <a:xfrm>
+            <a:off x="2555776" y="1860401"/>
+            <a:ext cx="2952328" cy="632495"/>
+          </a:xfrm>
+          <a:custGeom>
+            <a:avLst/>
+            <a:gdLst>
+              <a:gd name="connsiteX0" fmla="*/ 0 w 2292350"/>
+              <a:gd name="connsiteY0" fmla="*/ 463550 h 463550"/>
+              <a:gd name="connsiteX1" fmla="*/ 495300 w 2292350"/>
+              <a:gd name="connsiteY1" fmla="*/ 76200 h 463550"/>
+              <a:gd name="connsiteX2" fmla="*/ 1543050 w 2292350"/>
+              <a:gd name="connsiteY2" fmla="*/ 6350 h 463550"/>
+              <a:gd name="connsiteX3" fmla="*/ 2159000 w 2292350"/>
+              <a:gd name="connsiteY3" fmla="*/ 57150 h 463550"/>
+              <a:gd name="connsiteX4" fmla="*/ 2159000 w 2292350"/>
+              <a:gd name="connsiteY4" fmla="*/ 57150 h 463550"/>
+              <a:gd name="connsiteX5" fmla="*/ 2292350 w 2292350"/>
+              <a:gd name="connsiteY5" fmla="*/ 63500 h 463550"/>
+              <a:gd name="connsiteX0" fmla="*/ 0 w 2292350"/>
+              <a:gd name="connsiteY0" fmla="*/ 466498 h 466498"/>
+              <a:gd name="connsiteX1" fmla="*/ 583013 w 2292350"/>
+              <a:gd name="connsiteY1" fmla="*/ 115884 h 466498"/>
+              <a:gd name="connsiteX2" fmla="*/ 1543050 w 2292350"/>
+              <a:gd name="connsiteY2" fmla="*/ 9298 h 466498"/>
+              <a:gd name="connsiteX3" fmla="*/ 2159000 w 2292350"/>
+              <a:gd name="connsiteY3" fmla="*/ 60098 h 466498"/>
+              <a:gd name="connsiteX4" fmla="*/ 2159000 w 2292350"/>
+              <a:gd name="connsiteY4" fmla="*/ 60098 h 466498"/>
+              <a:gd name="connsiteX5" fmla="*/ 2292350 w 2292350"/>
+              <a:gd name="connsiteY5" fmla="*/ 66448 h 466498"/>
+              <a:gd name="connsiteX0" fmla="*/ 0 w 2292350"/>
+              <a:gd name="connsiteY0" fmla="*/ 710654 h 710654"/>
+              <a:gd name="connsiteX1" fmla="*/ 583013 w 2292350"/>
+              <a:gd name="connsiteY1" fmla="*/ 360040 h 710654"/>
+              <a:gd name="connsiteX2" fmla="*/ 1543050 w 2292350"/>
+              <a:gd name="connsiteY2" fmla="*/ 253454 h 710654"/>
+              <a:gd name="connsiteX3" fmla="*/ 2159000 w 2292350"/>
+              <a:gd name="connsiteY3" fmla="*/ 304254 h 710654"/>
+              <a:gd name="connsiteX4" fmla="*/ 1803968 w 2292350"/>
+              <a:gd name="connsiteY4" fmla="*/ 0 h 710654"/>
+              <a:gd name="connsiteX5" fmla="*/ 2292350 w 2292350"/>
+              <a:gd name="connsiteY5" fmla="*/ 310604 h 710654"/>
+              <a:gd name="connsiteX0" fmla="*/ 0 w 2292350"/>
+              <a:gd name="connsiteY0" fmla="*/ 720179 h 720179"/>
+              <a:gd name="connsiteX1" fmla="*/ 583013 w 2292350"/>
+              <a:gd name="connsiteY1" fmla="*/ 369565 h 720179"/>
+              <a:gd name="connsiteX2" fmla="*/ 1543050 w 2292350"/>
+              <a:gd name="connsiteY2" fmla="*/ 262979 h 720179"/>
+              <a:gd name="connsiteX3" fmla="*/ 1803968 w 2292350"/>
+              <a:gd name="connsiteY3" fmla="*/ 9525 h 720179"/>
+              <a:gd name="connsiteX4" fmla="*/ 2292350 w 2292350"/>
+              <a:gd name="connsiteY4" fmla="*/ 320129 h 720179"/>
+              <a:gd name="connsiteX0" fmla="*/ 0 w 2292350"/>
+              <a:gd name="connsiteY0" fmla="*/ 465439 h 465439"/>
+              <a:gd name="connsiteX1" fmla="*/ 583013 w 2292350"/>
+              <a:gd name="connsiteY1" fmla="*/ 114825 h 465439"/>
+              <a:gd name="connsiteX2" fmla="*/ 1543050 w 2292350"/>
+              <a:gd name="connsiteY2" fmla="*/ 8239 h 465439"/>
+              <a:gd name="connsiteX3" fmla="*/ 2292350 w 2292350"/>
+              <a:gd name="connsiteY3" fmla="*/ 65389 h 465439"/>
+              <a:gd name="connsiteX0" fmla="*/ 0 w 2360512"/>
+              <a:gd name="connsiteY0" fmla="*/ 360040 h 360040"/>
+              <a:gd name="connsiteX1" fmla="*/ 651175 w 2360512"/>
+              <a:gd name="connsiteY1" fmla="*/ 114825 h 360040"/>
+              <a:gd name="connsiteX2" fmla="*/ 1611212 w 2360512"/>
+              <a:gd name="connsiteY2" fmla="*/ 8239 h 360040"/>
+              <a:gd name="connsiteX3" fmla="*/ 2360512 w 2360512"/>
+              <a:gd name="connsiteY3" fmla="*/ 65389 h 360040"/>
+              <a:gd name="connsiteX0" fmla="*/ 0 w 2360512"/>
+              <a:gd name="connsiteY0" fmla="*/ 400910 h 459543"/>
+              <a:gd name="connsiteX1" fmla="*/ 1139558 w 2360512"/>
+              <a:gd name="connsiteY1" fmla="*/ 400910 h 459543"/>
+              <a:gd name="connsiteX2" fmla="*/ 1611212 w 2360512"/>
+              <a:gd name="connsiteY2" fmla="*/ 49109 h 459543"/>
+              <a:gd name="connsiteX3" fmla="*/ 2360512 w 2360512"/>
+              <a:gd name="connsiteY3" fmla="*/ 106259 h 459543"/>
+              <a:gd name="connsiteX0" fmla="*/ 0 w 3011688"/>
+              <a:gd name="connsiteY0" fmla="*/ 351801 h 410434"/>
+              <a:gd name="connsiteX1" fmla="*/ 1139558 w 3011688"/>
+              <a:gd name="connsiteY1" fmla="*/ 351801 h 410434"/>
+              <a:gd name="connsiteX2" fmla="*/ 1611212 w 3011688"/>
+              <a:gd name="connsiteY2" fmla="*/ 0 h 410434"/>
+              <a:gd name="connsiteX3" fmla="*/ 3011688 w 3011688"/>
+              <a:gd name="connsiteY3" fmla="*/ 351801 h 410434"/>
+              <a:gd name="connsiteX0" fmla="*/ 0 w 3011688"/>
+              <a:gd name="connsiteY0" fmla="*/ 155575 h 179578"/>
+              <a:gd name="connsiteX1" fmla="*/ 1139558 w 3011688"/>
+              <a:gd name="connsiteY1" fmla="*/ 155575 h 179578"/>
+              <a:gd name="connsiteX2" fmla="*/ 2116321 w 3011688"/>
+              <a:gd name="connsiteY2" fmla="*/ 11558 h 179578"/>
+              <a:gd name="connsiteX3" fmla="*/ 3011688 w 3011688"/>
+              <a:gd name="connsiteY3" fmla="*/ 155575 h 179578"/>
+              <a:gd name="connsiteX0" fmla="*/ 0 w 3337276"/>
+              <a:gd name="connsiteY0" fmla="*/ 156018 h 228025"/>
+              <a:gd name="connsiteX1" fmla="*/ 1139558 w 3337276"/>
+              <a:gd name="connsiteY1" fmla="*/ 156018 h 228025"/>
+              <a:gd name="connsiteX2" fmla="*/ 2116321 w 3337276"/>
+              <a:gd name="connsiteY2" fmla="*/ 12001 h 228025"/>
+              <a:gd name="connsiteX3" fmla="*/ 3337276 w 3337276"/>
+              <a:gd name="connsiteY3" fmla="*/ 228025 h 228025"/>
+              <a:gd name="connsiteX0" fmla="*/ 0 w 3337276"/>
+              <a:gd name="connsiteY0" fmla="*/ 155575 h 383600"/>
+              <a:gd name="connsiteX1" fmla="*/ 1139558 w 3337276"/>
+              <a:gd name="connsiteY1" fmla="*/ 155575 h 383600"/>
+              <a:gd name="connsiteX2" fmla="*/ 1383749 w 3337276"/>
+              <a:gd name="connsiteY2" fmla="*/ 371599 h 383600"/>
+              <a:gd name="connsiteX3" fmla="*/ 3337276 w 3337276"/>
+              <a:gd name="connsiteY3" fmla="*/ 227582 h 383600"/>
+              <a:gd name="connsiteX0" fmla="*/ 0 w 3337276"/>
+              <a:gd name="connsiteY0" fmla="*/ 155575 h 383600"/>
+              <a:gd name="connsiteX1" fmla="*/ 1383749 w 3337276"/>
+              <a:gd name="connsiteY1" fmla="*/ 155574 h 383600"/>
+              <a:gd name="connsiteX2" fmla="*/ 1383749 w 3337276"/>
+              <a:gd name="connsiteY2" fmla="*/ 371599 h 383600"/>
+              <a:gd name="connsiteX3" fmla="*/ 3337276 w 3337276"/>
+              <a:gd name="connsiteY3" fmla="*/ 227582 h 383600"/>
+              <a:gd name="connsiteX0" fmla="*/ 0 w 2686100"/>
+              <a:gd name="connsiteY0" fmla="*/ 155575 h 803646"/>
+              <a:gd name="connsiteX1" fmla="*/ 1383749 w 2686100"/>
+              <a:gd name="connsiteY1" fmla="*/ 155574 h 803646"/>
+              <a:gd name="connsiteX2" fmla="*/ 1383749 w 2686100"/>
+              <a:gd name="connsiteY2" fmla="*/ 371599 h 803646"/>
+              <a:gd name="connsiteX3" fmla="*/ 2686100 w 2686100"/>
+              <a:gd name="connsiteY3" fmla="*/ 803646 h 803646"/>
+              <a:gd name="connsiteX0" fmla="*/ 0 w 2686100"/>
+              <a:gd name="connsiteY0" fmla="*/ 36005 h 684076"/>
+              <a:gd name="connsiteX1" fmla="*/ 1383749 w 2686100"/>
+              <a:gd name="connsiteY1" fmla="*/ 36004 h 684076"/>
+              <a:gd name="connsiteX2" fmla="*/ 1383749 w 2686100"/>
+              <a:gd name="connsiteY2" fmla="*/ 252029 h 684076"/>
+              <a:gd name="connsiteX3" fmla="*/ 2686100 w 2686100"/>
+              <a:gd name="connsiteY3" fmla="*/ 684076 h 684076"/>
+              <a:gd name="connsiteX0" fmla="*/ 0 w 2767497"/>
+              <a:gd name="connsiteY0" fmla="*/ 286549 h 658147"/>
+              <a:gd name="connsiteX1" fmla="*/ 1465146 w 2767497"/>
+              <a:gd name="connsiteY1" fmla="*/ 10075 h 658147"/>
+              <a:gd name="connsiteX2" fmla="*/ 1465146 w 2767497"/>
+              <a:gd name="connsiteY2" fmla="*/ 226100 h 658147"/>
+              <a:gd name="connsiteX3" fmla="*/ 2767497 w 2767497"/>
+              <a:gd name="connsiteY3" fmla="*/ 658147 h 658147"/>
+              <a:gd name="connsiteX0" fmla="*/ 0 w 2767497"/>
+              <a:gd name="connsiteY0" fmla="*/ 286549 h 658147"/>
+              <a:gd name="connsiteX1" fmla="*/ 1465146 w 2767497"/>
+              <a:gd name="connsiteY1" fmla="*/ 10075 h 658147"/>
+              <a:gd name="connsiteX2" fmla="*/ 1465146 w 2767497"/>
+              <a:gd name="connsiteY2" fmla="*/ 226100 h 658147"/>
+              <a:gd name="connsiteX3" fmla="*/ 2767497 w 2767497"/>
+              <a:gd name="connsiteY3" fmla="*/ 658147 h 658147"/>
+              <a:gd name="connsiteX0" fmla="*/ 0 w 2767497"/>
+              <a:gd name="connsiteY0" fmla="*/ 338407 h 710005"/>
+              <a:gd name="connsiteX1" fmla="*/ 1465146 w 2767497"/>
+              <a:gd name="connsiteY1" fmla="*/ 61933 h 710005"/>
+              <a:gd name="connsiteX2" fmla="*/ 2767497 w 2767497"/>
+              <a:gd name="connsiteY2" fmla="*/ 710005 h 710005"/>
+              <a:gd name="connsiteX0" fmla="*/ 0 w 3500070"/>
+              <a:gd name="connsiteY0" fmla="*/ 324479 h 612511"/>
+              <a:gd name="connsiteX1" fmla="*/ 1465146 w 3500070"/>
+              <a:gd name="connsiteY1" fmla="*/ 48005 h 612511"/>
+              <a:gd name="connsiteX2" fmla="*/ 3500070 w 3500070"/>
+              <a:gd name="connsiteY2" fmla="*/ 612511 h 612511"/>
+              <a:gd name="connsiteX0" fmla="*/ 0 w 3337276"/>
+              <a:gd name="connsiteY0" fmla="*/ 272455 h 632495"/>
+              <a:gd name="connsiteX1" fmla="*/ 1302352 w 3337276"/>
+              <a:gd name="connsiteY1" fmla="*/ 67989 h 632495"/>
+              <a:gd name="connsiteX2" fmla="*/ 3337276 w 3337276"/>
+              <a:gd name="connsiteY2" fmla="*/ 632495 h 632495"/>
+            </a:gdLst>
+            <a:ahLst/>
+            <a:cxnLst>
+              <a:cxn ang="0">
+                <a:pos x="connsiteX0" y="connsiteY0"/>
+              </a:cxn>
+              <a:cxn ang="0">
+                <a:pos x="connsiteX1" y="connsiteY1"/>
+              </a:cxn>
+              <a:cxn ang="0">
+                <a:pos x="connsiteX2" y="connsiteY2"/>
+              </a:cxn>
+            </a:cxnLst>
+            <a:rect l="l" t="t" r="r" b="b"/>
+            <a:pathLst>
+              <a:path w="3337276" h="632495">
+                <a:moveTo>
+                  <a:pt x="0" y="272455"/>
+                </a:moveTo>
+                <a:cubicBezTo>
+                  <a:pt x="358318" y="0"/>
+                  <a:pt x="746139" y="7982"/>
+                  <a:pt x="1302352" y="67989"/>
+                </a:cubicBezTo>
+                <a:cubicBezTo>
+                  <a:pt x="1858565" y="127996"/>
+                  <a:pt x="3065953" y="497480"/>
+                  <a:pt x="3337276" y="632495"/>
+                </a:cubicBezTo>
+              </a:path>
+            </a:pathLst>
+          </a:custGeom>
+          <a:ln w="47625">
+            <a:tailEnd type="triangle" w="med" len="med"/>
+          </a:ln>
+        </p:spPr>
+        <p:style>
+          <a:lnRef idx="1">
+            <a:schemeClr val="accent1"/>
+          </a:lnRef>
+          <a:fillRef idx="0">
+            <a:schemeClr val="accent1"/>
+          </a:fillRef>
+          <a:effectRef idx="0">
+            <a:schemeClr val="accent1"/>
+          </a:effectRef>
+          <a:fontRef idx="minor">
+            <a:schemeClr val="tx1"/>
+          </a:fontRef>
+        </p:style>
+        <p:txBody>
+          <a:bodyPr rtlCol="0" anchor="ctr"/>
+          <a:lstStyle/>
+          <a:p>
+            <a:pPr algn="ctr"/>
+            <a:endParaRPr lang="fr-BE"/>
+          </a:p>
+        </p:txBody>
+      </p:sp>
+    </p:spTree>
+  </p:cSld>
+  <p:clrMapOvr>
+    <a:masterClrMapping/>
+  </p:clrMapOvr>
+</p:sld>
+</file>
+
+<file path=ppt/slides/slide6.xml><?xml version="1.0" encoding="utf-8"?>
+<p:sld xmlns:a="http://schemas.openxmlformats.org/drawingml/2006/main" xmlns:r="http://schemas.openxmlformats.org/officeDocument/2006/relationships" xmlns:p="http://schemas.openxmlformats.org/presentationml/2006/main">
+  <p:cSld>
+    <p:spTree>
+      <p:nvGrpSpPr>
+        <p:cNvPr id="1" name=""/>
+        <p:cNvGrpSpPr/>
+        <p:nvPr/>
+      </p:nvGrpSpPr>
+      <p:grpSpPr>
+        <a:xfrm>
+          <a:off x="0" y="0"/>
+          <a:ext cx="0" cy="0"/>
+          <a:chOff x="0" y="0"/>
+          <a:chExt cx="0" cy="0"/>
+        </a:xfrm>
+      </p:grpSpPr>
+      <p:grpSp>
+        <p:nvGrpSpPr>
+          <p:cNvPr id="70" name="Groupe 69"/>
+          <p:cNvGrpSpPr/>
+          <p:nvPr/>
+        </p:nvGrpSpPr>
+        <p:grpSpPr>
+          <a:xfrm>
+            <a:off x="611560" y="836712"/>
+            <a:ext cx="7416824" cy="3096344"/>
+            <a:chOff x="611560" y="836712"/>
+            <a:chExt cx="7416824" cy="3096344"/>
+          </a:xfrm>
+        </p:grpSpPr>
+        <p:grpSp>
+          <p:nvGrpSpPr>
+            <p:cNvPr id="6" name="Groupe 106"/>
+            <p:cNvGrpSpPr/>
+            <p:nvPr/>
+          </p:nvGrpSpPr>
+          <p:grpSpPr>
+            <a:xfrm>
+              <a:off x="5292080" y="2276872"/>
+              <a:ext cx="2007840" cy="1656184"/>
+              <a:chOff x="5292080" y="2204864"/>
+              <a:chExt cx="2007840" cy="1656184"/>
+            </a:xfrm>
+          </p:grpSpPr>
+          <p:sp>
+            <p:nvSpPr>
+              <p:cNvPr id="98" name="Rectangle 97"/>
+              <p:cNvSpPr/>
+              <p:nvPr/>
+            </p:nvSpPr>
+            <p:spPr>
+              <a:xfrm>
+                <a:off x="5292080" y="2204864"/>
+                <a:ext cx="2007840" cy="1656184"/>
+              </a:xfrm>
+              <a:prstGeom prst="rect">
+                <a:avLst/>
+              </a:prstGeom>
+            </p:spPr>
+            <p:style>
+              <a:lnRef idx="2">
+                <a:schemeClr val="dk1"/>
+              </a:lnRef>
+              <a:fillRef idx="1">
+                <a:schemeClr val="lt1"/>
+              </a:fillRef>
+              <a:effectRef idx="0">
+                <a:schemeClr val="dk1"/>
+              </a:effectRef>
+              <a:fontRef idx="minor">
+                <a:schemeClr val="dk1"/>
+              </a:fontRef>
+            </p:style>
+            <p:txBody>
+              <a:bodyPr rtlCol="0" anchor="ctr"/>
+              <a:lstStyle/>
+              <a:p>
+                <a:pPr algn="ctr"/>
+                <a:endParaRPr lang="fr-BE"/>
+              </a:p>
+            </p:txBody>
+          </p:sp>
+          <p:sp>
+            <p:nvSpPr>
+              <p:cNvPr id="83" name="Ellipse 82"/>
+              <p:cNvSpPr/>
+              <p:nvPr/>
+            </p:nvSpPr>
+            <p:spPr>
+              <a:xfrm>
+                <a:off x="5724128" y="2852936"/>
+                <a:ext cx="288032" cy="288032"/>
+              </a:xfrm>
+              <a:prstGeom prst="ellipse">
+                <a:avLst/>
+              </a:prstGeom>
+            </p:spPr>
+            <p:style>
+              <a:lnRef idx="2">
+                <a:schemeClr val="dk1"/>
+              </a:lnRef>
+              <a:fillRef idx="1">
+                <a:schemeClr val="lt1"/>
+              </a:fillRef>
+              <a:effectRef idx="0">
+                <a:schemeClr val="dk1"/>
+              </a:effectRef>
+              <a:fontRef idx="minor">
+                <a:schemeClr val="dk1"/>
+              </a:fontRef>
+            </p:style>
+            <p:txBody>
+              <a:bodyPr rtlCol="0" anchor="ctr"/>
+              <a:lstStyle/>
+              <a:p>
+                <a:pPr algn="ctr"/>
+                <a:endParaRPr lang="fr-BE"/>
+              </a:p>
+            </p:txBody>
+          </p:sp>
+          <p:sp>
+            <p:nvSpPr>
+              <p:cNvPr id="84" name="Ellipse 83"/>
+              <p:cNvSpPr/>
+              <p:nvPr/>
+            </p:nvSpPr>
+            <p:spPr>
+              <a:xfrm>
+                <a:off x="6588224" y="2348880"/>
+                <a:ext cx="288032" cy="288032"/>
+              </a:xfrm>
+              <a:prstGeom prst="ellipse">
+                <a:avLst/>
+              </a:prstGeom>
+            </p:spPr>
+            <p:style>
+              <a:lnRef idx="2">
+                <a:schemeClr val="dk1"/>
+              </a:lnRef>
+              <a:fillRef idx="1">
+                <a:schemeClr val="lt1"/>
+              </a:fillRef>
+              <a:effectRef idx="0">
+                <a:schemeClr val="dk1"/>
+              </a:effectRef>
+              <a:fontRef idx="minor">
+                <a:schemeClr val="dk1"/>
+              </a:fontRef>
+            </p:style>
+            <p:txBody>
+              <a:bodyPr rtlCol="0" anchor="ctr"/>
+              <a:lstStyle/>
+              <a:p>
+                <a:pPr algn="ctr"/>
+                <a:endParaRPr lang="fr-BE"/>
+              </a:p>
+            </p:txBody>
+          </p:sp>
+          <p:cxnSp>
+            <p:nvCxnSpPr>
+              <p:cNvPr id="85" name="Connecteur droit avec flèche 34"/>
+              <p:cNvCxnSpPr>
+                <a:stCxn id="83" idx="0"/>
+                <a:endCxn id="84" idx="2"/>
+              </p:cNvCxnSpPr>
+              <p:nvPr/>
+            </p:nvCxnSpPr>
+            <p:spPr>
+              <a:xfrm rot="5400000" flipH="1" flipV="1">
+                <a:off x="6048164" y="2312876"/>
+                <a:ext cx="360040" cy="720080"/>
+              </a:xfrm>
+              <a:prstGeom prst="curvedConnector2">
+                <a:avLst/>
+              </a:prstGeom>
+              <a:ln>
+                <a:solidFill>
+                  <a:schemeClr val="tx1"/>
+                </a:solidFill>
+                <a:tailEnd type="triangle" w="med" len="lg"/>
+              </a:ln>
+            </p:spPr>
+            <p:style>
+              <a:lnRef idx="1">
+                <a:schemeClr val="accent1"/>
+              </a:lnRef>
+              <a:fillRef idx="0">
+                <a:schemeClr val="accent1"/>
+              </a:fillRef>
+              <a:effectRef idx="0">
+                <a:schemeClr val="accent1"/>
+              </a:effectRef>
+              <a:fontRef idx="minor">
+                <a:schemeClr val="tx1"/>
+              </a:fontRef>
+            </p:style>
+          </p:cxnSp>
+          <p:sp>
+            <p:nvSpPr>
+              <p:cNvPr id="86" name="ZoneTexte 85"/>
+              <p:cNvSpPr txBox="1"/>
+              <p:nvPr/>
+            </p:nvSpPr>
+            <p:spPr>
+              <a:xfrm>
+                <a:off x="5652120" y="2564904"/>
+                <a:ext cx="667940" cy="215444"/>
+              </a:xfrm>
+              <a:prstGeom prst="rect">
+                <a:avLst/>
+              </a:prstGeom>
+              <a:solidFill>
+                <a:schemeClr val="bg1"/>
+              </a:solidFill>
+            </p:spPr>
+            <p:txBody>
+              <a:bodyPr wrap="none" lIns="0" tIns="0" rIns="0" bIns="0" rtlCol="0">
+                <a:spAutoFit/>
+              </a:bodyPr>
+              <a:lstStyle/>
+              <a:p>
+                <a:r>
+                  <a:rPr lang="fr-BE" sz="1400" b="1" smtClean="0"/>
+                  <a:t>[moving]</a:t>
+                </a:r>
+                <a:endParaRPr lang="fr-BE" sz="1400" b="1" baseline="-25000"/>
+              </a:p>
+            </p:txBody>
+          </p:sp>
+          <p:sp>
+            <p:nvSpPr>
+              <p:cNvPr id="91" name="Ellipse 90"/>
+              <p:cNvSpPr/>
+              <p:nvPr/>
+            </p:nvSpPr>
+            <p:spPr>
+              <a:xfrm>
+                <a:off x="6588224" y="3429000"/>
+                <a:ext cx="288032" cy="288032"/>
+              </a:xfrm>
+              <a:prstGeom prst="ellipse">
+                <a:avLst/>
+              </a:prstGeom>
+            </p:spPr>
+            <p:style>
+              <a:lnRef idx="2">
+                <a:schemeClr val="dk1"/>
+              </a:lnRef>
+              <a:fillRef idx="1">
+                <a:schemeClr val="lt1"/>
+              </a:fillRef>
+              <a:effectRef idx="0">
+                <a:schemeClr val="dk1"/>
+              </a:effectRef>
+              <a:fontRef idx="minor">
+                <a:schemeClr val="dk1"/>
+              </a:fontRef>
+            </p:style>
+            <p:txBody>
+              <a:bodyPr rtlCol="0" anchor="ctr"/>
+              <a:lstStyle/>
+              <a:p>
+                <a:pPr algn="ctr"/>
+                <a:endParaRPr lang="fr-BE"/>
+              </a:p>
+            </p:txBody>
+          </p:sp>
+          <p:cxnSp>
+            <p:nvCxnSpPr>
+              <p:cNvPr id="92" name="Connecteur droit avec flèche 34"/>
+              <p:cNvCxnSpPr>
+                <a:stCxn id="83" idx="4"/>
+                <a:endCxn id="91" idx="2"/>
+              </p:cNvCxnSpPr>
+              <p:nvPr/>
+            </p:nvCxnSpPr>
+            <p:spPr>
+              <a:xfrm rot="16200000" flipH="1">
+                <a:off x="6012160" y="2996952"/>
+                <a:ext cx="432048" cy="720080"/>
+              </a:xfrm>
+              <a:prstGeom prst="curvedConnector2">
+                <a:avLst/>
+              </a:prstGeom>
+              <a:ln>
+                <a:solidFill>
+                  <a:schemeClr val="tx1"/>
+                </a:solidFill>
+                <a:tailEnd type="triangle" w="med" len="lg"/>
+              </a:ln>
+            </p:spPr>
+            <p:style>
+              <a:lnRef idx="1">
+                <a:schemeClr val="accent1"/>
+              </a:lnRef>
+              <a:fillRef idx="0">
+                <a:schemeClr val="accent1"/>
+              </a:fillRef>
+              <a:effectRef idx="0">
+                <a:schemeClr val="accent1"/>
+              </a:effectRef>
+              <a:fontRef idx="minor">
+                <a:schemeClr val="tx1"/>
+              </a:fontRef>
+            </p:style>
+          </p:cxnSp>
+          <p:sp>
+            <p:nvSpPr>
+              <p:cNvPr id="97" name="ZoneTexte 96"/>
+              <p:cNvSpPr txBox="1"/>
+              <p:nvPr/>
+            </p:nvSpPr>
+            <p:spPr>
+              <a:xfrm>
+                <a:off x="5574609" y="3212976"/>
+                <a:ext cx="836255" cy="215444"/>
+              </a:xfrm>
+              <a:prstGeom prst="rect">
+                <a:avLst/>
+              </a:prstGeom>
+              <a:solidFill>
+                <a:schemeClr val="bg1"/>
+              </a:solidFill>
+            </p:spPr>
+            <p:txBody>
+              <a:bodyPr wrap="none" lIns="0" tIns="0" rIns="0" bIns="0" rtlCol="0">
+                <a:spAutoFit/>
+              </a:bodyPr>
+              <a:lstStyle/>
+              <a:p>
+                <a:r>
+                  <a:rPr lang="fr-BE" sz="1400" b="1" smtClean="0"/>
+                  <a:t>[</a:t>
+                </a:r>
+                <a:r>
+                  <a:rPr lang="fr-BE" sz="1400" b="1" smtClean="0">
+                    <a:sym typeface="Symbol"/>
+                  </a:rPr>
+                  <a:t> </a:t>
+                </a:r>
+                <a:r>
+                  <a:rPr lang="fr-BE" sz="1400" b="1" smtClean="0"/>
+                  <a:t>moving]</a:t>
+                </a:r>
+                <a:endParaRPr lang="fr-BE" sz="1400" b="1" baseline="-25000"/>
+              </a:p>
+            </p:txBody>
+          </p:sp>
+        </p:grpSp>
+        <p:cxnSp>
+          <p:nvCxnSpPr>
+            <p:cNvPr id="105" name="Connecteur droit 104"/>
+            <p:cNvCxnSpPr/>
+            <p:nvPr/>
+          </p:nvCxnSpPr>
+          <p:spPr>
+            <a:xfrm rot="5400000">
+              <a:off x="8028384" y="1916832"/>
+              <a:ext cx="0" cy="0"/>
+            </a:xfrm>
+            <a:prstGeom prst="line">
+              <a:avLst/>
+            </a:prstGeom>
+          </p:spPr>
+          <p:style>
+            <a:lnRef idx="1">
+              <a:schemeClr val="accent1"/>
+            </a:lnRef>
+            <a:fillRef idx="0">
+              <a:schemeClr val="accent1"/>
+            </a:fillRef>
+            <a:effectRef idx="0">
+              <a:schemeClr val="accent1"/>
+            </a:effectRef>
+            <a:fontRef idx="minor">
+              <a:schemeClr val="tx1"/>
+            </a:fontRef>
+          </p:style>
+        </p:cxnSp>
+        <p:sp>
+          <p:nvSpPr>
+            <p:cNvPr id="108" name="Forme libre 107"/>
+            <p:cNvSpPr/>
+            <p:nvPr/>
+          </p:nvSpPr>
+          <p:spPr>
+            <a:xfrm>
+              <a:off x="4944042" y="1612900"/>
+              <a:ext cx="2961586" cy="1518225"/>
+            </a:xfrm>
+            <a:custGeom>
+              <a:avLst/>
+              <a:gdLst>
+                <a:gd name="connsiteX0" fmla="*/ 2784475 w 2990850"/>
+                <a:gd name="connsiteY0" fmla="*/ 0 h 1582208"/>
+                <a:gd name="connsiteX1" fmla="*/ 2733675 w 2990850"/>
+                <a:gd name="connsiteY1" fmla="*/ 387350 h 1582208"/>
+                <a:gd name="connsiteX2" fmla="*/ 1241425 w 2990850"/>
+                <a:gd name="connsiteY2" fmla="*/ 412750 h 1582208"/>
+                <a:gd name="connsiteX3" fmla="*/ 180975 w 2990850"/>
+                <a:gd name="connsiteY3" fmla="*/ 742950 h 1582208"/>
+                <a:gd name="connsiteX4" fmla="*/ 155575 w 2990850"/>
+                <a:gd name="connsiteY4" fmla="*/ 1473200 h 1582208"/>
+                <a:gd name="connsiteX5" fmla="*/ 847725 w 2990850"/>
+                <a:gd name="connsiteY5" fmla="*/ 1397000 h 1582208"/>
+                <a:gd name="connsiteX6" fmla="*/ 847725 w 2990850"/>
+                <a:gd name="connsiteY6" fmla="*/ 1397000 h 1582208"/>
+                <a:gd name="connsiteX7" fmla="*/ 847725 w 2990850"/>
+                <a:gd name="connsiteY7" fmla="*/ 1397000 h 1582208"/>
+                <a:gd name="connsiteX8" fmla="*/ 860425 w 2990850"/>
+                <a:gd name="connsiteY8" fmla="*/ 1397000 h 1582208"/>
+                <a:gd name="connsiteX0" fmla="*/ 2743324 w 2990850"/>
+                <a:gd name="connsiteY0" fmla="*/ 0 h 1582208"/>
+                <a:gd name="connsiteX1" fmla="*/ 2692524 w 2990850"/>
+                <a:gd name="connsiteY1" fmla="*/ 387350 h 1582208"/>
+                <a:gd name="connsiteX2" fmla="*/ 953368 w 2990850"/>
+                <a:gd name="connsiteY2" fmla="*/ 375940 h 1582208"/>
+                <a:gd name="connsiteX3" fmla="*/ 139824 w 2990850"/>
+                <a:gd name="connsiteY3" fmla="*/ 742950 h 1582208"/>
+                <a:gd name="connsiteX4" fmla="*/ 114424 w 2990850"/>
+                <a:gd name="connsiteY4" fmla="*/ 1473200 h 1582208"/>
+                <a:gd name="connsiteX5" fmla="*/ 806574 w 2990850"/>
+                <a:gd name="connsiteY5" fmla="*/ 1397000 h 1582208"/>
+                <a:gd name="connsiteX6" fmla="*/ 806574 w 2990850"/>
+                <a:gd name="connsiteY6" fmla="*/ 1397000 h 1582208"/>
+                <a:gd name="connsiteX7" fmla="*/ 806574 w 2990850"/>
+                <a:gd name="connsiteY7" fmla="*/ 1397000 h 1582208"/>
+                <a:gd name="connsiteX8" fmla="*/ 819274 w 2990850"/>
+                <a:gd name="connsiteY8" fmla="*/ 1397000 h 1582208"/>
+                <a:gd name="connsiteX0" fmla="*/ 2736449 w 2983975"/>
+                <a:gd name="connsiteY0" fmla="*/ 0 h 1607373"/>
+                <a:gd name="connsiteX1" fmla="*/ 2685649 w 2983975"/>
+                <a:gd name="connsiteY1" fmla="*/ 387350 h 1607373"/>
+                <a:gd name="connsiteX2" fmla="*/ 946493 w 2983975"/>
+                <a:gd name="connsiteY2" fmla="*/ 375940 h 1607373"/>
+                <a:gd name="connsiteX3" fmla="*/ 154404 w 2983975"/>
+                <a:gd name="connsiteY3" fmla="*/ 591964 h 1607373"/>
+                <a:gd name="connsiteX4" fmla="*/ 107549 w 2983975"/>
+                <a:gd name="connsiteY4" fmla="*/ 1473200 h 1607373"/>
+                <a:gd name="connsiteX5" fmla="*/ 799699 w 2983975"/>
+                <a:gd name="connsiteY5" fmla="*/ 1397000 h 1607373"/>
+                <a:gd name="connsiteX6" fmla="*/ 799699 w 2983975"/>
+                <a:gd name="connsiteY6" fmla="*/ 1397000 h 1607373"/>
+                <a:gd name="connsiteX7" fmla="*/ 799699 w 2983975"/>
+                <a:gd name="connsiteY7" fmla="*/ 1397000 h 1607373"/>
+                <a:gd name="connsiteX8" fmla="*/ 812399 w 2983975"/>
+                <a:gd name="connsiteY8" fmla="*/ 1397000 h 1607373"/>
+                <a:gd name="connsiteX0" fmla="*/ 2714060 w 2961586"/>
+                <a:gd name="connsiteY0" fmla="*/ 0 h 1518225"/>
+                <a:gd name="connsiteX1" fmla="*/ 2663260 w 2961586"/>
+                <a:gd name="connsiteY1" fmla="*/ 387350 h 1518225"/>
+                <a:gd name="connsiteX2" fmla="*/ 924104 w 2961586"/>
+                <a:gd name="connsiteY2" fmla="*/ 375940 h 1518225"/>
+                <a:gd name="connsiteX3" fmla="*/ 132015 w 2961586"/>
+                <a:gd name="connsiteY3" fmla="*/ 591964 h 1518225"/>
+                <a:gd name="connsiteX4" fmla="*/ 132015 w 2961586"/>
+                <a:gd name="connsiteY4" fmla="*/ 1384052 h 1518225"/>
+                <a:gd name="connsiteX5" fmla="*/ 777310 w 2961586"/>
+                <a:gd name="connsiteY5" fmla="*/ 1397000 h 1518225"/>
+                <a:gd name="connsiteX6" fmla="*/ 777310 w 2961586"/>
+                <a:gd name="connsiteY6" fmla="*/ 1397000 h 1518225"/>
+                <a:gd name="connsiteX7" fmla="*/ 777310 w 2961586"/>
+                <a:gd name="connsiteY7" fmla="*/ 1397000 h 1518225"/>
+                <a:gd name="connsiteX8" fmla="*/ 790010 w 2961586"/>
+                <a:gd name="connsiteY8" fmla="*/ 1397000 h 1518225"/>
+              </a:gdLst>
+              <a:ahLst/>
+              <a:cxnLst>
+                <a:cxn ang="0">
+                  <a:pos x="connsiteX0" y="connsiteY0"/>
+                </a:cxn>
+                <a:cxn ang="0">
+                  <a:pos x="connsiteX1" y="connsiteY1"/>
+                </a:cxn>
+                <a:cxn ang="0">
+                  <a:pos x="connsiteX2" y="connsiteY2"/>
+                </a:cxn>
+                <a:cxn ang="0">
+                  <a:pos x="connsiteX3" y="connsiteY3"/>
+                </a:cxn>
+                <a:cxn ang="0">
+                  <a:pos x="connsiteX4" y="connsiteY4"/>
+                </a:cxn>
+                <a:cxn ang="0">
+                  <a:pos x="connsiteX5" y="connsiteY5"/>
+                </a:cxn>
+                <a:cxn ang="0">
+                  <a:pos x="connsiteX6" y="connsiteY6"/>
+                </a:cxn>
+                <a:cxn ang="0">
+                  <a:pos x="connsiteX7" y="connsiteY7"/>
+                </a:cxn>
+                <a:cxn ang="0">
+                  <a:pos x="connsiteX8" y="connsiteY8"/>
+                </a:cxn>
+              </a:cxnLst>
+              <a:rect l="l" t="t" r="r" b="b"/>
+              <a:pathLst>
+                <a:path w="2961586" h="1518225">
+                  <a:moveTo>
+                    <a:pt x="2714060" y="0"/>
+                  </a:moveTo>
+                  <a:cubicBezTo>
+                    <a:pt x="2817247" y="159279"/>
+                    <a:pt x="2961586" y="324693"/>
+                    <a:pt x="2663260" y="387350"/>
+                  </a:cubicBezTo>
+                  <a:cubicBezTo>
+                    <a:pt x="2364934" y="450007"/>
+                    <a:pt x="1345978" y="341838"/>
+                    <a:pt x="924104" y="375940"/>
+                  </a:cubicBezTo>
+                  <a:cubicBezTo>
+                    <a:pt x="502230" y="410042"/>
+                    <a:pt x="264030" y="423945"/>
+                    <a:pt x="132015" y="591964"/>
+                  </a:cubicBezTo>
+                  <a:cubicBezTo>
+                    <a:pt x="0" y="759983"/>
+                    <a:pt x="24466" y="1249879"/>
+                    <a:pt x="132015" y="1384052"/>
+                  </a:cubicBezTo>
+                  <a:cubicBezTo>
+                    <a:pt x="239564" y="1518225"/>
+                    <a:pt x="669761" y="1394842"/>
+                    <a:pt x="777310" y="1397000"/>
+                  </a:cubicBezTo>
+                  <a:lnTo>
+                    <a:pt x="777310" y="1397000"/>
+                  </a:lnTo>
+                  <a:lnTo>
+                    <a:pt x="777310" y="1397000"/>
+                  </a:lnTo>
+                  <a:lnTo>
+                    <a:pt x="790010" y="1397000"/>
+                  </a:lnTo>
+                </a:path>
+              </a:pathLst>
+            </a:custGeom>
+            <a:ln w="31750">
+              <a:solidFill>
+                <a:schemeClr val="tx1"/>
+              </a:solidFill>
+              <a:tailEnd type="triangle" w="med" len="lg"/>
+            </a:ln>
+          </p:spPr>
+          <p:style>
+            <a:lnRef idx="1">
+              <a:schemeClr val="accent1"/>
+            </a:lnRef>
+            <a:fillRef idx="0">
+              <a:schemeClr val="accent1"/>
+            </a:fillRef>
+            <a:effectRef idx="0">
+              <a:schemeClr val="accent1"/>
+            </a:effectRef>
+            <a:fontRef idx="minor">
+              <a:schemeClr val="tx1"/>
+            </a:fontRef>
+          </p:style>
+          <p:txBody>
+            <a:bodyPr rtlCol="0" anchor="ctr"/>
+            <a:lstStyle/>
+            <a:p>
+              <a:pPr algn="ctr"/>
+              <a:endParaRPr lang="fr-BE"/>
+            </a:p>
+          </p:txBody>
+        </p:sp>
+        <p:sp>
+          <p:nvSpPr>
+            <p:cNvPr id="109" name="ZoneTexte 108"/>
+            <p:cNvSpPr txBox="1"/>
+            <p:nvPr/>
+          </p:nvSpPr>
+          <p:spPr>
+            <a:xfrm>
+              <a:off x="5868144" y="1650866"/>
+              <a:ext cx="274681" cy="553998"/>
+            </a:xfrm>
+            <a:prstGeom prst="rect">
+              <a:avLst/>
+            </a:prstGeom>
+            <a:solidFill>
+              <a:schemeClr val="bg1"/>
+            </a:solidFill>
+          </p:spPr>
+          <p:txBody>
+            <a:bodyPr wrap="none" lIns="36000" tIns="0" rIns="36000" bIns="0" rtlCol="0">
+              <a:spAutoFit/>
+            </a:bodyPr>
+            <a:lstStyle/>
+            <a:p>
+              <a:r>
+                <a:rPr lang="fr-BE" sz="3600" smtClean="0">
+                  <a:sym typeface="Symbol"/>
+                </a:rPr>
+                <a:t></a:t>
+              </a:r>
+              <a:endParaRPr lang="fr-BE" sz="3600"/>
+            </a:p>
+          </p:txBody>
+        </p:sp>
+        <p:grpSp>
+          <p:nvGrpSpPr>
+            <p:cNvPr id="8" name="Groupe 105"/>
+            <p:cNvGrpSpPr/>
+            <p:nvPr/>
+          </p:nvGrpSpPr>
+          <p:grpSpPr>
+            <a:xfrm>
+              <a:off x="4644008" y="836712"/>
+              <a:ext cx="3384376" cy="927720"/>
+              <a:chOff x="4644008" y="836712"/>
+              <a:chExt cx="3384376" cy="927720"/>
+            </a:xfrm>
+          </p:grpSpPr>
+          <p:sp>
+            <p:nvSpPr>
+              <p:cNvPr id="77" name="Rectangle 76"/>
+              <p:cNvSpPr/>
+              <p:nvPr/>
+            </p:nvSpPr>
+            <p:spPr>
+              <a:xfrm>
+                <a:off x="4644008" y="836712"/>
+                <a:ext cx="3384376" cy="927720"/>
+              </a:xfrm>
+              <a:prstGeom prst="rect">
+                <a:avLst/>
+              </a:prstGeom>
+            </p:spPr>
+            <p:style>
+              <a:lnRef idx="2">
+                <a:schemeClr val="dk1"/>
+              </a:lnRef>
+              <a:fillRef idx="1">
+                <a:schemeClr val="lt1"/>
+              </a:fillRef>
+              <a:effectRef idx="0">
+                <a:schemeClr val="dk1"/>
+              </a:effectRef>
+              <a:fontRef idx="minor">
+                <a:schemeClr val="dk1"/>
+              </a:fontRef>
+            </p:style>
+            <p:txBody>
+              <a:bodyPr rtlCol="0" anchor="ctr"/>
+              <a:lstStyle/>
+              <a:p>
+                <a:pPr algn="ctr"/>
+                <a:endParaRPr lang="fr-BE"/>
+              </a:p>
+            </p:txBody>
+          </p:sp>
+          <p:sp>
+            <p:nvSpPr>
+              <p:cNvPr id="24" name="Ellipse 23"/>
+              <p:cNvSpPr/>
+              <p:nvPr/>
+            </p:nvSpPr>
+            <p:spPr>
+              <a:xfrm>
+                <a:off x="4788024" y="1340768"/>
+                <a:ext cx="288032" cy="288032"/>
+              </a:xfrm>
+              <a:prstGeom prst="ellipse">
+                <a:avLst/>
+              </a:prstGeom>
+            </p:spPr>
+            <p:style>
+              <a:lnRef idx="2">
+                <a:schemeClr val="dk1"/>
+              </a:lnRef>
+              <a:fillRef idx="1">
+                <a:schemeClr val="lt1"/>
+              </a:fillRef>
+              <a:effectRef idx="0">
+                <a:schemeClr val="dk1"/>
+              </a:effectRef>
+              <a:fontRef idx="minor">
+                <a:schemeClr val="dk1"/>
+              </a:fontRef>
+            </p:style>
+            <p:txBody>
+              <a:bodyPr rtlCol="0" anchor="ctr"/>
+              <a:lstStyle/>
+              <a:p>
+                <a:pPr algn="ctr"/>
+                <a:endParaRPr lang="fr-BE"/>
+              </a:p>
+            </p:txBody>
+          </p:sp>
+          <p:sp>
+            <p:nvSpPr>
+              <p:cNvPr id="28" name="Ellipse 27"/>
+              <p:cNvSpPr/>
+              <p:nvPr/>
+            </p:nvSpPr>
+            <p:spPr>
+              <a:xfrm>
+                <a:off x="5700125" y="1340768"/>
+                <a:ext cx="288032" cy="288032"/>
+              </a:xfrm>
+              <a:prstGeom prst="ellipse">
+                <a:avLst/>
+              </a:prstGeom>
+            </p:spPr>
+            <p:style>
+              <a:lnRef idx="2">
+                <a:schemeClr val="dk1"/>
+              </a:lnRef>
+              <a:fillRef idx="1">
+                <a:schemeClr val="lt1"/>
+              </a:fillRef>
+              <a:effectRef idx="0">
+                <a:schemeClr val="dk1"/>
+              </a:effectRef>
+              <a:fontRef idx="minor">
+                <a:schemeClr val="dk1"/>
+              </a:fontRef>
+            </p:style>
+            <p:txBody>
+              <a:bodyPr rtlCol="0" anchor="ctr"/>
+              <a:lstStyle/>
+              <a:p>
+                <a:pPr algn="ctr"/>
+                <a:endParaRPr lang="fr-BE"/>
+              </a:p>
+            </p:txBody>
+          </p:sp>
+          <p:sp>
+            <p:nvSpPr>
+              <p:cNvPr id="29" name="Ellipse 28"/>
+              <p:cNvSpPr/>
+              <p:nvPr/>
+            </p:nvSpPr>
+            <p:spPr>
+              <a:xfrm>
+                <a:off x="6612226" y="1340768"/>
+                <a:ext cx="288032" cy="288032"/>
+              </a:xfrm>
+              <a:prstGeom prst="ellipse">
+                <a:avLst/>
+              </a:prstGeom>
+            </p:spPr>
+            <p:style>
+              <a:lnRef idx="2">
+                <a:schemeClr val="dk1"/>
+              </a:lnRef>
+              <a:fillRef idx="1">
+                <a:schemeClr val="lt1"/>
+              </a:fillRef>
+              <a:effectRef idx="0">
+                <a:schemeClr val="dk1"/>
+              </a:effectRef>
+              <a:fontRef idx="minor">
+                <a:schemeClr val="dk1"/>
+              </a:fontRef>
+            </p:style>
+            <p:txBody>
+              <a:bodyPr rtlCol="0" anchor="ctr"/>
+              <a:lstStyle/>
+              <a:p>
+                <a:pPr algn="ctr"/>
+                <a:endParaRPr lang="fr-BE"/>
+              </a:p>
+            </p:txBody>
+          </p:sp>
+          <p:sp>
+            <p:nvSpPr>
+              <p:cNvPr id="31" name="Ellipse 30"/>
+              <p:cNvSpPr/>
+              <p:nvPr/>
+            </p:nvSpPr>
+            <p:spPr>
+              <a:xfrm>
+                <a:off x="7524328" y="1340768"/>
+                <a:ext cx="288032" cy="288032"/>
+              </a:xfrm>
+              <a:prstGeom prst="ellipse">
+                <a:avLst/>
+              </a:prstGeom>
+            </p:spPr>
+            <p:style>
+              <a:lnRef idx="2">
+                <a:schemeClr val="dk1"/>
+              </a:lnRef>
+              <a:fillRef idx="1">
+                <a:schemeClr val="lt1"/>
+              </a:fillRef>
+              <a:effectRef idx="0">
+                <a:schemeClr val="dk1"/>
+              </a:effectRef>
+              <a:fontRef idx="minor">
+                <a:schemeClr val="dk1"/>
+              </a:fontRef>
+            </p:style>
+            <p:txBody>
+              <a:bodyPr rtlCol="0" anchor="ctr"/>
+              <a:lstStyle/>
+              <a:p>
+                <a:pPr algn="ctr"/>
+                <a:endParaRPr lang="fr-BE"/>
+              </a:p>
+            </p:txBody>
+          </p:sp>
+          <p:cxnSp>
+            <p:nvCxnSpPr>
+              <p:cNvPr id="35" name="Connecteur droit avec flèche 34"/>
+              <p:cNvCxnSpPr>
+                <a:stCxn id="24" idx="7"/>
+                <a:endCxn id="28" idx="1"/>
+              </p:cNvCxnSpPr>
+              <p:nvPr/>
+            </p:nvCxnSpPr>
+            <p:spPr>
+              <a:xfrm rot="5400000" flipH="1" flipV="1">
+                <a:off x="5388090" y="1028734"/>
+                <a:ext cx="1588" cy="708431"/>
+              </a:xfrm>
+              <a:prstGeom prst="curvedConnector3">
+                <a:avLst>
+                  <a:gd name="adj1" fmla="val 5455228"/>
+                </a:avLst>
+              </a:prstGeom>
+              <a:ln>
+                <a:solidFill>
+                  <a:schemeClr val="tx1"/>
+                </a:solidFill>
+                <a:tailEnd type="triangle" w="med" len="lg"/>
+              </a:ln>
+            </p:spPr>
+            <p:style>
+              <a:lnRef idx="1">
+                <a:schemeClr val="accent1"/>
+              </a:lnRef>
+              <a:fillRef idx="0">
+                <a:schemeClr val="accent1"/>
+              </a:fillRef>
+              <a:effectRef idx="0">
+                <a:schemeClr val="accent1"/>
+              </a:effectRef>
+              <a:fontRef idx="minor">
+                <a:schemeClr val="tx1"/>
+              </a:fontRef>
+            </p:style>
+          </p:cxnSp>
+          <p:sp>
+            <p:nvSpPr>
+              <p:cNvPr id="44" name="ZoneTexte 43"/>
+              <p:cNvSpPr txBox="1"/>
+              <p:nvPr/>
+            </p:nvSpPr>
+            <p:spPr>
+              <a:xfrm>
+                <a:off x="4716016" y="980728"/>
+                <a:ext cx="1446550" cy="307777"/>
+              </a:xfrm>
+              <a:prstGeom prst="rect">
+                <a:avLst/>
+              </a:prstGeom>
+              <a:noFill/>
+            </p:spPr>
+            <p:txBody>
+              <a:bodyPr wrap="none" rtlCol="0">
+                <a:spAutoFit/>
+              </a:bodyPr>
+              <a:lstStyle/>
+              <a:p>
+                <a:r>
+                  <a:rPr lang="fr-BE" sz="1400" b="1" smtClean="0"/>
+                  <a:t>AlarmPressed</a:t>
+                </a:r>
+                <a:r>
+                  <a:rPr lang="fr-BE" sz="1400" b="1" baseline="-25000" smtClean="0"/>
+                  <a:t>start</a:t>
+                </a:r>
+                <a:endParaRPr lang="fr-BE" sz="1400" b="1" baseline="-25000"/>
+              </a:p>
+            </p:txBody>
+          </p:sp>
+          <p:sp>
+            <p:nvSpPr>
+              <p:cNvPr id="45" name="ZoneTexte 44"/>
+              <p:cNvSpPr txBox="1"/>
+              <p:nvPr/>
+            </p:nvSpPr>
+            <p:spPr>
+              <a:xfrm>
+                <a:off x="6588224" y="980728"/>
+                <a:ext cx="1404167" cy="307777"/>
+              </a:xfrm>
+              <a:prstGeom prst="rect">
+                <a:avLst/>
+              </a:prstGeom>
+              <a:noFill/>
+            </p:spPr>
+            <p:txBody>
+              <a:bodyPr wrap="none" rtlCol="0">
+                <a:spAutoFit/>
+              </a:bodyPr>
+              <a:lstStyle/>
+              <a:p>
+                <a:r>
+                  <a:rPr lang="fr-BE" sz="1400" b="1" smtClean="0"/>
+                  <a:t>AlarmPressed</a:t>
+                </a:r>
+                <a:r>
+                  <a:rPr lang="fr-BE" sz="1400" b="1" baseline="-25000" smtClean="0"/>
+                  <a:t>end</a:t>
+                </a:r>
+                <a:endParaRPr lang="fr-BE" sz="1400" b="1" baseline="-25000"/>
+              </a:p>
+            </p:txBody>
+          </p:sp>
+          <p:cxnSp>
+            <p:nvCxnSpPr>
+              <p:cNvPr id="46" name="Connecteur droit avec flèche 34"/>
+              <p:cNvCxnSpPr>
+                <a:stCxn id="29" idx="7"/>
+                <a:endCxn id="31" idx="1"/>
+              </p:cNvCxnSpPr>
+              <p:nvPr/>
+            </p:nvCxnSpPr>
+            <p:spPr>
+              <a:xfrm rot="5400000" flipH="1" flipV="1">
+                <a:off x="7212293" y="1028733"/>
+                <a:ext cx="1588" cy="708432"/>
+              </a:xfrm>
+              <a:prstGeom prst="curvedConnector3">
+                <a:avLst>
+                  <a:gd name="adj1" fmla="val 6255103"/>
+                </a:avLst>
+              </a:prstGeom>
+              <a:ln>
+                <a:solidFill>
+                  <a:schemeClr val="tx1"/>
+                </a:solidFill>
+                <a:tailEnd type="triangle" w="med" len="lg"/>
+              </a:ln>
+            </p:spPr>
+            <p:style>
+              <a:lnRef idx="1">
+                <a:schemeClr val="accent1"/>
+              </a:lnRef>
+              <a:fillRef idx="0">
+                <a:schemeClr val="accent1"/>
+              </a:fillRef>
+              <a:effectRef idx="0">
+                <a:schemeClr val="accent1"/>
+              </a:effectRef>
+              <a:fontRef idx="minor">
+                <a:schemeClr val="tx1"/>
+              </a:fontRef>
+            </p:style>
+          </p:cxnSp>
+          <p:cxnSp>
+            <p:nvCxnSpPr>
+              <p:cNvPr id="52" name="Connecteur droit avec flèche 34"/>
+              <p:cNvCxnSpPr>
+                <a:stCxn id="28" idx="7"/>
+                <a:endCxn id="29" idx="1"/>
+              </p:cNvCxnSpPr>
+              <p:nvPr/>
+            </p:nvCxnSpPr>
+            <p:spPr>
+              <a:xfrm rot="5400000" flipH="1" flipV="1">
+                <a:off x="6300191" y="1028734"/>
+                <a:ext cx="1588" cy="708431"/>
+              </a:xfrm>
+              <a:prstGeom prst="curvedConnector3">
+                <a:avLst>
+                  <a:gd name="adj1" fmla="val 6654851"/>
+                </a:avLst>
+              </a:prstGeom>
+              <a:ln>
+                <a:solidFill>
+                  <a:schemeClr val="tx1"/>
+                </a:solidFill>
+                <a:tailEnd type="triangle" w="med" len="lg"/>
+              </a:ln>
+            </p:spPr>
+            <p:style>
+              <a:lnRef idx="1">
+                <a:schemeClr val="accent1"/>
+              </a:lnRef>
+              <a:fillRef idx="0">
+                <a:schemeClr val="accent1"/>
+              </a:fillRef>
+              <a:effectRef idx="0">
+                <a:schemeClr val="accent1"/>
+              </a:effectRef>
+              <a:fontRef idx="minor">
+                <a:schemeClr val="tx1"/>
+              </a:fontRef>
+            </p:style>
+          </p:cxnSp>
+          <p:sp>
+            <p:nvSpPr>
+              <p:cNvPr id="56" name="ZoneTexte 55"/>
+              <p:cNvSpPr txBox="1"/>
+              <p:nvPr/>
+            </p:nvSpPr>
+            <p:spPr>
+              <a:xfrm>
+                <a:off x="6156176" y="1052736"/>
+                <a:ext cx="300082" cy="276999"/>
+              </a:xfrm>
+              <a:prstGeom prst="rect">
+                <a:avLst/>
+              </a:prstGeom>
+              <a:noFill/>
+            </p:spPr>
+            <p:txBody>
+              <a:bodyPr wrap="none" rtlCol="0">
+                <a:spAutoFit/>
+              </a:bodyPr>
+              <a:lstStyle/>
+              <a:p>
+                <a:r>
+                  <a:rPr lang="fr-BE" sz="1200" smtClean="0"/>
+                  <a:t>...</a:t>
+                </a:r>
+                <a:endParaRPr lang="fr-BE" sz="1200" baseline="-25000"/>
+              </a:p>
+            </p:txBody>
+          </p:sp>
+        </p:grpSp>
+        <p:grpSp>
+          <p:nvGrpSpPr>
+            <p:cNvPr id="47" name="Groupe 46"/>
+            <p:cNvGrpSpPr/>
+            <p:nvPr/>
+          </p:nvGrpSpPr>
+          <p:grpSpPr>
+            <a:xfrm>
+              <a:off x="611560" y="836712"/>
+              <a:ext cx="3672408" cy="3024336"/>
+              <a:chOff x="611560" y="836712"/>
+              <a:chExt cx="3672408" cy="3024336"/>
+            </a:xfrm>
+          </p:grpSpPr>
+          <p:sp>
+            <p:nvSpPr>
+              <p:cNvPr id="48" name="Rectangle 47"/>
+              <p:cNvSpPr/>
+              <p:nvPr/>
+            </p:nvSpPr>
+            <p:spPr>
+              <a:xfrm>
+                <a:off x="611560" y="836712"/>
+                <a:ext cx="3672408" cy="3024336"/>
+              </a:xfrm>
+              <a:prstGeom prst="rect">
+                <a:avLst/>
+              </a:prstGeom>
+            </p:spPr>
+            <p:style>
+              <a:lnRef idx="2">
+                <a:schemeClr val="dk1"/>
+              </a:lnRef>
+              <a:fillRef idx="1">
+                <a:schemeClr val="lt1"/>
+              </a:fillRef>
+              <a:effectRef idx="0">
+                <a:schemeClr val="dk1"/>
+              </a:effectRef>
+              <a:fontRef idx="minor">
+                <a:schemeClr val="dk1"/>
+              </a:fontRef>
+            </p:style>
+            <p:txBody>
+              <a:bodyPr rtlCol="0" anchor="ctr"/>
+              <a:lstStyle/>
+              <a:p>
+                <a:pPr algn="ctr"/>
+                <a:endParaRPr lang="fr-BE"/>
+              </a:p>
+            </p:txBody>
+          </p:sp>
+          <p:sp>
+            <p:nvSpPr>
+              <p:cNvPr id="49" name="Rectangle 48"/>
+              <p:cNvSpPr/>
+              <p:nvPr/>
+            </p:nvSpPr>
+            <p:spPr>
+              <a:xfrm>
+                <a:off x="1714480" y="1318758"/>
+                <a:ext cx="1301382" cy="454058"/>
+              </a:xfrm>
+              <a:prstGeom prst="rect">
+                <a:avLst/>
+              </a:prstGeom>
+            </p:spPr>
+            <p:style>
+              <a:lnRef idx="2">
+                <a:schemeClr val="dk1"/>
+              </a:lnRef>
+              <a:fillRef idx="1">
+                <a:schemeClr val="lt1"/>
+              </a:fillRef>
+              <a:effectRef idx="0">
+                <a:schemeClr val="dk1"/>
+              </a:effectRef>
+              <a:fontRef idx="minor">
+                <a:schemeClr val="dk1"/>
+              </a:fontRef>
+            </p:style>
+            <p:txBody>
+              <a:bodyPr rtlCol="0" anchor="ctr"/>
+              <a:lstStyle/>
+              <a:p>
+                <a:pPr algn="ctr"/>
+                <a:r>
+                  <a:rPr lang="fr-BE" sz="1400" smtClean="0"/>
+                  <a:t>AlarmPressed</a:t>
+                </a:r>
+                <a:endParaRPr lang="fr-BE" sz="1400"/>
+              </a:p>
+            </p:txBody>
+          </p:sp>
+          <p:sp>
+            <p:nvSpPr>
+              <p:cNvPr id="50" name="Ellipse 49"/>
+              <p:cNvSpPr/>
+              <p:nvPr/>
+            </p:nvSpPr>
+            <p:spPr>
+              <a:xfrm>
+                <a:off x="2311171" y="944168"/>
+                <a:ext cx="108000" cy="108000"/>
+              </a:xfrm>
+              <a:prstGeom prst="ellipse">
+                <a:avLst/>
+              </a:prstGeom>
+            </p:spPr>
+            <p:style>
+              <a:lnRef idx="2">
+                <a:schemeClr val="dk1">
+                  <a:shade val="50000"/>
+                </a:schemeClr>
+              </a:lnRef>
+              <a:fillRef idx="1">
+                <a:schemeClr val="dk1"/>
+              </a:fillRef>
+              <a:effectRef idx="0">
+                <a:schemeClr val="dk1"/>
+              </a:effectRef>
+              <a:fontRef idx="minor">
+                <a:schemeClr val="lt1"/>
+              </a:fontRef>
+            </p:style>
+            <p:txBody>
+              <a:bodyPr rtlCol="0" anchor="ctr"/>
+              <a:lstStyle/>
+              <a:p>
+                <a:pPr algn="ctr"/>
+                <a:endParaRPr lang="fr-BE"/>
+              </a:p>
+            </p:txBody>
+          </p:sp>
+          <p:cxnSp>
+            <p:nvCxnSpPr>
+              <p:cNvPr id="51" name="Connecteur droit avec flèche 34"/>
+              <p:cNvCxnSpPr>
+                <a:stCxn id="50" idx="4"/>
+                <a:endCxn id="49" idx="0"/>
+              </p:cNvCxnSpPr>
+              <p:nvPr/>
+            </p:nvCxnSpPr>
+            <p:spPr>
+              <a:xfrm rot="5400000">
+                <a:off x="2231876" y="1185463"/>
+                <a:ext cx="266590" cy="1588"/>
+              </a:xfrm>
+              <a:prstGeom prst="bentConnector3">
+                <a:avLst>
+                  <a:gd name="adj1" fmla="val 50000"/>
+                </a:avLst>
+              </a:prstGeom>
+              <a:ln>
+                <a:tailEnd type="arrow"/>
+              </a:ln>
+            </p:spPr>
+            <p:style>
+              <a:lnRef idx="2">
+                <a:schemeClr val="dk1"/>
+              </a:lnRef>
+              <a:fillRef idx="0">
+                <a:schemeClr val="dk1"/>
+              </a:fillRef>
+              <a:effectRef idx="1">
+                <a:schemeClr val="dk1"/>
+              </a:effectRef>
+              <a:fontRef idx="minor">
+                <a:schemeClr val="tx1"/>
+              </a:fontRef>
+            </p:style>
+          </p:cxnSp>
+          <p:grpSp>
+            <p:nvGrpSpPr>
+              <p:cNvPr id="53" name="Groupe 52"/>
+              <p:cNvGrpSpPr/>
+              <p:nvPr/>
+            </p:nvGrpSpPr>
+            <p:grpSpPr>
+              <a:xfrm>
+                <a:off x="3249554" y="3501032"/>
+                <a:ext cx="216000" cy="216000"/>
+                <a:chOff x="3090618" y="4896548"/>
+                <a:chExt cx="216000" cy="216000"/>
+              </a:xfrm>
+            </p:grpSpPr>
+            <p:sp>
+              <p:nvSpPr>
+                <p:cNvPr id="66" name="Ellipse 65"/>
+                <p:cNvSpPr/>
+                <p:nvPr/>
+              </p:nvSpPr>
+              <p:spPr>
+                <a:xfrm>
+                  <a:off x="3090618" y="4896548"/>
+                  <a:ext cx="216000" cy="216000"/>
+                </a:xfrm>
+                <a:prstGeom prst="ellipse">
+                  <a:avLst/>
+                </a:prstGeom>
+              </p:spPr>
+              <p:style>
+                <a:lnRef idx="2">
+                  <a:schemeClr val="dk1"/>
+                </a:lnRef>
+                <a:fillRef idx="1">
+                  <a:schemeClr val="lt1"/>
+                </a:fillRef>
+                <a:effectRef idx="0">
+                  <a:schemeClr val="dk1"/>
+                </a:effectRef>
+                <a:fontRef idx="minor">
+                  <a:schemeClr val="dk1"/>
+                </a:fontRef>
+              </p:style>
+              <p:txBody>
+                <a:bodyPr rtlCol="0" anchor="ctr"/>
+                <a:lstStyle/>
+                <a:p>
+                  <a:pPr algn="ctr"/>
+                  <a:endParaRPr lang="fr-BE"/>
+                </a:p>
+              </p:txBody>
+            </p:sp>
+            <p:sp>
+              <p:nvSpPr>
+                <p:cNvPr id="67" name="Ellipse 66"/>
+                <p:cNvSpPr/>
+                <p:nvPr/>
+              </p:nvSpPr>
+              <p:spPr>
+                <a:xfrm>
+                  <a:off x="3144618" y="4950548"/>
+                  <a:ext cx="108000" cy="108000"/>
+                </a:xfrm>
+                <a:prstGeom prst="ellipse">
+                  <a:avLst/>
+                </a:prstGeom>
+              </p:spPr>
+              <p:style>
+                <a:lnRef idx="2">
+                  <a:schemeClr val="dk1">
+                    <a:shade val="50000"/>
+                  </a:schemeClr>
+                </a:lnRef>
+                <a:fillRef idx="1">
+                  <a:schemeClr val="dk1"/>
+                </a:fillRef>
+                <a:effectRef idx="0">
+                  <a:schemeClr val="dk1"/>
+                </a:effectRef>
+                <a:fontRef idx="minor">
+                  <a:schemeClr val="lt1"/>
+                </a:fontRef>
+              </p:style>
+              <p:txBody>
+                <a:bodyPr rtlCol="0" anchor="ctr"/>
+                <a:lstStyle/>
+                <a:p>
+                  <a:pPr algn="ctr"/>
+                  <a:endParaRPr lang="fr-BE"/>
+                </a:p>
+              </p:txBody>
+            </p:sp>
+          </p:grpSp>
+          <p:sp>
+            <p:nvSpPr>
+              <p:cNvPr id="54" name="Losange 53"/>
+              <p:cNvSpPr/>
+              <p:nvPr/>
+            </p:nvSpPr>
+            <p:spPr>
+              <a:xfrm>
+                <a:off x="2079419" y="1980862"/>
+                <a:ext cx="571504" cy="500066"/>
+              </a:xfrm>
+              <a:prstGeom prst="diamond">
+                <a:avLst/>
+              </a:prstGeom>
+            </p:spPr>
+            <p:style>
+              <a:lnRef idx="2">
+                <a:schemeClr val="dk1"/>
+              </a:lnRef>
+              <a:fillRef idx="1">
+                <a:schemeClr val="lt1"/>
+              </a:fillRef>
+              <a:effectRef idx="0">
+                <a:schemeClr val="dk1"/>
+              </a:effectRef>
+              <a:fontRef idx="minor">
+                <a:schemeClr val="dk1"/>
+              </a:fontRef>
+            </p:style>
+            <p:txBody>
+              <a:bodyPr wrap="none" rtlCol="0" anchor="ctr"/>
+              <a:lstStyle/>
+              <a:p>
+                <a:pPr algn="ctr"/>
+                <a:endParaRPr lang="fr-BE"/>
+              </a:p>
+            </p:txBody>
+          </p:sp>
+          <p:cxnSp>
+            <p:nvCxnSpPr>
+              <p:cNvPr id="55" name="Connecteur droit avec flèche 34"/>
+              <p:cNvCxnSpPr>
+                <a:stCxn id="49" idx="2"/>
+                <a:endCxn id="54" idx="0"/>
+              </p:cNvCxnSpPr>
+              <p:nvPr/>
+            </p:nvCxnSpPr>
+            <p:spPr>
+              <a:xfrm rot="5400000">
+                <a:off x="2261148" y="1876839"/>
+                <a:ext cx="208046" cy="1588"/>
+              </a:xfrm>
+              <a:prstGeom prst="bentConnector3">
+                <a:avLst>
+                  <a:gd name="adj1" fmla="val 50000"/>
+                </a:avLst>
+              </a:prstGeom>
+              <a:ln>
+                <a:tailEnd type="arrow"/>
+              </a:ln>
+            </p:spPr>
+            <p:style>
+              <a:lnRef idx="2">
+                <a:schemeClr val="dk1"/>
+              </a:lnRef>
+              <a:fillRef idx="0">
+                <a:schemeClr val="dk1"/>
+              </a:fillRef>
+              <a:effectRef idx="1">
+                <a:schemeClr val="dk1"/>
+              </a:effectRef>
+              <a:fontRef idx="minor">
+                <a:schemeClr val="tx1"/>
+              </a:fontRef>
+            </p:style>
+          </p:cxnSp>
+          <p:sp>
+            <p:nvSpPr>
+              <p:cNvPr id="57" name="Rectangle 56"/>
+              <p:cNvSpPr/>
+              <p:nvPr/>
+            </p:nvSpPr>
+            <p:spPr>
+              <a:xfrm>
+                <a:off x="714348" y="2884126"/>
+                <a:ext cx="1301382" cy="454058"/>
+              </a:xfrm>
+              <a:prstGeom prst="rect">
+                <a:avLst/>
+              </a:prstGeom>
+            </p:spPr>
+            <p:style>
+              <a:lnRef idx="2">
+                <a:schemeClr val="dk1"/>
+              </a:lnRef>
+              <a:fillRef idx="1">
+                <a:schemeClr val="lt1"/>
+              </a:fillRef>
+              <a:effectRef idx="0">
+                <a:schemeClr val="dk1"/>
+              </a:effectRef>
+              <a:fontRef idx="minor">
+                <a:schemeClr val="dk1"/>
+              </a:fontRef>
+            </p:style>
+            <p:txBody>
+              <a:bodyPr rtlCol="0" anchor="ctr"/>
+              <a:lstStyle/>
+              <a:p>
+                <a:pPr algn="ctr"/>
+                <a:r>
+                  <a:rPr lang="fr-BE" sz="1400" smtClean="0"/>
+                  <a:t>StopTrain</a:t>
+                </a:r>
+                <a:br>
+                  <a:rPr lang="fr-BE" sz="1400" smtClean="0"/>
+                </a:br>
+                <a:r>
+                  <a:rPr lang="fr-BE" sz="1400" smtClean="0"/>
+                  <a:t>InEmergency</a:t>
+                </a:r>
+                <a:endParaRPr lang="fr-BE" sz="1400"/>
+              </a:p>
+            </p:txBody>
+          </p:sp>
+          <p:cxnSp>
+            <p:nvCxnSpPr>
+              <p:cNvPr id="58" name="Connecteur droit avec flèche 34"/>
+              <p:cNvCxnSpPr>
+                <a:stCxn id="54" idx="1"/>
+                <a:endCxn id="57" idx="0"/>
+              </p:cNvCxnSpPr>
+              <p:nvPr/>
+            </p:nvCxnSpPr>
+            <p:spPr>
+              <a:xfrm rot="10800000" flipV="1">
+                <a:off x="1365039" y="2230894"/>
+                <a:ext cx="714380" cy="653231"/>
+              </a:xfrm>
+              <a:prstGeom prst="bentConnector2">
+                <a:avLst/>
+              </a:prstGeom>
+              <a:ln>
+                <a:tailEnd type="arrow"/>
+              </a:ln>
+            </p:spPr>
+            <p:style>
+              <a:lnRef idx="2">
+                <a:schemeClr val="dk1"/>
+              </a:lnRef>
+              <a:fillRef idx="0">
+                <a:schemeClr val="dk1"/>
+              </a:fillRef>
+              <a:effectRef idx="1">
+                <a:schemeClr val="dk1"/>
+              </a:effectRef>
+              <a:fontRef idx="minor">
+                <a:schemeClr val="tx1"/>
+              </a:fontRef>
+            </p:style>
+          </p:cxnSp>
+          <p:sp>
+            <p:nvSpPr>
+              <p:cNvPr id="59" name="Rectangle 58"/>
+              <p:cNvSpPr/>
+              <p:nvPr/>
+            </p:nvSpPr>
+            <p:spPr>
+              <a:xfrm>
+                <a:off x="2706863" y="2884126"/>
+                <a:ext cx="1301382" cy="454058"/>
+              </a:xfrm>
+              <a:prstGeom prst="rect">
+                <a:avLst/>
+              </a:prstGeom>
+            </p:spPr>
+            <p:style>
+              <a:lnRef idx="2">
+                <a:schemeClr val="dk1"/>
+              </a:lnRef>
+              <a:fillRef idx="1">
+                <a:schemeClr val="lt1"/>
+              </a:fillRef>
+              <a:effectRef idx="0">
+                <a:schemeClr val="dk1"/>
+              </a:effectRef>
+              <a:fontRef idx="minor">
+                <a:schemeClr val="dk1"/>
+              </a:fontRef>
+            </p:style>
+            <p:txBody>
+              <a:bodyPr rtlCol="0" anchor="ctr"/>
+              <a:lstStyle/>
+              <a:p>
+                <a:pPr algn="ctr"/>
+                <a:r>
+                  <a:rPr lang="fr-BE" sz="1400" smtClean="0"/>
+                  <a:t>OpenDoors</a:t>
+                </a:r>
+                <a:endParaRPr lang="fr-BE" sz="1400"/>
+              </a:p>
+            </p:txBody>
+          </p:sp>
+          <p:cxnSp>
+            <p:nvCxnSpPr>
+              <p:cNvPr id="60" name="Connecteur droit avec flèche 34"/>
+              <p:cNvCxnSpPr>
+                <a:stCxn id="54" idx="3"/>
+                <a:endCxn id="59" idx="0"/>
+              </p:cNvCxnSpPr>
+              <p:nvPr/>
+            </p:nvCxnSpPr>
+            <p:spPr>
+              <a:xfrm>
+                <a:off x="2650923" y="2230895"/>
+                <a:ext cx="706631" cy="653231"/>
+              </a:xfrm>
+              <a:prstGeom prst="bentConnector2">
+                <a:avLst/>
+              </a:prstGeom>
+              <a:ln>
+                <a:tailEnd type="arrow"/>
+              </a:ln>
+            </p:spPr>
+            <p:style>
+              <a:lnRef idx="2">
+                <a:schemeClr val="dk1"/>
+              </a:lnRef>
+              <a:fillRef idx="0">
+                <a:schemeClr val="dk1"/>
+              </a:fillRef>
+              <a:effectRef idx="1">
+                <a:schemeClr val="dk1"/>
+              </a:effectRef>
+              <a:fontRef idx="minor">
+                <a:schemeClr val="tx1"/>
+              </a:fontRef>
+            </p:style>
+          </p:cxnSp>
+          <p:cxnSp>
+            <p:nvCxnSpPr>
+              <p:cNvPr id="61" name="Connecteur droit avec flèche 34"/>
+              <p:cNvCxnSpPr>
+                <a:stCxn id="57" idx="3"/>
+                <a:endCxn id="59" idx="1"/>
+              </p:cNvCxnSpPr>
+              <p:nvPr/>
+            </p:nvCxnSpPr>
+            <p:spPr>
+              <a:xfrm>
+                <a:off x="2015730" y="3111155"/>
+                <a:ext cx="691133" cy="1588"/>
+              </a:xfrm>
+              <a:prstGeom prst="bentConnector3">
+                <a:avLst>
+                  <a:gd name="adj1" fmla="val 50000"/>
+                </a:avLst>
+              </a:prstGeom>
+              <a:ln>
+                <a:tailEnd type="arrow"/>
+              </a:ln>
+            </p:spPr>
+            <p:style>
+              <a:lnRef idx="2">
+                <a:schemeClr val="dk1"/>
+              </a:lnRef>
+              <a:fillRef idx="0">
+                <a:schemeClr val="dk1"/>
+              </a:fillRef>
+              <a:effectRef idx="1">
+                <a:schemeClr val="dk1"/>
+              </a:effectRef>
+              <a:fontRef idx="minor">
+                <a:schemeClr val="tx1"/>
+              </a:fontRef>
+            </p:style>
+          </p:cxnSp>
+          <p:sp>
+            <p:nvSpPr>
+              <p:cNvPr id="62" name="ZoneTexte 61"/>
+              <p:cNvSpPr txBox="1"/>
+              <p:nvPr/>
+            </p:nvSpPr>
+            <p:spPr>
+              <a:xfrm>
+                <a:off x="3241948" y="2388059"/>
+                <a:ext cx="216406" cy="246221"/>
+              </a:xfrm>
+              <a:prstGeom prst="rect">
+                <a:avLst/>
+              </a:prstGeom>
+              <a:solidFill>
+                <a:schemeClr val="bg1"/>
+              </a:solidFill>
+            </p:spPr>
+            <p:txBody>
+              <a:bodyPr wrap="none" lIns="0" tIns="0" rIns="0" bIns="0" rtlCol="0">
+                <a:spAutoFit/>
+              </a:bodyPr>
+              <a:lstStyle/>
+              <a:p>
+                <a:r>
+                  <a:rPr lang="fr-BE" sz="1600" i="1" smtClean="0"/>
+                  <a:t>no</a:t>
+                </a:r>
+                <a:endParaRPr lang="fr-BE" sz="1600" i="1"/>
+              </a:p>
+            </p:txBody>
+          </p:sp>
+          <p:sp>
+            <p:nvSpPr>
+              <p:cNvPr id="63" name="ZoneTexte 62"/>
+              <p:cNvSpPr txBox="1"/>
+              <p:nvPr/>
+            </p:nvSpPr>
+            <p:spPr>
+              <a:xfrm>
+                <a:off x="2024162" y="2109009"/>
+                <a:ext cx="709233" cy="246221"/>
+              </a:xfrm>
+              <a:prstGeom prst="rect">
+                <a:avLst/>
+              </a:prstGeom>
+              <a:solidFill>
+                <a:schemeClr val="bg1"/>
+              </a:solidFill>
+            </p:spPr>
+            <p:txBody>
+              <a:bodyPr wrap="none" lIns="0" tIns="0" rIns="0" bIns="0" rtlCol="0">
+                <a:spAutoFit/>
+              </a:bodyPr>
+              <a:lstStyle/>
+              <a:p>
+                <a:r>
+                  <a:rPr lang="fr-BE" sz="1600" smtClean="0"/>
+                  <a:t>moving?</a:t>
+                </a:r>
+                <a:endParaRPr lang="fr-BE" sz="1600"/>
+              </a:p>
+            </p:txBody>
+          </p:sp>
+          <p:cxnSp>
+            <p:nvCxnSpPr>
+              <p:cNvPr id="64" name="Connecteur droit avec flèche 34"/>
+              <p:cNvCxnSpPr>
+                <a:stCxn id="59" idx="2"/>
+                <a:endCxn id="66" idx="0"/>
+              </p:cNvCxnSpPr>
+              <p:nvPr/>
+            </p:nvCxnSpPr>
+            <p:spPr>
+              <a:xfrm rot="5400000">
+                <a:off x="3276130" y="3419608"/>
+                <a:ext cx="162848" cy="1588"/>
+              </a:xfrm>
+              <a:prstGeom prst="bentConnector3">
+                <a:avLst>
+                  <a:gd name="adj1" fmla="val 50000"/>
+                </a:avLst>
+              </a:prstGeom>
+              <a:ln>
+                <a:tailEnd type="arrow"/>
+              </a:ln>
+            </p:spPr>
+            <p:style>
+              <a:lnRef idx="2">
+                <a:schemeClr val="dk1"/>
+              </a:lnRef>
+              <a:fillRef idx="0">
+                <a:schemeClr val="dk1"/>
+              </a:fillRef>
+              <a:effectRef idx="1">
+                <a:schemeClr val="dk1"/>
+              </a:effectRef>
+              <a:fontRef idx="minor">
+                <a:schemeClr val="tx1"/>
+              </a:fontRef>
+            </p:style>
+          </p:cxnSp>
+          <p:sp>
+            <p:nvSpPr>
+              <p:cNvPr id="65" name="ZoneTexte 64"/>
+              <p:cNvSpPr txBox="1"/>
+              <p:nvPr/>
+            </p:nvSpPr>
+            <p:spPr>
+              <a:xfrm>
+                <a:off x="1233910" y="2388059"/>
+                <a:ext cx="269304" cy="246221"/>
+              </a:xfrm>
+              <a:prstGeom prst="rect">
+                <a:avLst/>
+              </a:prstGeom>
+              <a:solidFill>
+                <a:schemeClr val="bg1"/>
+              </a:solidFill>
+            </p:spPr>
+            <p:txBody>
+              <a:bodyPr wrap="none" lIns="0" tIns="0" rIns="0" bIns="0" rtlCol="0">
+                <a:spAutoFit/>
+              </a:bodyPr>
+              <a:lstStyle/>
+              <a:p>
+                <a:r>
+                  <a:rPr lang="fr-BE" sz="1600" i="1" smtClean="0"/>
+                  <a:t>yes</a:t>
+                </a:r>
+                <a:endParaRPr lang="fr-BE" sz="1600" i="1"/>
+              </a:p>
+            </p:txBody>
+          </p:sp>
+        </p:grpSp>
+        <p:sp>
+          <p:nvSpPr>
+            <p:cNvPr id="81" name="Forme libre 80"/>
+            <p:cNvSpPr/>
+            <p:nvPr/>
+          </p:nvSpPr>
+          <p:spPr>
+            <a:xfrm>
+              <a:off x="2483768" y="1916831"/>
+              <a:ext cx="3312368" cy="13484"/>
+            </a:xfrm>
+            <a:custGeom>
+              <a:avLst/>
+              <a:gdLst>
+                <a:gd name="connsiteX0" fmla="*/ 0 w 2292350"/>
+                <a:gd name="connsiteY0" fmla="*/ 463550 h 463550"/>
+                <a:gd name="connsiteX1" fmla="*/ 495300 w 2292350"/>
+                <a:gd name="connsiteY1" fmla="*/ 76200 h 463550"/>
+                <a:gd name="connsiteX2" fmla="*/ 1543050 w 2292350"/>
+                <a:gd name="connsiteY2" fmla="*/ 6350 h 463550"/>
+                <a:gd name="connsiteX3" fmla="*/ 2159000 w 2292350"/>
+                <a:gd name="connsiteY3" fmla="*/ 57150 h 463550"/>
+                <a:gd name="connsiteX4" fmla="*/ 2159000 w 2292350"/>
+                <a:gd name="connsiteY4" fmla="*/ 57150 h 463550"/>
+                <a:gd name="connsiteX5" fmla="*/ 2292350 w 2292350"/>
+                <a:gd name="connsiteY5" fmla="*/ 63500 h 463550"/>
+                <a:gd name="connsiteX0" fmla="*/ 0 w 2292350"/>
+                <a:gd name="connsiteY0" fmla="*/ 466498 h 466498"/>
+                <a:gd name="connsiteX1" fmla="*/ 583013 w 2292350"/>
+                <a:gd name="connsiteY1" fmla="*/ 115884 h 466498"/>
+                <a:gd name="connsiteX2" fmla="*/ 1543050 w 2292350"/>
+                <a:gd name="connsiteY2" fmla="*/ 9298 h 466498"/>
+                <a:gd name="connsiteX3" fmla="*/ 2159000 w 2292350"/>
+                <a:gd name="connsiteY3" fmla="*/ 60098 h 466498"/>
+                <a:gd name="connsiteX4" fmla="*/ 2159000 w 2292350"/>
+                <a:gd name="connsiteY4" fmla="*/ 60098 h 466498"/>
+                <a:gd name="connsiteX5" fmla="*/ 2292350 w 2292350"/>
+                <a:gd name="connsiteY5" fmla="*/ 66448 h 466498"/>
+                <a:gd name="connsiteX0" fmla="*/ 0 w 2292350"/>
+                <a:gd name="connsiteY0" fmla="*/ 710654 h 710654"/>
+                <a:gd name="connsiteX1" fmla="*/ 583013 w 2292350"/>
+                <a:gd name="connsiteY1" fmla="*/ 360040 h 710654"/>
+                <a:gd name="connsiteX2" fmla="*/ 1543050 w 2292350"/>
+                <a:gd name="connsiteY2" fmla="*/ 253454 h 710654"/>
+                <a:gd name="connsiteX3" fmla="*/ 2159000 w 2292350"/>
+                <a:gd name="connsiteY3" fmla="*/ 304254 h 710654"/>
+                <a:gd name="connsiteX4" fmla="*/ 1803968 w 2292350"/>
+                <a:gd name="connsiteY4" fmla="*/ 0 h 710654"/>
+                <a:gd name="connsiteX5" fmla="*/ 2292350 w 2292350"/>
+                <a:gd name="connsiteY5" fmla="*/ 310604 h 710654"/>
+                <a:gd name="connsiteX0" fmla="*/ 0 w 2292350"/>
+                <a:gd name="connsiteY0" fmla="*/ 720179 h 720179"/>
+                <a:gd name="connsiteX1" fmla="*/ 583013 w 2292350"/>
+                <a:gd name="connsiteY1" fmla="*/ 369565 h 720179"/>
+                <a:gd name="connsiteX2" fmla="*/ 1543050 w 2292350"/>
+                <a:gd name="connsiteY2" fmla="*/ 262979 h 720179"/>
+                <a:gd name="connsiteX3" fmla="*/ 1803968 w 2292350"/>
+                <a:gd name="connsiteY3" fmla="*/ 9525 h 720179"/>
+                <a:gd name="connsiteX4" fmla="*/ 2292350 w 2292350"/>
+                <a:gd name="connsiteY4" fmla="*/ 320129 h 720179"/>
+                <a:gd name="connsiteX0" fmla="*/ 0 w 2292350"/>
+                <a:gd name="connsiteY0" fmla="*/ 465439 h 465439"/>
+                <a:gd name="connsiteX1" fmla="*/ 583013 w 2292350"/>
+                <a:gd name="connsiteY1" fmla="*/ 114825 h 465439"/>
+                <a:gd name="connsiteX2" fmla="*/ 1543050 w 2292350"/>
+                <a:gd name="connsiteY2" fmla="*/ 8239 h 465439"/>
+                <a:gd name="connsiteX3" fmla="*/ 2292350 w 2292350"/>
+                <a:gd name="connsiteY3" fmla="*/ 65389 h 465439"/>
+                <a:gd name="connsiteX0" fmla="*/ 0 w 2360512"/>
+                <a:gd name="connsiteY0" fmla="*/ 360040 h 360040"/>
+                <a:gd name="connsiteX1" fmla="*/ 651175 w 2360512"/>
+                <a:gd name="connsiteY1" fmla="*/ 114825 h 360040"/>
+                <a:gd name="connsiteX2" fmla="*/ 1611212 w 2360512"/>
+                <a:gd name="connsiteY2" fmla="*/ 8239 h 360040"/>
+                <a:gd name="connsiteX3" fmla="*/ 2360512 w 2360512"/>
+                <a:gd name="connsiteY3" fmla="*/ 65389 h 360040"/>
+                <a:gd name="connsiteX0" fmla="*/ 0 w 2360512"/>
+                <a:gd name="connsiteY0" fmla="*/ 400910 h 459543"/>
+                <a:gd name="connsiteX1" fmla="*/ 1139558 w 2360512"/>
+                <a:gd name="connsiteY1" fmla="*/ 400910 h 459543"/>
+                <a:gd name="connsiteX2" fmla="*/ 1611212 w 2360512"/>
+                <a:gd name="connsiteY2" fmla="*/ 49109 h 459543"/>
+                <a:gd name="connsiteX3" fmla="*/ 2360512 w 2360512"/>
+                <a:gd name="connsiteY3" fmla="*/ 106259 h 459543"/>
+                <a:gd name="connsiteX0" fmla="*/ 0 w 3011688"/>
+                <a:gd name="connsiteY0" fmla="*/ 351801 h 410434"/>
+                <a:gd name="connsiteX1" fmla="*/ 1139558 w 3011688"/>
+                <a:gd name="connsiteY1" fmla="*/ 351801 h 410434"/>
+                <a:gd name="connsiteX2" fmla="*/ 1611212 w 3011688"/>
+                <a:gd name="connsiteY2" fmla="*/ 0 h 410434"/>
+                <a:gd name="connsiteX3" fmla="*/ 3011688 w 3011688"/>
+                <a:gd name="connsiteY3" fmla="*/ 351801 h 410434"/>
+                <a:gd name="connsiteX0" fmla="*/ 0 w 3011688"/>
+                <a:gd name="connsiteY0" fmla="*/ 155575 h 179578"/>
+                <a:gd name="connsiteX1" fmla="*/ 1139558 w 3011688"/>
+                <a:gd name="connsiteY1" fmla="*/ 155575 h 179578"/>
+                <a:gd name="connsiteX2" fmla="*/ 2116321 w 3011688"/>
+                <a:gd name="connsiteY2" fmla="*/ 11558 h 179578"/>
+                <a:gd name="connsiteX3" fmla="*/ 3011688 w 3011688"/>
+                <a:gd name="connsiteY3" fmla="*/ 155575 h 179578"/>
+                <a:gd name="connsiteX0" fmla="*/ 0 w 3337276"/>
+                <a:gd name="connsiteY0" fmla="*/ 156018 h 228025"/>
+                <a:gd name="connsiteX1" fmla="*/ 1139558 w 3337276"/>
+                <a:gd name="connsiteY1" fmla="*/ 156018 h 228025"/>
+                <a:gd name="connsiteX2" fmla="*/ 2116321 w 3337276"/>
+                <a:gd name="connsiteY2" fmla="*/ 12001 h 228025"/>
+                <a:gd name="connsiteX3" fmla="*/ 3337276 w 3337276"/>
+                <a:gd name="connsiteY3" fmla="*/ 228025 h 228025"/>
+                <a:gd name="connsiteX0" fmla="*/ 0 w 3337276"/>
+                <a:gd name="connsiteY0" fmla="*/ 155575 h 383600"/>
+                <a:gd name="connsiteX1" fmla="*/ 1139558 w 3337276"/>
+                <a:gd name="connsiteY1" fmla="*/ 155575 h 383600"/>
+                <a:gd name="connsiteX2" fmla="*/ 1383749 w 3337276"/>
+                <a:gd name="connsiteY2" fmla="*/ 371599 h 383600"/>
+                <a:gd name="connsiteX3" fmla="*/ 3337276 w 3337276"/>
+                <a:gd name="connsiteY3" fmla="*/ 227582 h 383600"/>
+                <a:gd name="connsiteX0" fmla="*/ 0 w 3337276"/>
+                <a:gd name="connsiteY0" fmla="*/ 155575 h 383600"/>
+                <a:gd name="connsiteX1" fmla="*/ 1383749 w 3337276"/>
+                <a:gd name="connsiteY1" fmla="*/ 155574 h 383600"/>
+                <a:gd name="connsiteX2" fmla="*/ 1383749 w 3337276"/>
+                <a:gd name="connsiteY2" fmla="*/ 371599 h 383600"/>
+                <a:gd name="connsiteX3" fmla="*/ 3337276 w 3337276"/>
+                <a:gd name="connsiteY3" fmla="*/ 227582 h 383600"/>
+                <a:gd name="connsiteX0" fmla="*/ 0 w 2686100"/>
+                <a:gd name="connsiteY0" fmla="*/ 155575 h 803646"/>
+                <a:gd name="connsiteX1" fmla="*/ 1383749 w 2686100"/>
+                <a:gd name="connsiteY1" fmla="*/ 155574 h 803646"/>
+                <a:gd name="connsiteX2" fmla="*/ 1383749 w 2686100"/>
+                <a:gd name="connsiteY2" fmla="*/ 371599 h 803646"/>
+                <a:gd name="connsiteX3" fmla="*/ 2686100 w 2686100"/>
+                <a:gd name="connsiteY3" fmla="*/ 803646 h 803646"/>
+                <a:gd name="connsiteX0" fmla="*/ 0 w 2686100"/>
+                <a:gd name="connsiteY0" fmla="*/ 36005 h 684076"/>
+                <a:gd name="connsiteX1" fmla="*/ 1383749 w 2686100"/>
+                <a:gd name="connsiteY1" fmla="*/ 36004 h 684076"/>
+                <a:gd name="connsiteX2" fmla="*/ 1383749 w 2686100"/>
+                <a:gd name="connsiteY2" fmla="*/ 252029 h 684076"/>
+                <a:gd name="connsiteX3" fmla="*/ 2686100 w 2686100"/>
+                <a:gd name="connsiteY3" fmla="*/ 684076 h 684076"/>
+                <a:gd name="connsiteX0" fmla="*/ 0 w 3744261"/>
+                <a:gd name="connsiteY0" fmla="*/ 36005 h 253955"/>
+                <a:gd name="connsiteX1" fmla="*/ 1383749 w 3744261"/>
+                <a:gd name="connsiteY1" fmla="*/ 36004 h 253955"/>
+                <a:gd name="connsiteX2" fmla="*/ 1383749 w 3744261"/>
+                <a:gd name="connsiteY2" fmla="*/ 252029 h 253955"/>
+                <a:gd name="connsiteX3" fmla="*/ 3744261 w 3744261"/>
+                <a:gd name="connsiteY3" fmla="*/ 24446 h 253955"/>
+                <a:gd name="connsiteX0" fmla="*/ 0 w 3744261"/>
+                <a:gd name="connsiteY0" fmla="*/ 11559 h 13484"/>
+                <a:gd name="connsiteX1" fmla="*/ 1383749 w 3744261"/>
+                <a:gd name="connsiteY1" fmla="*/ 11558 h 13484"/>
+                <a:gd name="connsiteX2" fmla="*/ 2360512 w 3744261"/>
+                <a:gd name="connsiteY2" fmla="*/ 1 h 13484"/>
+                <a:gd name="connsiteX3" fmla="*/ 3744261 w 3744261"/>
+                <a:gd name="connsiteY3" fmla="*/ 0 h 13484"/>
+              </a:gdLst>
+              <a:ahLst/>
+              <a:cxnLst>
+                <a:cxn ang="0">
+                  <a:pos x="connsiteX0" y="connsiteY0"/>
+                </a:cxn>
+                <a:cxn ang="0">
+                  <a:pos x="connsiteX1" y="connsiteY1"/>
+                </a:cxn>
+                <a:cxn ang="0">
+                  <a:pos x="connsiteX2" y="connsiteY2"/>
+                </a:cxn>
+                <a:cxn ang="0">
+                  <a:pos x="connsiteX3" y="connsiteY3"/>
+                </a:cxn>
+              </a:cxnLst>
+              <a:rect l="l" t="t" r="r" b="b"/>
+              <a:pathLst>
+                <a:path w="3744261" h="13484">
+                  <a:moveTo>
+                    <a:pt x="0" y="11559"/>
+                  </a:moveTo>
+                  <a:cubicBezTo>
+                    <a:pt x="567797" y="868"/>
+                    <a:pt x="990330" y="13484"/>
+                    <a:pt x="1383749" y="11558"/>
+                  </a:cubicBezTo>
+                  <a:lnTo>
+                    <a:pt x="2360512" y="1"/>
+                  </a:lnTo>
+                  <a:lnTo>
+                    <a:pt x="3744261" y="0"/>
+                  </a:lnTo>
+                </a:path>
+              </a:pathLst>
+            </a:custGeom>
+            <a:ln w="34925">
+              <a:tailEnd type="triangle" w="med" len="med"/>
+            </a:ln>
+          </p:spPr>
+          <p:style>
+            <a:lnRef idx="1">
+              <a:schemeClr val="accent1"/>
+            </a:lnRef>
+            <a:fillRef idx="0">
+              <a:schemeClr val="accent1"/>
+            </a:fillRef>
+            <a:effectRef idx="0">
+              <a:schemeClr val="accent1"/>
+            </a:effectRef>
+            <a:fontRef idx="minor">
+              <a:schemeClr val="tx1"/>
+            </a:fontRef>
+          </p:style>
+          <p:txBody>
+            <a:bodyPr rtlCol="0" anchor="ctr"/>
+            <a:lstStyle/>
+            <a:p>
+              <a:pPr algn="ctr"/>
+              <a:endParaRPr lang="fr-BE"/>
+            </a:p>
+          </p:txBody>
+        </p:sp>
+        <p:sp>
+          <p:nvSpPr>
+            <p:cNvPr id="68" name="Forme libre 67"/>
+            <p:cNvSpPr/>
+            <p:nvPr/>
+          </p:nvSpPr>
+          <p:spPr>
+            <a:xfrm>
+              <a:off x="2971800" y="980728"/>
+              <a:ext cx="1888232" cy="454372"/>
+            </a:xfrm>
+            <a:custGeom>
+              <a:avLst/>
+              <a:gdLst>
+                <a:gd name="connsiteX0" fmla="*/ 0 w 1771650"/>
+                <a:gd name="connsiteY0" fmla="*/ 393700 h 393700"/>
+                <a:gd name="connsiteX1" fmla="*/ 736600 w 1771650"/>
+                <a:gd name="connsiteY1" fmla="*/ 158750 h 393700"/>
+                <a:gd name="connsiteX2" fmla="*/ 1771650 w 1771650"/>
+                <a:gd name="connsiteY2" fmla="*/ 0 h 393700"/>
+              </a:gdLst>
+              <a:ahLst/>
+              <a:cxnLst>
+                <a:cxn ang="0">
+                  <a:pos x="connsiteX0" y="connsiteY0"/>
+                </a:cxn>
+                <a:cxn ang="0">
+                  <a:pos x="connsiteX1" y="connsiteY1"/>
+                </a:cxn>
+                <a:cxn ang="0">
+                  <a:pos x="connsiteX2" y="connsiteY2"/>
+                </a:cxn>
+              </a:cxnLst>
+              <a:rect l="l" t="t" r="r" b="b"/>
+              <a:pathLst>
+                <a:path w="1771650" h="393700">
+                  <a:moveTo>
+                    <a:pt x="0" y="393700"/>
+                  </a:moveTo>
+                  <a:cubicBezTo>
+                    <a:pt x="220662" y="309033"/>
+                    <a:pt x="441325" y="224367"/>
+                    <a:pt x="736600" y="158750"/>
+                  </a:cubicBezTo>
+                  <a:cubicBezTo>
+                    <a:pt x="1031875" y="93133"/>
+                    <a:pt x="1401762" y="46566"/>
+                    <a:pt x="1771650" y="0"/>
+                  </a:cubicBezTo>
+                </a:path>
+              </a:pathLst>
+            </a:custGeom>
+            <a:ln w="34925">
+              <a:tailEnd type="triangle"/>
+            </a:ln>
+          </p:spPr>
+          <p:style>
+            <a:lnRef idx="1">
+              <a:schemeClr val="accent1"/>
+            </a:lnRef>
+            <a:fillRef idx="0">
+              <a:schemeClr val="accent1"/>
+            </a:fillRef>
+            <a:effectRef idx="0">
+              <a:schemeClr val="accent1"/>
+            </a:effectRef>
+            <a:fontRef idx="minor">
+              <a:schemeClr val="tx1"/>
+            </a:fontRef>
+          </p:style>
+          <p:txBody>
+            <a:bodyPr rtlCol="0" anchor="ctr"/>
+            <a:lstStyle/>
+            <a:p>
+              <a:pPr algn="ctr"/>
+              <a:endParaRPr lang="fr-BE"/>
+            </a:p>
+          </p:txBody>
+        </p:sp>
+        <p:sp>
+          <p:nvSpPr>
+            <p:cNvPr id="69" name="Forme libre 68"/>
+            <p:cNvSpPr/>
+            <p:nvPr/>
+          </p:nvSpPr>
+          <p:spPr>
+            <a:xfrm>
+              <a:off x="2355850" y="2374900"/>
+              <a:ext cx="3152254" cy="1054100"/>
+            </a:xfrm>
+            <a:custGeom>
+              <a:avLst/>
+              <a:gdLst>
+                <a:gd name="connsiteX0" fmla="*/ 0 w 3067050"/>
+                <a:gd name="connsiteY0" fmla="*/ 0 h 1231900"/>
+                <a:gd name="connsiteX1" fmla="*/ 736600 w 3067050"/>
+                <a:gd name="connsiteY1" fmla="*/ 317500 h 1231900"/>
+                <a:gd name="connsiteX2" fmla="*/ 1562100 w 3067050"/>
+                <a:gd name="connsiteY2" fmla="*/ 368300 h 1231900"/>
+                <a:gd name="connsiteX3" fmla="*/ 3067050 w 3067050"/>
+                <a:gd name="connsiteY3" fmla="*/ 1231900 h 1231900"/>
+                <a:gd name="connsiteX0" fmla="*/ 0 w 3067050"/>
+                <a:gd name="connsiteY0" fmla="*/ 0 h 1054100"/>
+                <a:gd name="connsiteX1" fmla="*/ 736600 w 3067050"/>
+                <a:gd name="connsiteY1" fmla="*/ 317500 h 1054100"/>
+                <a:gd name="connsiteX2" fmla="*/ 1562100 w 3067050"/>
+                <a:gd name="connsiteY2" fmla="*/ 368300 h 1054100"/>
+                <a:gd name="connsiteX3" fmla="*/ 3067050 w 3067050"/>
+                <a:gd name="connsiteY3" fmla="*/ 1054100 h 1054100"/>
+              </a:gdLst>
+              <a:ahLst/>
+              <a:cxnLst>
+                <a:cxn ang="0">
+                  <a:pos x="connsiteX0" y="connsiteY0"/>
+                </a:cxn>
+                <a:cxn ang="0">
+                  <a:pos x="connsiteX1" y="connsiteY1"/>
+                </a:cxn>
+                <a:cxn ang="0">
+                  <a:pos x="connsiteX2" y="connsiteY2"/>
+                </a:cxn>
+                <a:cxn ang="0">
+                  <a:pos x="connsiteX3" y="connsiteY3"/>
+                </a:cxn>
+              </a:cxnLst>
+              <a:rect l="l" t="t" r="r" b="b"/>
+              <a:pathLst>
+                <a:path w="3067050" h="1054100">
+                  <a:moveTo>
+                    <a:pt x="0" y="0"/>
+                  </a:moveTo>
+                  <a:cubicBezTo>
+                    <a:pt x="238125" y="128058"/>
+                    <a:pt x="476250" y="256117"/>
+                    <a:pt x="736600" y="317500"/>
+                  </a:cubicBezTo>
+                  <a:cubicBezTo>
+                    <a:pt x="996950" y="378883"/>
+                    <a:pt x="1173692" y="245533"/>
+                    <a:pt x="1562100" y="368300"/>
+                  </a:cubicBezTo>
+                  <a:cubicBezTo>
+                    <a:pt x="1950508" y="491067"/>
+                    <a:pt x="2508779" y="698500"/>
+                    <a:pt x="3067050" y="1054100"/>
+                  </a:cubicBezTo>
+                </a:path>
+              </a:pathLst>
+            </a:custGeom>
+            <a:ln w="34925">
+              <a:tailEnd type="triangle"/>
+            </a:ln>
+          </p:spPr>
+          <p:style>
+            <a:lnRef idx="1">
+              <a:schemeClr val="accent1"/>
+            </a:lnRef>
+            <a:fillRef idx="0">
+              <a:schemeClr val="accent1"/>
+            </a:fillRef>
+            <a:effectRef idx="0">
+              <a:schemeClr val="accent1"/>
+            </a:effectRef>
+            <a:fontRef idx="minor">
+              <a:schemeClr val="tx1"/>
+            </a:fontRef>
+          </p:style>
+          <p:txBody>
+            <a:bodyPr rtlCol="0" anchor="ctr"/>
+            <a:lstStyle/>
+            <a:p>
+              <a:pPr algn="ctr"/>
+              <a:endParaRPr lang="fr-BE"/>
+            </a:p>
+          </p:txBody>
+        </p:sp>
+      </p:grpSp>
+    </p:spTree>
+  </p:cSld>
+  <p:clrMapOvr>
+    <a:masterClrMapping/>
+  </p:clrMapOvr>
+</p:sld>
+</file>
+
+<file path=ppt/slides/slide7.xml><?xml version="1.0" encoding="utf-8"?>
+<p:sld xmlns:a="http://schemas.openxmlformats.org/drawingml/2006/main" xmlns:r="http://schemas.openxmlformats.org/officeDocument/2006/relationships" xmlns:p="http://schemas.openxmlformats.org/presentationml/2006/main">
+  <p:cSld>
+    <p:spTree>
+      <p:nvGrpSpPr>
+        <p:cNvPr id="1" name=""/>
+        <p:cNvGrpSpPr/>
+        <p:nvPr/>
+      </p:nvGrpSpPr>
+      <p:grpSpPr>
+        <a:xfrm>
+          <a:off x="0" y="0"/>
+          <a:ext cx="0" cy="0"/>
+          <a:chOff x="0" y="0"/>
+          <a:chExt cx="0" cy="0"/>
+        </a:xfrm>
+      </p:grpSpPr>
+      <p:cxnSp>
+        <p:nvCxnSpPr>
+          <p:cNvPr id="105" name="Connecteur droit 104"/>
+          <p:cNvCxnSpPr/>
+          <p:nvPr/>
+        </p:nvCxnSpPr>
+        <p:spPr>
+          <a:xfrm rot="5400000">
+            <a:off x="8028384" y="1916832"/>
+            <a:ext cx="0" cy="0"/>
+          </a:xfrm>
+          <a:prstGeom prst="line">
+            <a:avLst/>
+          </a:prstGeom>
+        </p:spPr>
+        <p:style>
+          <a:lnRef idx="1">
+            <a:schemeClr val="accent1"/>
+          </a:lnRef>
+          <a:fillRef idx="0">
+            <a:schemeClr val="accent1"/>
+          </a:fillRef>
+          <a:effectRef idx="0">
+            <a:schemeClr val="accent1"/>
+          </a:effectRef>
+          <a:fontRef idx="minor">
+            <a:schemeClr val="tx1"/>
+          </a:fontRef>
+        </p:style>
+      </p:cxnSp>
+      <p:grpSp>
+        <p:nvGrpSpPr>
+          <p:cNvPr id="80" name="Groupe 79"/>
+          <p:cNvGrpSpPr/>
+          <p:nvPr/>
+        </p:nvGrpSpPr>
+        <p:grpSpPr>
+          <a:xfrm>
+            <a:off x="827584" y="1988840"/>
+            <a:ext cx="3888432" cy="1368152"/>
+            <a:chOff x="827584" y="1988840"/>
+            <a:chExt cx="3888432" cy="1368152"/>
+          </a:xfrm>
+        </p:grpSpPr>
+        <p:sp>
+          <p:nvSpPr>
+            <p:cNvPr id="83" name="Ellipse 82"/>
+            <p:cNvSpPr/>
+            <p:nvPr/>
+          </p:nvSpPr>
+          <p:spPr>
+            <a:xfrm>
+              <a:off x="2057223" y="2492896"/>
+              <a:ext cx="288032" cy="288032"/>
+            </a:xfrm>
+            <a:prstGeom prst="ellipse">
+              <a:avLst/>
+            </a:prstGeom>
+          </p:spPr>
+          <p:style>
+            <a:lnRef idx="2">
+              <a:schemeClr val="dk1"/>
+            </a:lnRef>
+            <a:fillRef idx="1">
+              <a:schemeClr val="lt1"/>
+            </a:fillRef>
+            <a:effectRef idx="0">
+              <a:schemeClr val="dk1"/>
+            </a:effectRef>
+            <a:fontRef idx="minor">
+              <a:schemeClr val="dk1"/>
+            </a:fontRef>
+          </p:style>
+          <p:txBody>
+            <a:bodyPr rtlCol="0" anchor="ctr"/>
+            <a:lstStyle/>
+            <a:p>
+              <a:pPr algn="ctr"/>
+              <a:endParaRPr lang="fr-BE"/>
+            </a:p>
+          </p:txBody>
+        </p:sp>
+        <p:sp>
+          <p:nvSpPr>
+            <p:cNvPr id="84" name="Ellipse 83"/>
+            <p:cNvSpPr/>
+            <p:nvPr/>
+          </p:nvSpPr>
+          <p:spPr>
+            <a:xfrm>
+              <a:off x="2987824" y="1988840"/>
+              <a:ext cx="288032" cy="288032"/>
+            </a:xfrm>
+            <a:prstGeom prst="ellipse">
+              <a:avLst/>
+            </a:prstGeom>
+          </p:spPr>
+          <p:style>
+            <a:lnRef idx="2">
+              <a:schemeClr val="dk1"/>
+            </a:lnRef>
+            <a:fillRef idx="1">
+              <a:schemeClr val="lt1"/>
+            </a:fillRef>
+            <a:effectRef idx="0">
+              <a:schemeClr val="dk1"/>
+            </a:effectRef>
+            <a:fontRef idx="minor">
+              <a:schemeClr val="dk1"/>
+            </a:fontRef>
+          </p:style>
+          <p:txBody>
+            <a:bodyPr rtlCol="0" anchor="ctr"/>
+            <a:lstStyle/>
+            <a:p>
+              <a:pPr algn="ctr"/>
+              <a:endParaRPr lang="fr-BE"/>
+            </a:p>
+          </p:txBody>
+        </p:sp>
+        <p:cxnSp>
+          <p:nvCxnSpPr>
+            <p:cNvPr id="85" name="Connecteur droit avec flèche 34"/>
+            <p:cNvCxnSpPr>
+              <a:stCxn id="83" idx="0"/>
+              <a:endCxn id="84" idx="2"/>
+            </p:cNvCxnSpPr>
+            <p:nvPr/>
+          </p:nvCxnSpPr>
+          <p:spPr>
+            <a:xfrm rot="5400000" flipH="1" flipV="1">
+              <a:off x="2414511" y="1919584"/>
+              <a:ext cx="360040" cy="786585"/>
+            </a:xfrm>
+            <a:prstGeom prst="curvedConnector2">
+              <a:avLst/>
+            </a:prstGeom>
+            <a:ln>
+              <a:solidFill>
+                <a:schemeClr val="tx1"/>
+              </a:solidFill>
+              <a:tailEnd type="triangle" w="med" len="lg"/>
+            </a:ln>
+          </p:spPr>
+          <p:style>
+            <a:lnRef idx="1">
+              <a:schemeClr val="accent1"/>
+            </a:lnRef>
+            <a:fillRef idx="0">
+              <a:schemeClr val="accent1"/>
+            </a:fillRef>
+            <a:effectRef idx="0">
+              <a:schemeClr val="accent1"/>
+            </a:effectRef>
+            <a:fontRef idx="minor">
+              <a:schemeClr val="tx1"/>
+            </a:fontRef>
+          </p:style>
+        </p:cxnSp>
+        <p:sp>
+          <p:nvSpPr>
+            <p:cNvPr id="86" name="ZoneTexte 85"/>
+            <p:cNvSpPr txBox="1"/>
+            <p:nvPr/>
+          </p:nvSpPr>
+          <p:spPr>
+            <a:xfrm>
+              <a:off x="2229080" y="2204864"/>
+              <a:ext cx="667940" cy="215444"/>
+            </a:xfrm>
+            <a:prstGeom prst="rect">
+              <a:avLst/>
+            </a:prstGeom>
+            <a:solidFill>
+              <a:schemeClr val="bg1"/>
+            </a:solidFill>
+          </p:spPr>
+          <p:txBody>
+            <a:bodyPr wrap="none" lIns="0" tIns="0" rIns="0" bIns="0" rtlCol="0">
+              <a:spAutoFit/>
+            </a:bodyPr>
+            <a:lstStyle/>
+            <a:p>
+              <a:r>
+                <a:rPr lang="fr-BE" sz="1400" b="1" smtClean="0"/>
+                <a:t>[moving]</a:t>
+              </a:r>
+              <a:endParaRPr lang="fr-BE" sz="1400" b="1" baseline="-25000"/>
+            </a:p>
+          </p:txBody>
+        </p:sp>
+        <p:sp>
+          <p:nvSpPr>
+            <p:cNvPr id="91" name="Ellipse 90"/>
+            <p:cNvSpPr/>
+            <p:nvPr/>
+          </p:nvSpPr>
+          <p:spPr>
+            <a:xfrm>
+              <a:off x="3419872" y="3068960"/>
+              <a:ext cx="288032" cy="288032"/>
+            </a:xfrm>
+            <a:prstGeom prst="ellipse">
+              <a:avLst/>
+            </a:prstGeom>
+          </p:spPr>
+          <p:style>
+            <a:lnRef idx="2">
+              <a:schemeClr val="dk1"/>
+            </a:lnRef>
+            <a:fillRef idx="1">
+              <a:schemeClr val="lt1"/>
+            </a:fillRef>
+            <a:effectRef idx="0">
+              <a:schemeClr val="dk1"/>
+            </a:effectRef>
+            <a:fontRef idx="minor">
+              <a:schemeClr val="dk1"/>
+            </a:fontRef>
+          </p:style>
+          <p:txBody>
+            <a:bodyPr rtlCol="0" anchor="ctr"/>
+            <a:lstStyle/>
+            <a:p>
+              <a:pPr algn="ctr"/>
+              <a:endParaRPr lang="fr-BE"/>
+            </a:p>
+          </p:txBody>
+        </p:sp>
+        <p:cxnSp>
+          <p:nvCxnSpPr>
+            <p:cNvPr id="92" name="Connecteur droit avec flèche 34"/>
+            <p:cNvCxnSpPr>
+              <a:stCxn id="83" idx="4"/>
+              <a:endCxn id="91" idx="2"/>
+            </p:cNvCxnSpPr>
+            <p:nvPr/>
+          </p:nvCxnSpPr>
+          <p:spPr>
+            <a:xfrm rot="16200000" flipH="1">
+              <a:off x="2594531" y="2387635"/>
+              <a:ext cx="432048" cy="1218633"/>
+            </a:xfrm>
+            <a:prstGeom prst="curvedConnector2">
+              <a:avLst/>
+            </a:prstGeom>
+            <a:ln>
+              <a:solidFill>
+                <a:schemeClr val="tx1"/>
+              </a:solidFill>
+              <a:tailEnd type="triangle" w="med" len="lg"/>
+            </a:ln>
+          </p:spPr>
+          <p:style>
+            <a:lnRef idx="1">
+              <a:schemeClr val="accent1"/>
+            </a:lnRef>
+            <a:fillRef idx="0">
+              <a:schemeClr val="accent1"/>
+            </a:fillRef>
+            <a:effectRef idx="0">
+              <a:schemeClr val="accent1"/>
+            </a:effectRef>
+            <a:fontRef idx="minor">
+              <a:schemeClr val="tx1"/>
+            </a:fontRef>
+          </p:style>
+        </p:cxnSp>
+        <p:sp>
+          <p:nvSpPr>
+            <p:cNvPr id="97" name="ZoneTexte 96"/>
+            <p:cNvSpPr txBox="1"/>
+            <p:nvPr/>
+          </p:nvSpPr>
+          <p:spPr>
+            <a:xfrm>
+              <a:off x="2151569" y="2852936"/>
+              <a:ext cx="836255" cy="215444"/>
+            </a:xfrm>
+            <a:prstGeom prst="rect">
+              <a:avLst/>
+            </a:prstGeom>
+            <a:solidFill>
+              <a:schemeClr val="bg1"/>
+            </a:solidFill>
+          </p:spPr>
+          <p:txBody>
+            <a:bodyPr wrap="none" lIns="0" tIns="0" rIns="0" bIns="0" rtlCol="0">
+              <a:spAutoFit/>
+            </a:bodyPr>
+            <a:lstStyle/>
+            <a:p>
+              <a:r>
+                <a:rPr lang="fr-BE" sz="1400" b="1" smtClean="0"/>
+                <a:t>[</a:t>
+              </a:r>
+              <a:r>
+                <a:rPr lang="fr-BE" sz="1400" b="1" smtClean="0">
+                  <a:sym typeface="Symbol"/>
+                </a:rPr>
+                <a:t> </a:t>
+              </a:r>
+              <a:r>
+                <a:rPr lang="fr-BE" sz="1400" b="1" smtClean="0"/>
+                <a:t>moving]</a:t>
+              </a:r>
+              <a:endParaRPr lang="fr-BE" sz="1400" b="1" baseline="-25000"/>
+            </a:p>
+          </p:txBody>
+        </p:sp>
+        <p:sp>
+          <p:nvSpPr>
+            <p:cNvPr id="24" name="Ellipse 23"/>
+            <p:cNvSpPr/>
+            <p:nvPr/>
+          </p:nvSpPr>
+          <p:spPr>
+            <a:xfrm>
+              <a:off x="1115616" y="2492896"/>
+              <a:ext cx="288032" cy="288032"/>
+            </a:xfrm>
+            <a:prstGeom prst="ellipse">
+              <a:avLst/>
+            </a:prstGeom>
+          </p:spPr>
+          <p:style>
+            <a:lnRef idx="2">
+              <a:schemeClr val="dk1"/>
+            </a:lnRef>
+            <a:fillRef idx="1">
+              <a:schemeClr val="lt1"/>
+            </a:fillRef>
+            <a:effectRef idx="0">
+              <a:schemeClr val="dk1"/>
+            </a:effectRef>
+            <a:fontRef idx="minor">
+              <a:schemeClr val="dk1"/>
+            </a:fontRef>
+          </p:style>
+          <p:txBody>
+            <a:bodyPr rtlCol="0" anchor="ctr"/>
+            <a:lstStyle/>
+            <a:p>
+              <a:pPr algn="ctr"/>
+              <a:endParaRPr lang="fr-BE"/>
+            </a:p>
+          </p:txBody>
+        </p:sp>
+        <p:cxnSp>
+          <p:nvCxnSpPr>
+            <p:cNvPr id="35" name="Connecteur droit avec flèche 34"/>
+            <p:cNvCxnSpPr>
+              <a:stCxn id="24" idx="7"/>
+              <a:endCxn id="83" idx="1"/>
+            </p:cNvCxnSpPr>
+            <p:nvPr/>
+          </p:nvCxnSpPr>
+          <p:spPr>
+            <a:xfrm rot="5400000" flipH="1" flipV="1">
+              <a:off x="1730435" y="2166109"/>
+              <a:ext cx="1588" cy="737937"/>
+            </a:xfrm>
+            <a:prstGeom prst="curvedConnector3">
+              <a:avLst>
+                <a:gd name="adj1" fmla="val 10653593"/>
+              </a:avLst>
+            </a:prstGeom>
+            <a:ln>
+              <a:solidFill>
+                <a:schemeClr val="tx1"/>
+              </a:solidFill>
+              <a:tailEnd type="triangle" w="med" len="lg"/>
+            </a:ln>
+          </p:spPr>
+          <p:style>
+            <a:lnRef idx="1">
+              <a:schemeClr val="accent1"/>
+            </a:lnRef>
+            <a:fillRef idx="0">
+              <a:schemeClr val="accent1"/>
+            </a:fillRef>
+            <a:effectRef idx="0">
+              <a:schemeClr val="accent1"/>
+            </a:effectRef>
+            <a:fontRef idx="minor">
+              <a:schemeClr val="tx1"/>
+            </a:fontRef>
+          </p:style>
+        </p:cxnSp>
+        <p:sp>
+          <p:nvSpPr>
+            <p:cNvPr id="44" name="ZoneTexte 43"/>
+            <p:cNvSpPr txBox="1"/>
+            <p:nvPr/>
+          </p:nvSpPr>
+          <p:spPr>
+            <a:xfrm>
+              <a:off x="827584" y="2132856"/>
+              <a:ext cx="1234249" cy="307777"/>
+            </a:xfrm>
+            <a:prstGeom prst="rect">
+              <a:avLst/>
+            </a:prstGeom>
+            <a:noFill/>
+          </p:spPr>
+          <p:txBody>
+            <a:bodyPr wrap="none" rtlCol="0">
+              <a:spAutoFit/>
+            </a:bodyPr>
+            <a:lstStyle/>
+            <a:p>
+              <a:r>
+                <a:rPr lang="fr-BE" sz="1400" smtClean="0"/>
+                <a:t>alarm pressed</a:t>
+              </a:r>
+              <a:endParaRPr lang="fr-BE" sz="1400" baseline="-25000"/>
+            </a:p>
+          </p:txBody>
+        </p:sp>
+        <p:cxnSp>
+          <p:nvCxnSpPr>
+            <p:cNvPr id="69" name="Connecteur droit avec flèche 34"/>
+            <p:cNvCxnSpPr>
+              <a:stCxn id="84" idx="4"/>
+              <a:endCxn id="91" idx="0"/>
+            </p:cNvCxnSpPr>
+            <p:nvPr/>
+          </p:nvCxnSpPr>
+          <p:spPr>
+            <a:xfrm rot="16200000" flipH="1">
+              <a:off x="2951820" y="2456892"/>
+              <a:ext cx="792088" cy="432048"/>
+            </a:xfrm>
+            <a:prstGeom prst="curvedConnector3">
+              <a:avLst>
+                <a:gd name="adj1" fmla="val 50000"/>
+              </a:avLst>
+            </a:prstGeom>
+            <a:ln>
+              <a:solidFill>
+                <a:schemeClr val="tx1"/>
+              </a:solidFill>
+              <a:tailEnd type="triangle" w="med" len="lg"/>
+            </a:ln>
+          </p:spPr>
+          <p:style>
+            <a:lnRef idx="1">
+              <a:schemeClr val="accent1"/>
+            </a:lnRef>
+            <a:fillRef idx="0">
+              <a:schemeClr val="accent1"/>
+            </a:fillRef>
+            <a:effectRef idx="0">
+              <a:schemeClr val="accent1"/>
+            </a:effectRef>
+            <a:fontRef idx="minor">
+              <a:schemeClr val="tx1"/>
+            </a:fontRef>
+          </p:style>
+        </p:cxnSp>
+        <p:sp>
+          <p:nvSpPr>
+            <p:cNvPr id="72" name="ZoneTexte 71"/>
+            <p:cNvSpPr txBox="1"/>
+            <p:nvPr/>
+          </p:nvSpPr>
+          <p:spPr>
+            <a:xfrm>
+              <a:off x="3256806" y="2418730"/>
+              <a:ext cx="501548" cy="307777"/>
+            </a:xfrm>
+            <a:prstGeom prst="rect">
+              <a:avLst/>
+            </a:prstGeom>
+            <a:noFill/>
+          </p:spPr>
+          <p:txBody>
+            <a:bodyPr wrap="none" rtlCol="0">
+              <a:spAutoFit/>
+            </a:bodyPr>
+            <a:lstStyle/>
+            <a:p>
+              <a:r>
+                <a:rPr lang="fr-BE" sz="1400" smtClean="0"/>
+                <a:t>stop</a:t>
+              </a:r>
+              <a:endParaRPr lang="fr-BE" sz="1400" baseline="-25000"/>
+            </a:p>
+          </p:txBody>
+        </p:sp>
+        <p:sp>
+          <p:nvSpPr>
+            <p:cNvPr id="73" name="Ellipse 72"/>
+            <p:cNvSpPr/>
+            <p:nvPr/>
+          </p:nvSpPr>
+          <p:spPr>
+            <a:xfrm>
+              <a:off x="4427984" y="3068960"/>
+              <a:ext cx="288032" cy="288032"/>
+            </a:xfrm>
+            <a:prstGeom prst="ellipse">
+              <a:avLst/>
+            </a:prstGeom>
+          </p:spPr>
+          <p:style>
+            <a:lnRef idx="2">
+              <a:schemeClr val="dk1"/>
+            </a:lnRef>
+            <a:fillRef idx="1">
+              <a:schemeClr val="lt1"/>
+            </a:fillRef>
+            <a:effectRef idx="0">
+              <a:schemeClr val="dk1"/>
+            </a:effectRef>
+            <a:fontRef idx="minor">
+              <a:schemeClr val="dk1"/>
+            </a:fontRef>
+          </p:style>
+          <p:txBody>
+            <a:bodyPr rtlCol="0" anchor="ctr"/>
+            <a:lstStyle/>
+            <a:p>
+              <a:pPr algn="ctr"/>
+              <a:endParaRPr lang="fr-BE"/>
+            </a:p>
+          </p:txBody>
+        </p:sp>
+        <p:cxnSp>
+          <p:nvCxnSpPr>
+            <p:cNvPr id="74" name="Connecteur droit avec flèche 34"/>
+            <p:cNvCxnSpPr>
+              <a:stCxn id="91" idx="7"/>
+              <a:endCxn id="73" idx="1"/>
+            </p:cNvCxnSpPr>
+            <p:nvPr/>
+          </p:nvCxnSpPr>
+          <p:spPr>
+            <a:xfrm rot="5400000" flipH="1" flipV="1">
+              <a:off x="4067944" y="2708920"/>
+              <a:ext cx="1588" cy="804442"/>
+            </a:xfrm>
+            <a:prstGeom prst="curvedConnector3">
+              <a:avLst>
+                <a:gd name="adj1" fmla="val 7454725"/>
+              </a:avLst>
+            </a:prstGeom>
+            <a:ln>
+              <a:solidFill>
+                <a:schemeClr val="tx1"/>
+              </a:solidFill>
+              <a:tailEnd type="triangle" w="med" len="lg"/>
+            </a:ln>
+          </p:spPr>
+          <p:style>
+            <a:lnRef idx="1">
+              <a:schemeClr val="accent1"/>
+            </a:lnRef>
+            <a:fillRef idx="0">
+              <a:schemeClr val="accent1"/>
+            </a:fillRef>
+            <a:effectRef idx="0">
+              <a:schemeClr val="accent1"/>
+            </a:effectRef>
+            <a:fontRef idx="minor">
+              <a:schemeClr val="tx1"/>
+            </a:fontRef>
+          </p:style>
+        </p:cxnSp>
+        <p:sp>
+          <p:nvSpPr>
+            <p:cNvPr id="75" name="ZoneTexte 74"/>
+            <p:cNvSpPr txBox="1"/>
+            <p:nvPr/>
+          </p:nvSpPr>
+          <p:spPr>
+            <a:xfrm>
+              <a:off x="3632064" y="2748483"/>
+              <a:ext cx="1011944" cy="307777"/>
+            </a:xfrm>
+            <a:prstGeom prst="rect">
+              <a:avLst/>
+            </a:prstGeom>
+            <a:noFill/>
+          </p:spPr>
+          <p:txBody>
+            <a:bodyPr wrap="none" rtlCol="0">
+              <a:spAutoFit/>
+            </a:bodyPr>
+            <a:lstStyle/>
+            <a:p>
+              <a:r>
+                <a:rPr lang="fr-BE" sz="1400" smtClean="0"/>
+                <a:t>open doors</a:t>
+              </a:r>
+              <a:endParaRPr lang="fr-BE" sz="1400" baseline="-25000"/>
+            </a:p>
+          </p:txBody>
+        </p:sp>
+      </p:grpSp>
+    </p:spTree>
+  </p:cSld>
+  <p:clrMapOvr>
+    <a:masterClrMapping/>
+  </p:clrMapOvr>
+</p:sld>
+</file>
+
+<file path=ppt/slides/slide8.xml><?xml version="1.0" encoding="utf-8"?>
+<p:sld xmlns:a="http://schemas.openxmlformats.org/drawingml/2006/main" xmlns:r="http://schemas.openxmlformats.org/officeDocument/2006/relationships" xmlns:p="http://schemas.openxmlformats.org/presentationml/2006/main">
+  <p:cSld>
+    <p:spTree>
+      <p:nvGrpSpPr>
+        <p:cNvPr id="1" name=""/>
+        <p:cNvGrpSpPr/>
+        <p:nvPr/>
+      </p:nvGrpSpPr>
+      <p:grpSpPr>
+        <a:xfrm>
+          <a:off x="0" y="0"/>
+          <a:ext cx="0" cy="0"/>
+          <a:chOff x="0" y="0"/>
+          <a:chExt cx="0" cy="0"/>
+        </a:xfrm>
+      </p:grpSpPr>
+      <p:grpSp>
+        <p:nvGrpSpPr>
+          <p:cNvPr id="33" name="Groupe 32"/>
+          <p:cNvGrpSpPr/>
+          <p:nvPr/>
+        </p:nvGrpSpPr>
+        <p:grpSpPr>
+          <a:xfrm>
+            <a:off x="251520" y="188640"/>
+            <a:ext cx="5400599" cy="3672408"/>
+            <a:chOff x="971601" y="908720"/>
+            <a:chExt cx="5400599" cy="3672408"/>
+          </a:xfrm>
+        </p:grpSpPr>
+        <p:sp>
+          <p:nvSpPr>
+            <p:cNvPr id="9" name="Rectangle 8"/>
+            <p:cNvSpPr/>
+            <p:nvPr/>
+          </p:nvSpPr>
+          <p:spPr>
+            <a:xfrm>
+              <a:off x="1763688" y="1556792"/>
+              <a:ext cx="4353250" cy="2880320"/>
+            </a:xfrm>
+            <a:prstGeom prst="rect">
+              <a:avLst/>
+            </a:prstGeom>
+            <a:gradFill flip="none" rotWithShape="1">
+              <a:gsLst>
+                <a:gs pos="100000">
+                  <a:srgbClr val="00B050"/>
+                </a:gs>
+                <a:gs pos="0">
+                  <a:srgbClr val="FF0000"/>
+                </a:gs>
+              </a:gsLst>
+              <a:path path="circle">
+                <a:fillToRect l="100000" t="100000"/>
+              </a:path>
+              <a:tileRect r="-100000" b="-100000"/>
+            </a:gradFill>
+            <a:ln>
+              <a:noFill/>
+            </a:ln>
+          </p:spPr>
+          <p:style>
+            <a:lnRef idx="2">
+              <a:schemeClr val="accent1">
+                <a:shade val="50000"/>
+              </a:schemeClr>
+            </a:lnRef>
+            <a:fillRef idx="1">
+              <a:schemeClr val="accent1"/>
+            </a:fillRef>
+            <a:effectRef idx="0">
+              <a:schemeClr val="accent1"/>
+            </a:effectRef>
+            <a:fontRef idx="minor">
+              <a:schemeClr val="lt1"/>
+            </a:fontRef>
+          </p:style>
+          <p:txBody>
+            <a:bodyPr rtlCol="0" anchor="ctr"/>
+            <a:lstStyle/>
+            <a:p>
+              <a:pPr algn="ctr"/>
+              <a:endParaRPr lang="fr-BE"/>
+            </a:p>
+          </p:txBody>
+        </p:sp>
+        <p:cxnSp>
+          <p:nvCxnSpPr>
+            <p:cNvPr id="3" name="Connecteur droit avec flèche 2"/>
+            <p:cNvCxnSpPr/>
+            <p:nvPr/>
+          </p:nvCxnSpPr>
+          <p:spPr>
+            <a:xfrm>
+              <a:off x="1547664" y="1556792"/>
+              <a:ext cx="4824536" cy="1588"/>
+            </a:xfrm>
+            <a:prstGeom prst="straightConnector1">
+              <a:avLst/>
+            </a:prstGeom>
+            <a:ln>
+              <a:tailEnd type="arrow"/>
+            </a:ln>
+          </p:spPr>
+          <p:style>
+            <a:lnRef idx="3">
+              <a:schemeClr val="dk1"/>
+            </a:lnRef>
+            <a:fillRef idx="0">
+              <a:schemeClr val="dk1"/>
+            </a:fillRef>
+            <a:effectRef idx="2">
+              <a:schemeClr val="dk1"/>
+            </a:effectRef>
+            <a:fontRef idx="minor">
+              <a:schemeClr val="tx1"/>
+            </a:fontRef>
+          </p:style>
+        </p:cxnSp>
+        <p:cxnSp>
+          <p:nvCxnSpPr>
+            <p:cNvPr id="6" name="Connecteur droit avec flèche 5"/>
+            <p:cNvCxnSpPr/>
+            <p:nvPr/>
+          </p:nvCxnSpPr>
+          <p:spPr>
+            <a:xfrm rot="5400000">
+              <a:off x="147700" y="2956756"/>
+              <a:ext cx="3240360" cy="8384"/>
+            </a:xfrm>
+            <a:prstGeom prst="straightConnector1">
+              <a:avLst/>
+            </a:prstGeom>
+            <a:ln>
+              <a:tailEnd type="arrow"/>
+            </a:ln>
+          </p:spPr>
+          <p:style>
+            <a:lnRef idx="3">
+              <a:schemeClr val="dk1"/>
+            </a:lnRef>
+            <a:fillRef idx="0">
+              <a:schemeClr val="dk1"/>
+            </a:fillRef>
+            <a:effectRef idx="2">
+              <a:schemeClr val="dk1"/>
+            </a:effectRef>
+            <a:fontRef idx="minor">
+              <a:schemeClr val="tx1"/>
+            </a:fontRef>
+          </p:style>
+        </p:cxnSp>
+        <p:sp>
+          <p:nvSpPr>
+            <p:cNvPr id="10" name="ZoneTexte 9"/>
+            <p:cNvSpPr txBox="1"/>
+            <p:nvPr/>
+          </p:nvSpPr>
+          <p:spPr>
+            <a:xfrm>
+              <a:off x="2555776" y="908720"/>
+              <a:ext cx="3043764" cy="313350"/>
+            </a:xfrm>
+            <a:prstGeom prst="rect">
+              <a:avLst/>
+            </a:prstGeom>
+            <a:noFill/>
+          </p:spPr>
+          <p:txBody>
+            <a:bodyPr wrap="none" lIns="72000" tIns="0" rIns="72000" bIns="36000" rtlCol="0">
+              <a:spAutoFit/>
+            </a:bodyPr>
+            <a:lstStyle/>
+            <a:p>
+              <a:r>
+                <a:rPr lang="fr-BE" b="1" smtClean="0"/>
+                <a:t>sparsity of the training sample</a:t>
+              </a:r>
+              <a:endParaRPr lang="fr-BE" b="1"/>
+            </a:p>
+          </p:txBody>
+        </p:sp>
+        <p:sp>
+          <p:nvSpPr>
+            <p:cNvPr id="11" name="ZoneTexte 10"/>
+            <p:cNvSpPr txBox="1"/>
+            <p:nvPr/>
+          </p:nvSpPr>
+          <p:spPr>
+            <a:xfrm rot="16200000">
+              <a:off x="426371" y="2750094"/>
+              <a:ext cx="1440161" cy="349702"/>
+            </a:xfrm>
+            <a:prstGeom prst="rect">
+              <a:avLst/>
+            </a:prstGeom>
+            <a:noFill/>
+          </p:spPr>
+          <p:txBody>
+            <a:bodyPr wrap="square" lIns="72000" tIns="36000" rIns="72000" bIns="36000" rtlCol="0">
+              <a:spAutoFit/>
+            </a:bodyPr>
+            <a:lstStyle/>
+            <a:p>
+              <a:r>
+                <a:rPr lang="fr-BE" b="1" smtClean="0"/>
+                <a:t>alphabet  size</a:t>
+              </a:r>
+              <a:endParaRPr lang="fr-BE" b="1"/>
+            </a:p>
+          </p:txBody>
+        </p:sp>
+        <p:cxnSp>
+          <p:nvCxnSpPr>
+            <p:cNvPr id="12" name="Connecteur droit avec flèche 11"/>
+            <p:cNvCxnSpPr/>
+            <p:nvPr/>
+          </p:nvCxnSpPr>
+          <p:spPr>
+            <a:xfrm rot="5400000">
+              <a:off x="1336000" y="2969342"/>
+              <a:ext cx="3024000" cy="8384"/>
+            </a:xfrm>
+            <a:prstGeom prst="straightConnector1">
+              <a:avLst/>
+            </a:prstGeom>
+            <a:ln>
+              <a:tailEnd type="none"/>
+            </a:ln>
+          </p:spPr>
+          <p:style>
+            <a:lnRef idx="1">
+              <a:schemeClr val="dk1"/>
+            </a:lnRef>
+            <a:fillRef idx="0">
+              <a:schemeClr val="dk1"/>
+            </a:fillRef>
+            <a:effectRef idx="0">
+              <a:schemeClr val="dk1"/>
+            </a:effectRef>
+            <a:fontRef idx="minor">
+              <a:schemeClr val="tx1"/>
+            </a:fontRef>
+          </p:style>
+        </p:cxnSp>
+        <p:sp>
+          <p:nvSpPr>
+            <p:cNvPr id="13" name="ZoneTexte 12"/>
+            <p:cNvSpPr txBox="1"/>
+            <p:nvPr/>
+          </p:nvSpPr>
+          <p:spPr>
+            <a:xfrm>
+              <a:off x="2051720" y="1196752"/>
+              <a:ext cx="4075155" cy="369332"/>
+            </a:xfrm>
+            <a:prstGeom prst="rect">
+              <a:avLst/>
+            </a:prstGeom>
+            <a:noFill/>
+          </p:spPr>
+          <p:txBody>
+            <a:bodyPr wrap="none" rtlCol="0">
+              <a:spAutoFit/>
+            </a:bodyPr>
+            <a:lstStyle/>
+            <a:p>
+              <a:pPr>
+                <a:tabLst>
+                  <a:tab pos="1077913" algn="l"/>
+                  <a:tab pos="2154238" algn="l"/>
+                  <a:tab pos="3232150" algn="l"/>
+                </a:tabLst>
+              </a:pPr>
+              <a:r>
+                <a:rPr lang="fr-BE" smtClean="0"/>
+                <a:t>100%	50%	25%	12.5% </a:t>
+              </a:r>
+              <a:endParaRPr lang="fr-BE"/>
+            </a:p>
+          </p:txBody>
+        </p:sp>
+        <p:cxnSp>
+          <p:nvCxnSpPr>
+            <p:cNvPr id="16" name="Connecteur droit avec flèche 15"/>
+            <p:cNvCxnSpPr/>
+            <p:nvPr/>
+          </p:nvCxnSpPr>
+          <p:spPr>
+            <a:xfrm rot="5400000">
+              <a:off x="2443867" y="2969342"/>
+              <a:ext cx="3024000" cy="8384"/>
+            </a:xfrm>
+            <a:prstGeom prst="straightConnector1">
+              <a:avLst/>
+            </a:prstGeom>
+            <a:ln>
+              <a:tailEnd type="none"/>
+            </a:ln>
+          </p:spPr>
+          <p:style>
+            <a:lnRef idx="1">
+              <a:schemeClr val="dk1"/>
+            </a:lnRef>
+            <a:fillRef idx="0">
+              <a:schemeClr val="dk1"/>
+            </a:fillRef>
+            <a:effectRef idx="0">
+              <a:schemeClr val="dk1"/>
+            </a:effectRef>
+            <a:fontRef idx="minor">
+              <a:schemeClr val="tx1"/>
+            </a:fontRef>
+          </p:style>
+        </p:cxnSp>
+        <p:cxnSp>
+          <p:nvCxnSpPr>
+            <p:cNvPr id="17" name="Connecteur droit avec flèche 16"/>
+            <p:cNvCxnSpPr/>
+            <p:nvPr/>
+          </p:nvCxnSpPr>
+          <p:spPr>
+            <a:xfrm rot="5400000">
+              <a:off x="3568248" y="2969342"/>
+              <a:ext cx="3024000" cy="8384"/>
+            </a:xfrm>
+            <a:prstGeom prst="straightConnector1">
+              <a:avLst/>
+            </a:prstGeom>
+            <a:ln>
+              <a:tailEnd type="none"/>
+            </a:ln>
+          </p:spPr>
+          <p:style>
+            <a:lnRef idx="1">
+              <a:schemeClr val="dk1"/>
+            </a:lnRef>
+            <a:fillRef idx="0">
+              <a:schemeClr val="dk1"/>
+            </a:fillRef>
+            <a:effectRef idx="0">
+              <a:schemeClr val="dk1"/>
+            </a:effectRef>
+            <a:fontRef idx="minor">
+              <a:schemeClr val="tx1"/>
+            </a:fontRef>
+          </p:style>
+        </p:cxnSp>
+        <p:cxnSp>
+          <p:nvCxnSpPr>
+            <p:cNvPr id="21" name="Connecteur droit avec flèche 20"/>
+            <p:cNvCxnSpPr/>
+            <p:nvPr/>
+          </p:nvCxnSpPr>
+          <p:spPr>
+            <a:xfrm>
+              <a:off x="1691680" y="2131268"/>
+              <a:ext cx="4500000" cy="1588"/>
+            </a:xfrm>
+            <a:prstGeom prst="straightConnector1">
+              <a:avLst/>
+            </a:prstGeom>
+            <a:ln>
+              <a:tailEnd type="none"/>
+            </a:ln>
+          </p:spPr>
+          <p:style>
+            <a:lnRef idx="1">
+              <a:schemeClr val="dk1"/>
+            </a:lnRef>
+            <a:fillRef idx="0">
+              <a:schemeClr val="dk1"/>
+            </a:fillRef>
+            <a:effectRef idx="0">
+              <a:schemeClr val="dk1"/>
+            </a:effectRef>
+            <a:fontRef idx="minor">
+              <a:schemeClr val="tx1"/>
+            </a:fontRef>
+          </p:style>
+        </p:cxnSp>
+        <p:sp>
+          <p:nvSpPr>
+            <p:cNvPr id="25" name="ZoneTexte 24"/>
+            <p:cNvSpPr txBox="1"/>
+            <p:nvPr/>
+          </p:nvSpPr>
+          <p:spPr>
+            <a:xfrm>
+              <a:off x="1244134" y="1724055"/>
+              <a:ext cx="504056" cy="2585323"/>
+            </a:xfrm>
+            <a:prstGeom prst="rect">
+              <a:avLst/>
+            </a:prstGeom>
+            <a:noFill/>
+          </p:spPr>
+          <p:txBody>
+            <a:bodyPr wrap="square" rtlCol="0">
+              <a:spAutoFit/>
+            </a:bodyPr>
+            <a:lstStyle/>
+            <a:p>
+              <a:pPr algn="r">
+                <a:tabLst>
+                  <a:tab pos="1077913" algn="l"/>
+                  <a:tab pos="2154238" algn="l"/>
+                  <a:tab pos="3232150" algn="l"/>
+                </a:tabLst>
+              </a:pPr>
+              <a:r>
+                <a:rPr lang="fr-BE" smtClean="0"/>
+                <a:t>2</a:t>
+              </a:r>
+            </a:p>
+            <a:p>
+              <a:pPr algn="r">
+                <a:tabLst>
+                  <a:tab pos="1077913" algn="l"/>
+                  <a:tab pos="2154238" algn="l"/>
+                  <a:tab pos="3232150" algn="l"/>
+                </a:tabLst>
+              </a:pPr>
+              <a:endParaRPr lang="fr-BE" smtClean="0"/>
+            </a:p>
+            <a:p>
+              <a:pPr algn="r">
+                <a:tabLst>
+                  <a:tab pos="1077913" algn="l"/>
+                  <a:tab pos="2154238" algn="l"/>
+                  <a:tab pos="3232150" algn="l"/>
+                </a:tabLst>
+              </a:pPr>
+              <a:r>
+                <a:rPr lang="fr-BE" smtClean="0"/>
+                <a:t>5</a:t>
+              </a:r>
+            </a:p>
+            <a:p>
+              <a:pPr algn="r">
+                <a:tabLst>
+                  <a:tab pos="1077913" algn="l"/>
+                  <a:tab pos="2154238" algn="l"/>
+                  <a:tab pos="3232150" algn="l"/>
+                </a:tabLst>
+              </a:pPr>
+              <a:endParaRPr lang="fr-BE" smtClean="0"/>
+            </a:p>
+            <a:p>
+              <a:pPr algn="r">
+                <a:tabLst>
+                  <a:tab pos="1077913" algn="l"/>
+                  <a:tab pos="2154238" algn="l"/>
+                  <a:tab pos="3232150" algn="l"/>
+                </a:tabLst>
+              </a:pPr>
+              <a:r>
+                <a:rPr lang="fr-BE" smtClean="0"/>
+                <a:t>10</a:t>
+              </a:r>
+            </a:p>
+            <a:p>
+              <a:pPr algn="r">
+                <a:tabLst>
+                  <a:tab pos="1077913" algn="l"/>
+                  <a:tab pos="2154238" algn="l"/>
+                  <a:tab pos="3232150" algn="l"/>
+                </a:tabLst>
+              </a:pPr>
+              <a:endParaRPr lang="fr-BE" smtClean="0"/>
+            </a:p>
+            <a:p>
+              <a:pPr algn="r">
+                <a:tabLst>
+                  <a:tab pos="1077913" algn="l"/>
+                  <a:tab pos="2154238" algn="l"/>
+                  <a:tab pos="3232150" algn="l"/>
+                </a:tabLst>
+              </a:pPr>
+              <a:r>
+                <a:rPr lang="fr-BE" smtClean="0"/>
+                <a:t>20</a:t>
+              </a:r>
+            </a:p>
+            <a:p>
+              <a:pPr algn="r">
+                <a:tabLst>
+                  <a:tab pos="1077913" algn="l"/>
+                  <a:tab pos="2154238" algn="l"/>
+                  <a:tab pos="3232150" algn="l"/>
+                </a:tabLst>
+              </a:pPr>
+              <a:endParaRPr lang="fr-BE" smtClean="0"/>
+            </a:p>
+            <a:p>
+              <a:pPr algn="r">
+                <a:tabLst>
+                  <a:tab pos="1077913" algn="l"/>
+                  <a:tab pos="2154238" algn="l"/>
+                  <a:tab pos="3232150" algn="l"/>
+                </a:tabLst>
+              </a:pPr>
+              <a:r>
+                <a:rPr lang="fr-BE" smtClean="0"/>
+                <a:t>50</a:t>
+              </a:r>
+              <a:endParaRPr lang="fr-BE"/>
+            </a:p>
+          </p:txBody>
+        </p:sp>
+        <p:cxnSp>
+          <p:nvCxnSpPr>
+            <p:cNvPr id="26" name="Connecteur droit avec flèche 25"/>
+            <p:cNvCxnSpPr/>
+            <p:nvPr/>
+          </p:nvCxnSpPr>
+          <p:spPr>
+            <a:xfrm>
+              <a:off x="1691680" y="2707332"/>
+              <a:ext cx="4500000" cy="1588"/>
+            </a:xfrm>
+            <a:prstGeom prst="straightConnector1">
+              <a:avLst/>
+            </a:prstGeom>
+            <a:ln>
+              <a:tailEnd type="none"/>
+            </a:ln>
+          </p:spPr>
+          <p:style>
+            <a:lnRef idx="1">
+              <a:schemeClr val="dk1"/>
+            </a:lnRef>
+            <a:fillRef idx="0">
+              <a:schemeClr val="dk1"/>
+            </a:fillRef>
+            <a:effectRef idx="0">
+              <a:schemeClr val="dk1"/>
+            </a:effectRef>
+            <a:fontRef idx="minor">
+              <a:schemeClr val="tx1"/>
+            </a:fontRef>
+          </p:style>
+        </p:cxnSp>
+        <p:cxnSp>
+          <p:nvCxnSpPr>
+            <p:cNvPr id="27" name="Connecteur droit avec flèche 26"/>
+            <p:cNvCxnSpPr/>
+            <p:nvPr/>
+          </p:nvCxnSpPr>
+          <p:spPr>
+            <a:xfrm>
+              <a:off x="1691680" y="3283396"/>
+              <a:ext cx="4500000" cy="1588"/>
+            </a:xfrm>
+            <a:prstGeom prst="straightConnector1">
+              <a:avLst/>
+            </a:prstGeom>
+            <a:ln>
+              <a:tailEnd type="none"/>
+            </a:ln>
+          </p:spPr>
+          <p:style>
+            <a:lnRef idx="1">
+              <a:schemeClr val="dk1"/>
+            </a:lnRef>
+            <a:fillRef idx="0">
+              <a:schemeClr val="dk1"/>
+            </a:fillRef>
+            <a:effectRef idx="0">
+              <a:schemeClr val="dk1"/>
+            </a:effectRef>
+            <a:fontRef idx="minor">
+              <a:schemeClr val="tx1"/>
+            </a:fontRef>
+          </p:style>
+        </p:cxnSp>
+        <p:cxnSp>
+          <p:nvCxnSpPr>
+            <p:cNvPr id="28" name="Connecteur droit avec flèche 27"/>
+            <p:cNvCxnSpPr/>
+            <p:nvPr/>
+          </p:nvCxnSpPr>
+          <p:spPr>
+            <a:xfrm>
+              <a:off x="1691680" y="3859460"/>
+              <a:ext cx="4500000" cy="1588"/>
+            </a:xfrm>
+            <a:prstGeom prst="straightConnector1">
+              <a:avLst/>
+            </a:prstGeom>
+            <a:ln>
+              <a:tailEnd type="none"/>
+            </a:ln>
+          </p:spPr>
+          <p:style>
+            <a:lnRef idx="1">
+              <a:schemeClr val="dk1"/>
+            </a:lnRef>
+            <a:fillRef idx="0">
+              <a:schemeClr val="dk1"/>
+            </a:fillRef>
+            <a:effectRef idx="0">
+              <a:schemeClr val="dk1"/>
+            </a:effectRef>
+            <a:fontRef idx="minor">
+              <a:schemeClr val="tx1"/>
+            </a:fontRef>
+          </p:style>
+        </p:cxnSp>
+        <p:sp>
+          <p:nvSpPr>
+            <p:cNvPr id="31" name="ZoneTexte 30"/>
+            <p:cNvSpPr txBox="1"/>
+            <p:nvPr/>
+          </p:nvSpPr>
+          <p:spPr>
+            <a:xfrm>
+              <a:off x="1763688" y="1662063"/>
+              <a:ext cx="4392488" cy="400110"/>
+            </a:xfrm>
+            <a:prstGeom prst="rect">
+              <a:avLst/>
+            </a:prstGeom>
+            <a:noFill/>
+          </p:spPr>
+          <p:txBody>
+            <a:bodyPr wrap="square" rtlCol="0">
+              <a:spAutoFit/>
+            </a:bodyPr>
+            <a:lstStyle/>
+            <a:p>
+              <a:pPr>
+                <a:tabLst>
+                  <a:tab pos="465138" algn="ctr"/>
+                  <a:tab pos="1549400" algn="ctr"/>
+                  <a:tab pos="2649538" algn="ctr"/>
+                  <a:tab pos="3719513" algn="ctr"/>
+                </a:tabLst>
+              </a:pPr>
+              <a:r>
+                <a:rPr lang="fr-BE" sz="2000" b="1" smtClean="0">
+                  <a:solidFill>
+                    <a:schemeClr val="bg1"/>
+                  </a:solidFill>
+                </a:rPr>
+                <a:t>	1-5	6-10	...	...</a:t>
+              </a:r>
+              <a:endParaRPr lang="fr-BE" sz="2000" b="1">
+                <a:solidFill>
+                  <a:schemeClr val="bg1"/>
+                </a:solidFill>
+              </a:endParaRPr>
+            </a:p>
+          </p:txBody>
+        </p:sp>
+        <p:sp>
+          <p:nvSpPr>
+            <p:cNvPr id="32" name="ZoneTexte 31"/>
+            <p:cNvSpPr txBox="1"/>
+            <p:nvPr/>
+          </p:nvSpPr>
+          <p:spPr>
+            <a:xfrm>
+              <a:off x="5155813" y="3964994"/>
+              <a:ext cx="927720" cy="400110"/>
+            </a:xfrm>
+            <a:prstGeom prst="rect">
+              <a:avLst/>
+            </a:prstGeom>
+            <a:noFill/>
+          </p:spPr>
+          <p:txBody>
+            <a:bodyPr wrap="square" rtlCol="0">
+              <a:spAutoFit/>
+            </a:bodyPr>
+            <a:lstStyle/>
+            <a:p>
+              <a:pPr>
+                <a:tabLst>
+                  <a:tab pos="465138" algn="ctr"/>
+                  <a:tab pos="1549400" algn="ctr"/>
+                  <a:tab pos="2649538" algn="ctr"/>
+                  <a:tab pos="3719513" algn="ctr"/>
+                </a:tabLst>
+              </a:pPr>
+              <a:r>
+                <a:rPr lang="fr-BE" sz="2000" b="1" smtClean="0">
+                  <a:solidFill>
+                    <a:schemeClr val="bg1"/>
+                  </a:solidFill>
+                </a:rPr>
+                <a:t>96-100</a:t>
+              </a:r>
+              <a:endParaRPr lang="fr-BE" sz="2000" b="1">
+                <a:solidFill>
+                  <a:schemeClr val="bg1"/>
+                </a:solidFill>
+              </a:endParaRPr>
+            </a:p>
+          </p:txBody>
+        </p:sp>
+      </p:grpSp>
+    </p:spTree>
+  </p:cSld>
+  <p:clrMapOvr>
+    <a:masterClrMapping/>
+  </p:clrMapOvr>
+</p:sld>
+</file>
+
+<file path=ppt/slides/slide9.xml><?xml version="1.0" encoding="utf-8"?>
+<p:sld xmlns:a="http://schemas.openxmlformats.org/drawingml/2006/main" xmlns:r="http://schemas.openxmlformats.org/officeDocument/2006/relationships" xmlns:p="http://schemas.openxmlformats.org/presentationml/2006/main">
+  <p:cSld>
+    <p:spTree>
+      <p:nvGrpSpPr>
+        <p:cNvPr id="1" name=""/>
+        <p:cNvGrpSpPr/>
+        <p:nvPr/>
+      </p:nvGrpSpPr>
+      <p:grpSpPr>
+        <a:xfrm>
+          <a:off x="0" y="0"/>
+          <a:ext cx="0" cy="0"/>
+          <a:chOff x="0" y="0"/>
+          <a:chExt cx="0" cy="0"/>
+        </a:xfrm>
+      </p:grpSpPr>
+      <p:sp>
+        <p:nvSpPr>
+          <p:cNvPr id="20" name="Rectangle 19"/>
+          <p:cNvSpPr/>
+          <p:nvPr/>
+        </p:nvSpPr>
+        <p:spPr>
+          <a:xfrm>
+            <a:off x="2131492" y="849412"/>
+            <a:ext cx="1106264" cy="2312888"/>
+          </a:xfrm>
+          <a:prstGeom prst="rect">
+            <a:avLst/>
+          </a:prstGeom>
+          <a:solidFill>
+            <a:srgbClr val="FFC000"/>
+          </a:solidFill>
+          <a:ln>
+            <a:noFill/>
+          </a:ln>
+        </p:spPr>
+        <p:style>
+          <a:lnRef idx="2">
+            <a:schemeClr val="accent1">
+              <a:shade val="50000"/>
+            </a:schemeClr>
+          </a:lnRef>
+          <a:fillRef idx="1">
+            <a:schemeClr val="accent1"/>
+          </a:fillRef>
+          <a:effectRef idx="0">
+            <a:schemeClr val="accent1"/>
+          </a:effectRef>
+          <a:fontRef idx="minor">
+            <a:schemeClr val="lt1"/>
+          </a:fontRef>
+        </p:style>
+        <p:txBody>
+          <a:bodyPr rtlCol="0" anchor="ctr"/>
+          <a:lstStyle/>
+          <a:p>
+            <a:pPr algn="ctr"/>
+            <a:endParaRPr lang="fr-BE"/>
+          </a:p>
+        </p:txBody>
+      </p:sp>
+      <p:sp>
+        <p:nvSpPr>
+          <p:cNvPr id="19" name="Rectangle 18"/>
+          <p:cNvSpPr/>
+          <p:nvPr/>
+        </p:nvSpPr>
+        <p:spPr>
+          <a:xfrm>
+            <a:off x="2132236" y="3140968"/>
+            <a:ext cx="1106264" cy="554732"/>
+          </a:xfrm>
+          <a:prstGeom prst="rect">
+            <a:avLst/>
+          </a:prstGeom>
+          <a:solidFill>
+            <a:srgbClr val="00B050"/>
+          </a:solidFill>
+          <a:ln>
+            <a:noFill/>
+          </a:ln>
+        </p:spPr>
+        <p:style>
+          <a:lnRef idx="2">
+            <a:schemeClr val="accent1">
+              <a:shade val="50000"/>
+            </a:schemeClr>
+          </a:lnRef>
+          <a:fillRef idx="1">
+            <a:schemeClr val="accent1"/>
+          </a:fillRef>
+          <a:effectRef idx="0">
+            <a:schemeClr val="accent1"/>
+          </a:effectRef>
+          <a:fontRef idx="minor">
+            <a:schemeClr val="lt1"/>
+          </a:fontRef>
+        </p:style>
+        <p:txBody>
+          <a:bodyPr rtlCol="0" anchor="ctr"/>
+          <a:lstStyle/>
+          <a:p>
+            <a:pPr algn="ctr"/>
+            <a:endParaRPr lang="fr-BE"/>
+          </a:p>
+        </p:txBody>
+      </p:sp>
+      <p:sp>
+        <p:nvSpPr>
+          <p:cNvPr id="9" name="Rectangle 8"/>
+          <p:cNvSpPr/>
+          <p:nvPr/>
+        </p:nvSpPr>
+        <p:spPr>
+          <a:xfrm>
+            <a:off x="1051356" y="844461"/>
+            <a:ext cx="1080121" cy="2851239"/>
+          </a:xfrm>
+          <a:prstGeom prst="rect">
+            <a:avLst/>
+          </a:prstGeom>
+          <a:solidFill>
+            <a:srgbClr val="00B050"/>
+          </a:solidFill>
+          <a:ln>
+            <a:noFill/>
+          </a:ln>
+        </p:spPr>
+        <p:style>
+          <a:lnRef idx="2">
+            <a:schemeClr val="accent1">
+              <a:shade val="50000"/>
+            </a:schemeClr>
+          </a:lnRef>
+          <a:fillRef idx="1">
+            <a:schemeClr val="accent1"/>
+          </a:fillRef>
+          <a:effectRef idx="0">
+            <a:schemeClr val="accent1"/>
+          </a:effectRef>
+          <a:fontRef idx="minor">
+            <a:schemeClr val="lt1"/>
+          </a:fontRef>
+        </p:style>
+        <p:txBody>
+          <a:bodyPr rtlCol="0" anchor="ctr"/>
+          <a:lstStyle/>
+          <a:p>
+            <a:pPr algn="ctr"/>
+            <a:endParaRPr lang="fr-BE"/>
+          </a:p>
+        </p:txBody>
+      </p:sp>
+      <p:cxnSp>
+        <p:nvCxnSpPr>
+          <p:cNvPr id="3" name="Connecteur droit avec flèche 2"/>
+          <p:cNvCxnSpPr/>
+          <p:nvPr/>
+        </p:nvCxnSpPr>
+        <p:spPr>
+          <a:xfrm>
+            <a:off x="827583" y="844461"/>
+            <a:ext cx="4824536" cy="1588"/>
+          </a:xfrm>
+          <a:prstGeom prst="straightConnector1">
+            <a:avLst/>
+          </a:prstGeom>
+          <a:ln>
+            <a:tailEnd type="arrow"/>
+          </a:ln>
+        </p:spPr>
+        <p:style>
+          <a:lnRef idx="3">
+            <a:schemeClr val="dk1"/>
+          </a:lnRef>
+          <a:fillRef idx="0">
+            <a:schemeClr val="dk1"/>
+          </a:fillRef>
+          <a:effectRef idx="2">
+            <a:schemeClr val="dk1"/>
+          </a:effectRef>
+          <a:fontRef idx="minor">
+            <a:schemeClr val="tx1"/>
+          </a:fontRef>
+        </p:style>
+      </p:cxnSp>
+      <p:cxnSp>
+        <p:nvCxnSpPr>
+          <p:cNvPr id="6" name="Connecteur droit avec flèche 5"/>
+          <p:cNvCxnSpPr/>
+          <p:nvPr/>
+        </p:nvCxnSpPr>
+        <p:spPr>
+          <a:xfrm rot="5400000">
+            <a:off x="-572381" y="2244425"/>
+            <a:ext cx="3240360" cy="8384"/>
+          </a:xfrm>
+          <a:prstGeom prst="straightConnector1">
+            <a:avLst/>
+          </a:prstGeom>
+          <a:ln>
+            <a:tailEnd type="arrow"/>
+          </a:ln>
+        </p:spPr>
+        <p:style>
+          <a:lnRef idx="3">
+            <a:schemeClr val="dk1"/>
+          </a:lnRef>
+          <a:fillRef idx="0">
+            <a:schemeClr val="dk1"/>
+          </a:fillRef>
+          <a:effectRef idx="2">
+            <a:schemeClr val="dk1"/>
+          </a:effectRef>
+          <a:fontRef idx="minor">
+            <a:schemeClr val="tx1"/>
+          </a:fontRef>
+        </p:style>
+      </p:cxnSp>
+      <p:sp>
+        <p:nvSpPr>
+          <p:cNvPr id="10" name="ZoneTexte 9"/>
+          <p:cNvSpPr txBox="1"/>
+          <p:nvPr/>
+        </p:nvSpPr>
+        <p:spPr>
+          <a:xfrm>
+            <a:off x="1835695" y="196389"/>
+            <a:ext cx="3043764" cy="313350"/>
+          </a:xfrm>
+          <a:prstGeom prst="rect">
+            <a:avLst/>
+          </a:prstGeom>
+          <a:noFill/>
+        </p:spPr>
+        <p:txBody>
+          <a:bodyPr wrap="none" lIns="72000" tIns="0" rIns="72000" bIns="36000" rtlCol="0">
+            <a:spAutoFit/>
+          </a:bodyPr>
+          <a:lstStyle/>
+          <a:p>
+            <a:r>
+              <a:rPr lang="fr-BE" b="1" smtClean="0"/>
+              <a:t>sparsity of the training sample</a:t>
+            </a:r>
+            <a:endParaRPr lang="fr-BE" b="1"/>
+          </a:p>
+        </p:txBody>
+      </p:sp>
+      <p:sp>
+        <p:nvSpPr>
+          <p:cNvPr id="11" name="ZoneTexte 10"/>
+          <p:cNvSpPr txBox="1"/>
+          <p:nvPr/>
+        </p:nvSpPr>
+        <p:spPr>
+          <a:xfrm rot="16200000">
+            <a:off x="-293710" y="2037763"/>
+            <a:ext cx="1440161" cy="349702"/>
+          </a:xfrm>
+          <a:prstGeom prst="rect">
+            <a:avLst/>
+          </a:prstGeom>
+          <a:noFill/>
+        </p:spPr>
+        <p:txBody>
+          <a:bodyPr wrap="square" lIns="72000" tIns="36000" rIns="72000" bIns="36000" rtlCol="0">
+            <a:spAutoFit/>
+          </a:bodyPr>
+          <a:lstStyle/>
+          <a:p>
+            <a:r>
+              <a:rPr lang="fr-BE" b="1" smtClean="0"/>
+              <a:t>alphabet  size</a:t>
+            </a:r>
+            <a:endParaRPr lang="fr-BE" b="1"/>
+          </a:p>
+        </p:txBody>
+      </p:sp>
+      <p:cxnSp>
+        <p:nvCxnSpPr>
+          <p:cNvPr id="12" name="Connecteur droit avec flèche 11"/>
+          <p:cNvCxnSpPr/>
+          <p:nvPr/>
+        </p:nvCxnSpPr>
+        <p:spPr>
+          <a:xfrm rot="5400000">
+            <a:off x="615919" y="2257011"/>
+            <a:ext cx="3024000" cy="8384"/>
+          </a:xfrm>
+          <a:prstGeom prst="straightConnector1">
+            <a:avLst/>
+          </a:prstGeom>
+          <a:ln>
+            <a:tailEnd type="none"/>
+          </a:ln>
+        </p:spPr>
+        <p:style>
+          <a:lnRef idx="1">
+            <a:schemeClr val="dk1"/>
+          </a:lnRef>
+          <a:fillRef idx="0">
+            <a:schemeClr val="dk1"/>
+          </a:fillRef>
+          <a:effectRef idx="0">
+            <a:schemeClr val="dk1"/>
+          </a:effectRef>
+          <a:fontRef idx="minor">
+            <a:schemeClr val="tx1"/>
+          </a:fontRef>
+        </p:style>
+      </p:cxnSp>
+      <p:sp>
+        <p:nvSpPr>
+          <p:cNvPr id="13" name="ZoneTexte 12"/>
+          <p:cNvSpPr txBox="1"/>
+          <p:nvPr/>
+        </p:nvSpPr>
+        <p:spPr>
+          <a:xfrm>
+            <a:off x="1331639" y="484421"/>
+            <a:ext cx="4075155" cy="369332"/>
+          </a:xfrm>
+          <a:prstGeom prst="rect">
+            <a:avLst/>
+          </a:prstGeom>
+          <a:noFill/>
+        </p:spPr>
+        <p:txBody>
+          <a:bodyPr wrap="none" rtlCol="0">
+            <a:spAutoFit/>
+          </a:bodyPr>
+          <a:lstStyle/>
+          <a:p>
+            <a:pPr>
+              <a:tabLst>
+                <a:tab pos="1077913" algn="l"/>
+                <a:tab pos="2154238" algn="l"/>
+                <a:tab pos="3232150" algn="l"/>
+              </a:tabLst>
+            </a:pPr>
+            <a:r>
+              <a:rPr lang="fr-BE" smtClean="0"/>
+              <a:t>100%	50%	25%	12.5% </a:t>
+            </a:r>
+            <a:endParaRPr lang="fr-BE"/>
+          </a:p>
+        </p:txBody>
+      </p:sp>
+      <p:cxnSp>
+        <p:nvCxnSpPr>
+          <p:cNvPr id="16" name="Connecteur droit avec flèche 15"/>
+          <p:cNvCxnSpPr/>
+          <p:nvPr/>
+        </p:nvCxnSpPr>
+        <p:spPr>
+          <a:xfrm rot="5400000">
+            <a:off x="1723786" y="2257011"/>
+            <a:ext cx="3024000" cy="8384"/>
+          </a:xfrm>
+          <a:prstGeom prst="straightConnector1">
+            <a:avLst/>
+          </a:prstGeom>
+          <a:ln>
+            <a:tailEnd type="none"/>
+          </a:ln>
+        </p:spPr>
+        <p:style>
+          <a:lnRef idx="1">
+            <a:schemeClr val="dk1"/>
+          </a:lnRef>
+          <a:fillRef idx="0">
+            <a:schemeClr val="dk1"/>
+          </a:fillRef>
+          <a:effectRef idx="0">
+            <a:schemeClr val="dk1"/>
+          </a:effectRef>
+          <a:fontRef idx="minor">
+            <a:schemeClr val="tx1"/>
+          </a:fontRef>
+        </p:style>
+      </p:cxnSp>
+      <p:cxnSp>
+        <p:nvCxnSpPr>
+          <p:cNvPr id="17" name="Connecteur droit avec flèche 16"/>
+          <p:cNvCxnSpPr/>
+          <p:nvPr/>
+        </p:nvCxnSpPr>
+        <p:spPr>
+          <a:xfrm rot="5400000">
+            <a:off x="2848167" y="2257011"/>
+            <a:ext cx="3024000" cy="8384"/>
+          </a:xfrm>
+          <a:prstGeom prst="straightConnector1">
+            <a:avLst/>
+          </a:prstGeom>
+          <a:ln>
+            <a:tailEnd type="none"/>
+          </a:ln>
+        </p:spPr>
+        <p:style>
+          <a:lnRef idx="1">
+            <a:schemeClr val="dk1"/>
+          </a:lnRef>
+          <a:fillRef idx="0">
+            <a:schemeClr val="dk1"/>
+          </a:fillRef>
+          <a:effectRef idx="0">
+            <a:schemeClr val="dk1"/>
+          </a:effectRef>
+          <a:fontRef idx="minor">
+            <a:schemeClr val="tx1"/>
+          </a:fontRef>
+        </p:style>
+      </p:cxnSp>
+      <p:cxnSp>
+        <p:nvCxnSpPr>
+          <p:cNvPr id="21" name="Connecteur droit avec flèche 20"/>
+          <p:cNvCxnSpPr/>
+          <p:nvPr/>
+        </p:nvCxnSpPr>
+        <p:spPr>
+          <a:xfrm>
+            <a:off x="971599" y="1418937"/>
+            <a:ext cx="4500000" cy="1588"/>
+          </a:xfrm>
+          <a:prstGeom prst="straightConnector1">
+            <a:avLst/>
+          </a:prstGeom>
+          <a:ln>
+            <a:tailEnd type="none"/>
+          </a:ln>
+        </p:spPr>
+        <p:style>
+          <a:lnRef idx="1">
+            <a:schemeClr val="dk1"/>
+          </a:lnRef>
+          <a:fillRef idx="0">
+            <a:schemeClr val="dk1"/>
+          </a:fillRef>
+          <a:effectRef idx="0">
+            <a:schemeClr val="dk1"/>
+          </a:effectRef>
+          <a:fontRef idx="minor">
+            <a:schemeClr val="tx1"/>
+          </a:fontRef>
+        </p:style>
+      </p:cxnSp>
+      <p:sp>
+        <p:nvSpPr>
+          <p:cNvPr id="25" name="ZoneTexte 24"/>
+          <p:cNvSpPr txBox="1"/>
+          <p:nvPr/>
+        </p:nvSpPr>
+        <p:spPr>
+          <a:xfrm>
+            <a:off x="524053" y="1011724"/>
+            <a:ext cx="504056" cy="2585323"/>
+          </a:xfrm>
+          <a:prstGeom prst="rect">
+            <a:avLst/>
+          </a:prstGeom>
+          <a:noFill/>
+        </p:spPr>
+        <p:txBody>
+          <a:bodyPr wrap="square" rtlCol="0">
+            <a:spAutoFit/>
+          </a:bodyPr>
+          <a:lstStyle/>
+          <a:p>
+            <a:pPr algn="r">
+              <a:tabLst>
+                <a:tab pos="1077913" algn="l"/>
+                <a:tab pos="2154238" algn="l"/>
+                <a:tab pos="3232150" algn="l"/>
+              </a:tabLst>
+            </a:pPr>
+            <a:r>
+              <a:rPr lang="fr-BE" smtClean="0"/>
+              <a:t>2</a:t>
+            </a:r>
+          </a:p>
+          <a:p>
+            <a:pPr algn="r">
+              <a:tabLst>
+                <a:tab pos="1077913" algn="l"/>
+                <a:tab pos="2154238" algn="l"/>
+                <a:tab pos="3232150" algn="l"/>
+              </a:tabLst>
+            </a:pPr>
+            <a:endParaRPr lang="fr-BE" smtClean="0"/>
+          </a:p>
+          <a:p>
+            <a:pPr algn="r">
+              <a:tabLst>
+                <a:tab pos="1077913" algn="l"/>
+                <a:tab pos="2154238" algn="l"/>
+                <a:tab pos="3232150" algn="l"/>
+              </a:tabLst>
+            </a:pPr>
+            <a:r>
+              <a:rPr lang="fr-BE" smtClean="0"/>
+              <a:t>5</a:t>
+            </a:r>
+          </a:p>
+          <a:p>
+            <a:pPr algn="r">
+              <a:tabLst>
+                <a:tab pos="1077913" algn="l"/>
+                <a:tab pos="2154238" algn="l"/>
+                <a:tab pos="3232150" algn="l"/>
+              </a:tabLst>
+            </a:pPr>
+            <a:endParaRPr lang="fr-BE" smtClean="0"/>
+          </a:p>
+          <a:p>
+            <a:pPr algn="r">
+              <a:tabLst>
+                <a:tab pos="1077913" algn="l"/>
+                <a:tab pos="2154238" algn="l"/>
+                <a:tab pos="3232150" algn="l"/>
+              </a:tabLst>
+            </a:pPr>
+            <a:r>
+              <a:rPr lang="fr-BE" smtClean="0"/>
+              <a:t>10</a:t>
+            </a:r>
+          </a:p>
+          <a:p>
+            <a:pPr algn="r">
+              <a:tabLst>
+                <a:tab pos="1077913" algn="l"/>
+                <a:tab pos="2154238" algn="l"/>
+                <a:tab pos="3232150" algn="l"/>
+              </a:tabLst>
+            </a:pPr>
+            <a:endParaRPr lang="fr-BE" smtClean="0"/>
+          </a:p>
+          <a:p>
+            <a:pPr algn="r">
+              <a:tabLst>
+                <a:tab pos="1077913" algn="l"/>
+                <a:tab pos="2154238" algn="l"/>
+                <a:tab pos="3232150" algn="l"/>
+              </a:tabLst>
+            </a:pPr>
+            <a:r>
+              <a:rPr lang="fr-BE" smtClean="0"/>
+              <a:t>20</a:t>
+            </a:r>
+          </a:p>
+          <a:p>
+            <a:pPr algn="r">
+              <a:tabLst>
+                <a:tab pos="1077913" algn="l"/>
+                <a:tab pos="2154238" algn="l"/>
+                <a:tab pos="3232150" algn="l"/>
+              </a:tabLst>
+            </a:pPr>
+            <a:endParaRPr lang="fr-BE" smtClean="0"/>
+          </a:p>
+          <a:p>
+            <a:pPr algn="r">
+              <a:tabLst>
+                <a:tab pos="1077913" algn="l"/>
+                <a:tab pos="2154238" algn="l"/>
+                <a:tab pos="3232150" algn="l"/>
+              </a:tabLst>
+            </a:pPr>
+            <a:r>
+              <a:rPr lang="fr-BE" smtClean="0"/>
+              <a:t>50</a:t>
+            </a:r>
+            <a:endParaRPr lang="fr-BE"/>
+          </a:p>
+        </p:txBody>
+      </p:sp>
+      <p:cxnSp>
+        <p:nvCxnSpPr>
+          <p:cNvPr id="26" name="Connecteur droit avec flèche 25"/>
+          <p:cNvCxnSpPr/>
+          <p:nvPr/>
+        </p:nvCxnSpPr>
+        <p:spPr>
+          <a:xfrm>
+            <a:off x="971599" y="1995001"/>
+            <a:ext cx="4500000" cy="1588"/>
+          </a:xfrm>
+          <a:prstGeom prst="straightConnector1">
+            <a:avLst/>
+          </a:prstGeom>
+          <a:ln>
+            <a:tailEnd type="none"/>
+          </a:ln>
+        </p:spPr>
+        <p:style>
+          <a:lnRef idx="1">
+            <a:schemeClr val="dk1"/>
+          </a:lnRef>
+          <a:fillRef idx="0">
+            <a:schemeClr val="dk1"/>
+          </a:fillRef>
+          <a:effectRef idx="0">
+            <a:schemeClr val="dk1"/>
+          </a:effectRef>
+          <a:fontRef idx="minor">
+            <a:schemeClr val="tx1"/>
+          </a:fontRef>
+        </p:style>
+      </p:cxnSp>
+      <p:cxnSp>
+        <p:nvCxnSpPr>
+          <p:cNvPr id="27" name="Connecteur droit avec flèche 26"/>
+          <p:cNvCxnSpPr/>
+          <p:nvPr/>
+        </p:nvCxnSpPr>
+        <p:spPr>
+          <a:xfrm>
+            <a:off x="971599" y="2571065"/>
+            <a:ext cx="4500000" cy="1588"/>
+          </a:xfrm>
+          <a:prstGeom prst="straightConnector1">
+            <a:avLst/>
+          </a:prstGeom>
+          <a:ln>
+            <a:tailEnd type="none"/>
+          </a:ln>
+        </p:spPr>
+        <p:style>
+          <a:lnRef idx="1">
+            <a:schemeClr val="dk1"/>
+          </a:lnRef>
+          <a:fillRef idx="0">
+            <a:schemeClr val="dk1"/>
+          </a:fillRef>
+          <a:effectRef idx="0">
+            <a:schemeClr val="dk1"/>
+          </a:effectRef>
+          <a:fontRef idx="minor">
+            <a:schemeClr val="tx1"/>
+          </a:fontRef>
+        </p:style>
+      </p:cxnSp>
+      <p:cxnSp>
+        <p:nvCxnSpPr>
+          <p:cNvPr id="28" name="Connecteur droit avec flèche 27"/>
+          <p:cNvCxnSpPr/>
+          <p:nvPr/>
+        </p:nvCxnSpPr>
+        <p:spPr>
+          <a:xfrm>
+            <a:off x="971599" y="3147129"/>
+            <a:ext cx="4500000" cy="1588"/>
+          </a:xfrm>
+          <a:prstGeom prst="straightConnector1">
+            <a:avLst/>
+          </a:prstGeom>
+          <a:ln>
+            <a:tailEnd type="none"/>
+          </a:ln>
+        </p:spPr>
+        <p:style>
+          <a:lnRef idx="1">
+            <a:schemeClr val="dk1"/>
+          </a:lnRef>
+          <a:fillRef idx="0">
+            <a:schemeClr val="dk1"/>
+          </a:fillRef>
+          <a:effectRef idx="0">
+            <a:schemeClr val="dk1"/>
+          </a:effectRef>
+          <a:fontRef idx="minor">
+            <a:schemeClr val="tx1"/>
+          </a:fontRef>
+        </p:style>
+      </p:cxnSp>
+      <p:sp>
+        <p:nvSpPr>
+          <p:cNvPr id="32" name="ZoneTexte 31"/>
+          <p:cNvSpPr txBox="1"/>
+          <p:nvPr/>
+        </p:nvSpPr>
+        <p:spPr>
+          <a:xfrm>
+            <a:off x="4435732" y="3252663"/>
+            <a:ext cx="927720" cy="400110"/>
+          </a:xfrm>
+          <a:prstGeom prst="rect">
+            <a:avLst/>
+          </a:prstGeom>
+          <a:noFill/>
+        </p:spPr>
+        <p:txBody>
+          <a:bodyPr wrap="square" rtlCol="0">
+            <a:spAutoFit/>
+          </a:bodyPr>
+          <a:lstStyle/>
+          <a:p>
+            <a:pPr>
+              <a:tabLst>
+                <a:tab pos="465138" algn="ctr"/>
+                <a:tab pos="1549400" algn="ctr"/>
+                <a:tab pos="2649538" algn="ctr"/>
+                <a:tab pos="3719513" algn="ctr"/>
+              </a:tabLst>
+            </a:pPr>
+            <a:r>
+              <a:rPr lang="fr-BE" sz="2000" b="1" smtClean="0">
+                <a:solidFill>
+                  <a:schemeClr val="bg1"/>
+                </a:solidFill>
+              </a:rPr>
+              <a:t>96-100</a:t>
+            </a:r>
+            <a:endParaRPr lang="fr-BE" sz="2000" b="1">
+              <a:solidFill>
+                <a:schemeClr val="bg1"/>
+              </a:solidFill>
+            </a:endParaRPr>
+          </a:p>
+        </p:txBody>
+      </p:sp>
+      <p:sp>
+        <p:nvSpPr>
+          <p:cNvPr id="33" name="Rectangle 32"/>
+          <p:cNvSpPr/>
+          <p:nvPr/>
+        </p:nvSpPr>
+        <p:spPr>
+          <a:xfrm>
+            <a:off x="6300192" y="1268760"/>
+            <a:ext cx="1008112" cy="576064"/>
+          </a:xfrm>
+          <a:prstGeom prst="rect">
+            <a:avLst/>
+          </a:prstGeom>
+          <a:solidFill>
+            <a:srgbClr val="00B050"/>
+          </a:solidFill>
+          <a:ln w="19050"/>
+        </p:spPr>
+        <p:style>
+          <a:lnRef idx="2">
+            <a:schemeClr val="dk1"/>
+          </a:lnRef>
+          <a:fillRef idx="1">
+            <a:schemeClr val="lt1"/>
+          </a:fillRef>
+          <a:effectRef idx="0">
+            <a:schemeClr val="dk1"/>
+          </a:effectRef>
+          <a:fontRef idx="minor">
+            <a:schemeClr val="dk1"/>
+          </a:fontRef>
+        </p:style>
+        <p:txBody>
+          <a:bodyPr rtlCol="0" anchor="ctr"/>
+          <a:lstStyle/>
+          <a:p>
+            <a:pPr algn="ctr"/>
+            <a:r>
+              <a:rPr lang="fr-BE" b="1" smtClean="0">
+                <a:solidFill>
+                  <a:schemeClr val="bg1"/>
+                </a:solidFill>
+              </a:rPr>
+              <a:t>Broken</a:t>
+            </a:r>
+            <a:endParaRPr lang="fr-BE" sz="2000" b="1">
+              <a:solidFill>
+                <a:schemeClr val="bg1"/>
+              </a:solidFill>
+            </a:endParaRPr>
+          </a:p>
+        </p:txBody>
+      </p:sp>
+      <p:sp>
+        <p:nvSpPr>
+          <p:cNvPr id="34" name="Rectangle 33"/>
+          <p:cNvSpPr/>
+          <p:nvPr/>
+        </p:nvSpPr>
+        <p:spPr>
+          <a:xfrm>
+            <a:off x="6300192" y="1916832"/>
+            <a:ext cx="1008112" cy="576064"/>
+          </a:xfrm>
+          <a:prstGeom prst="rect">
+            <a:avLst/>
+          </a:prstGeom>
+          <a:solidFill>
+            <a:srgbClr val="FFC000"/>
+          </a:solidFill>
+          <a:ln w="19050"/>
+        </p:spPr>
+        <p:style>
+          <a:lnRef idx="2">
+            <a:schemeClr val="dk1"/>
+          </a:lnRef>
+          <a:fillRef idx="1">
+            <a:schemeClr val="lt1"/>
+          </a:fillRef>
+          <a:effectRef idx="0">
+            <a:schemeClr val="dk1"/>
+          </a:effectRef>
+          <a:fontRef idx="minor">
+            <a:schemeClr val="dk1"/>
+          </a:fontRef>
+        </p:style>
+        <p:txBody>
+          <a:bodyPr rtlCol="0" anchor="ctr"/>
+          <a:lstStyle/>
+          <a:p>
+            <a:pPr algn="ctr"/>
+            <a:r>
+              <a:rPr lang="fr-BE" sz="1200" b="1" smtClean="0">
+                <a:solidFill>
+                  <a:schemeClr val="tx1"/>
+                </a:solidFill>
+              </a:rPr>
+              <a:t>At least one problem broken</a:t>
+            </a:r>
+            <a:endParaRPr lang="fr-BE" sz="1400" b="1">
+              <a:solidFill>
+                <a:schemeClr val="tx1"/>
+              </a:solidFill>
+            </a:endParaRPr>
+          </a:p>
+        </p:txBody>
+      </p:sp>
+      <p:sp>
+        <p:nvSpPr>
+          <p:cNvPr id="35" name="Rectangle 34"/>
+          <p:cNvSpPr/>
+          <p:nvPr/>
+        </p:nvSpPr>
+        <p:spPr>
+          <a:xfrm>
+            <a:off x="6300192" y="2564904"/>
+            <a:ext cx="1008112" cy="576064"/>
+          </a:xfrm>
+          <a:prstGeom prst="rect">
+            <a:avLst/>
+          </a:prstGeom>
+          <a:solidFill>
+            <a:schemeClr val="bg1"/>
+          </a:solidFill>
+          <a:ln w="19050"/>
+        </p:spPr>
+        <p:style>
+          <a:lnRef idx="2">
+            <a:schemeClr val="dk1"/>
+          </a:lnRef>
+          <a:fillRef idx="1">
+            <a:schemeClr val="lt1"/>
+          </a:fillRef>
+          <a:effectRef idx="0">
+            <a:schemeClr val="dk1"/>
+          </a:effectRef>
+          <a:fontRef idx="minor">
+            <a:schemeClr val="dk1"/>
+          </a:fontRef>
+        </p:style>
+        <p:txBody>
+          <a:bodyPr rtlCol="0" anchor="ctr"/>
+          <a:lstStyle/>
+          <a:p>
+            <a:pPr algn="ctr"/>
+            <a:r>
+              <a:rPr lang="fr-BE" sz="1200" b="1" smtClean="0">
+                <a:solidFill>
+                  <a:schemeClr val="tx1"/>
+                </a:solidFill>
+              </a:rPr>
+              <a:t>No problem broken</a:t>
+            </a:r>
+            <a:endParaRPr lang="fr-BE" sz="1400" b="1">
+              <a:solidFill>
+                <a:schemeClr val="tx1"/>
+              </a:solidFill>
+            </a:endParaRPr>
+          </a:p>
+        </p:txBody>
+      </p:sp>
+      <p:sp>
+        <p:nvSpPr>
+          <p:cNvPr id="36" name="ZoneTexte 35"/>
+          <p:cNvSpPr txBox="1"/>
+          <p:nvPr/>
+        </p:nvSpPr>
+        <p:spPr>
+          <a:xfrm>
+            <a:off x="1042547" y="988611"/>
+            <a:ext cx="4392488" cy="2631490"/>
+          </a:xfrm>
+          <a:prstGeom prst="rect">
+            <a:avLst/>
+          </a:prstGeom>
+          <a:noFill/>
+        </p:spPr>
+        <p:txBody>
+          <a:bodyPr wrap="square" rtlCol="0">
+            <a:spAutoFit/>
+          </a:bodyPr>
+          <a:lstStyle/>
+          <a:p>
+            <a:pPr>
+              <a:lnSpc>
+                <a:spcPts val="2230"/>
+              </a:lnSpc>
+              <a:tabLst>
+                <a:tab pos="465138" algn="ctr"/>
+                <a:tab pos="1549400" algn="ctr"/>
+                <a:tab pos="2649538" algn="ctr"/>
+                <a:tab pos="3719513" algn="ctr"/>
+              </a:tabLst>
+            </a:pPr>
+            <a:r>
+              <a:rPr lang="fr-BE" sz="2400" b="1" smtClean="0">
+                <a:solidFill>
+                  <a:schemeClr val="bg1"/>
+                </a:solidFill>
+              </a:rPr>
+              <a:t>	</a:t>
+            </a:r>
+            <a:r>
+              <a:rPr lang="fr-BE" sz="2000" b="1" smtClean="0">
+                <a:solidFill>
+                  <a:schemeClr val="bg1"/>
+                </a:solidFill>
+              </a:rPr>
+              <a:t> Equipo		0.67	0.66 </a:t>
+            </a:r>
+          </a:p>
+          <a:p>
+            <a:pPr>
+              <a:lnSpc>
+                <a:spcPts val="2230"/>
+              </a:lnSpc>
+              <a:tabLst>
+                <a:tab pos="465138" algn="ctr"/>
+                <a:tab pos="1549400" algn="ctr"/>
+                <a:tab pos="2649538" algn="ctr"/>
+                <a:tab pos="3719513" algn="ctr"/>
+              </a:tabLst>
+            </a:pPr>
+            <a:endParaRPr lang="fr-BE" sz="2000" b="1" smtClean="0">
+              <a:solidFill>
+                <a:schemeClr val="bg1"/>
+              </a:solidFill>
+            </a:endParaRPr>
+          </a:p>
+          <a:p>
+            <a:pPr>
+              <a:lnSpc>
+                <a:spcPts val="2230"/>
+              </a:lnSpc>
+              <a:tabLst>
+                <a:tab pos="465138" algn="ctr"/>
+                <a:tab pos="1549400" algn="ctr"/>
+                <a:tab pos="2649538" algn="ctr"/>
+                <a:tab pos="3719513" algn="ctr"/>
+              </a:tabLst>
+            </a:pPr>
+            <a:r>
+              <a:rPr lang="fr-BE" sz="2000" b="1" smtClean="0">
+                <a:solidFill>
+                  <a:schemeClr val="bg1"/>
+                </a:solidFill>
+              </a:rPr>
+              <a:t>	DFASAT		0.60	0.51</a:t>
+            </a:r>
+          </a:p>
+          <a:p>
+            <a:pPr>
+              <a:lnSpc>
+                <a:spcPts val="2230"/>
+              </a:lnSpc>
+              <a:tabLst>
+                <a:tab pos="465138" algn="ctr"/>
+                <a:tab pos="1549400" algn="ctr"/>
+                <a:tab pos="2649538" algn="ctr"/>
+                <a:tab pos="3719513" algn="ctr"/>
+              </a:tabLst>
+            </a:pPr>
+            <a:endParaRPr lang="fr-BE" sz="2000" b="1" smtClean="0">
+              <a:solidFill>
+                <a:schemeClr val="bg1"/>
+              </a:solidFill>
+            </a:endParaRPr>
+          </a:p>
+          <a:p>
+            <a:pPr>
+              <a:lnSpc>
+                <a:spcPts val="2230"/>
+              </a:lnSpc>
+              <a:tabLst>
+                <a:tab pos="465138" algn="ctr"/>
+                <a:tab pos="1549400" algn="ctr"/>
+                <a:tab pos="2649538" algn="ctr"/>
+                <a:tab pos="3719513" algn="ctr"/>
+              </a:tabLst>
+            </a:pPr>
+            <a:r>
+              <a:rPr lang="fr-BE" sz="2000" b="1" smtClean="0">
+                <a:solidFill>
+                  <a:schemeClr val="bg1"/>
+                </a:solidFill>
+              </a:rPr>
+              <a:t>	DFASAT	 	0.50	0.50</a:t>
+            </a:r>
+          </a:p>
+          <a:p>
+            <a:pPr>
+              <a:lnSpc>
+                <a:spcPts val="2230"/>
+              </a:lnSpc>
+              <a:tabLst>
+                <a:tab pos="465138" algn="ctr"/>
+                <a:tab pos="1549400" algn="ctr"/>
+                <a:tab pos="2649538" algn="ctr"/>
+                <a:tab pos="3719513" algn="ctr"/>
+              </a:tabLst>
+            </a:pPr>
+            <a:endParaRPr lang="fr-BE" sz="2000" b="1" smtClean="0">
+              <a:solidFill>
+                <a:schemeClr val="bg1"/>
+              </a:solidFill>
+            </a:endParaRPr>
+          </a:p>
+          <a:p>
+            <a:pPr>
+              <a:lnSpc>
+                <a:spcPts val="2230"/>
+              </a:lnSpc>
+              <a:tabLst>
+                <a:tab pos="465138" algn="ctr"/>
+                <a:tab pos="1549400" algn="ctr"/>
+                <a:tab pos="2649538" algn="ctr"/>
+                <a:tab pos="3719513" algn="ctr"/>
+              </a:tabLst>
+            </a:pPr>
+            <a:r>
+              <a:rPr lang="fr-BE" sz="2000" b="1" smtClean="0">
+                <a:solidFill>
+                  <a:schemeClr val="bg1"/>
+                </a:solidFill>
+              </a:rPr>
+              <a:t>	DFASAT		0.54	0.50</a:t>
+            </a:r>
+          </a:p>
+          <a:p>
+            <a:pPr>
+              <a:lnSpc>
+                <a:spcPts val="2230"/>
+              </a:lnSpc>
+              <a:tabLst>
+                <a:tab pos="465138" algn="ctr"/>
+                <a:tab pos="1549400" algn="ctr"/>
+                <a:tab pos="2649538" algn="ctr"/>
+                <a:tab pos="3719513" algn="ctr"/>
+              </a:tabLst>
+            </a:pPr>
+            <a:endParaRPr lang="fr-BE" sz="2000" b="1" smtClean="0">
+              <a:solidFill>
+                <a:schemeClr val="bg1"/>
+              </a:solidFill>
+            </a:endParaRPr>
+          </a:p>
+          <a:p>
+            <a:pPr>
+              <a:lnSpc>
+                <a:spcPts val="2230"/>
+              </a:lnSpc>
+              <a:tabLst>
+                <a:tab pos="465138" algn="ctr"/>
+                <a:tab pos="1549400" algn="ctr"/>
+                <a:tab pos="2649538" algn="ctr"/>
+                <a:tab pos="3719513" algn="ctr"/>
+              </a:tabLst>
+            </a:pPr>
+            <a:r>
+              <a:rPr lang="fr-BE" sz="2000" b="1" smtClean="0">
+                <a:solidFill>
+                  <a:schemeClr val="bg1"/>
+                </a:solidFill>
+              </a:rPr>
+              <a:t>	DFASAT	DFASAT	0.57	0.50</a:t>
+            </a:r>
+          </a:p>
+        </p:txBody>
+      </p:sp>
     </p:spTree>
   </p:cSld>
   <p:clrMapOvr>
